--- a/Documentation/WP7 PCRemote - presentation.pptx
+++ b/Documentation/WP7 PCRemote - presentation.pptx
@@ -1,19 +1,33 @@
 
 <file path=ppt/presentation.xml><?xml version="1.0" encoding="utf-8"?>
-<p:presentation xmlns:a="http://schemas.openxmlformats.org/drawingml/2006/main" xmlns:r="http://schemas.openxmlformats.org/officeDocument/2006/relationships" xmlns:p="http://schemas.openxmlformats.org/presentationml/2006/main" showSpecialPlsOnTitleSld="0" saveSubsetFonts="1">
+<p:presentation xmlns:a="http://schemas.openxmlformats.org/drawingml/2006/main" xmlns:r="http://schemas.openxmlformats.org/officeDocument/2006/relationships" xmlns:p="http://schemas.openxmlformats.org/presentationml/2006/main" saveSubsetFonts="1">
   <p:sldMasterIdLst>
-    <p:sldMasterId id="2147483780" r:id="rId1"/>
+    <p:sldMasterId id="2147483792" r:id="rId1"/>
   </p:sldMasterIdLst>
   <p:notesMasterIdLst>
-    <p:notesMasterId r:id="rId5"/>
+    <p:notesMasterId r:id="rId19"/>
   </p:notesMasterIdLst>
   <p:handoutMasterIdLst>
-    <p:handoutMasterId r:id="rId6"/>
+    <p:handoutMasterId r:id="rId20"/>
   </p:handoutMasterIdLst>
   <p:sldIdLst>
-    <p:sldId id="256" r:id="rId2"/>
+    <p:sldId id="259" r:id="rId2"/>
     <p:sldId id="257" r:id="rId3"/>
-    <p:sldId id="258" r:id="rId4"/>
+    <p:sldId id="265" r:id="rId4"/>
+    <p:sldId id="258" r:id="rId5"/>
+    <p:sldId id="260" r:id="rId6"/>
+    <p:sldId id="261" r:id="rId7"/>
+    <p:sldId id="262" r:id="rId8"/>
+    <p:sldId id="263" r:id="rId9"/>
+    <p:sldId id="266" r:id="rId10"/>
+    <p:sldId id="267" r:id="rId11"/>
+    <p:sldId id="268" r:id="rId12"/>
+    <p:sldId id="269" r:id="rId13"/>
+    <p:sldId id="270" r:id="rId14"/>
+    <p:sldId id="271" r:id="rId15"/>
+    <p:sldId id="272" r:id="rId16"/>
+    <p:sldId id="273" r:id="rId17"/>
+    <p:sldId id="264" r:id="rId18"/>
   </p:sldIdLst>
   <p:sldSz cx="9144000" cy="6858000" type="screen4x3"/>
   <p:notesSz cx="6858000" cy="9144000"/>
@@ -201,7 +215,7 @@
           <a:p>
             <a:fld id="{332D9346-24AB-4DB0-80A2-9DE4BC3C1ECF}" type="datetimeFigureOut">
               <a:rPr lang="en-US" smtClean="0"/>
-              <a:t>19-Nov-12</a:t>
+              <a:t>01-Dec-12</a:t>
             </a:fld>
             <a:endParaRPr lang="en-US"/>
           </a:p>
@@ -375,7 +389,7 @@
           <a:p>
             <a:fld id="{91F5FC25-E016-433D-B1BD-D84F9F6FDB93}" type="datetimeFigureOut">
               <a:rPr lang="en-US" smtClean="0"/>
-              <a:t>19-Nov-12</a:t>
+              <a:t>01-Dec-12</a:t>
             </a:fld>
             <a:endParaRPr lang="en-US"/>
           </a:p>
@@ -692,14 +706,14 @@
           <a:bodyPr/>
           <a:lstStyle/>
           <a:p>
-            <a:endParaRPr lang="en-US"/>
+            <a:endParaRPr lang="en-US" noProof="0" dirty="0"/>
           </a:p>
         </p:txBody>
       </p:sp>
     </p:spTree>
     <p:extLst>
       <p:ext uri="{BB962C8B-B14F-4D97-AF65-F5344CB8AC3E}">
-        <p14:creationId xmlns:p14="http://schemas.microsoft.com/office/powerpoint/2010/main" val="3728407019"/>
+        <p14:creationId xmlns:p14="http://schemas.microsoft.com/office/powerpoint/2010/main" val="2841013314"/>
       </p:ext>
     </p:extLst>
   </p:cSld>
@@ -710,7 +724,7 @@
 </file>
 
 <file path=ppt/slideLayouts/slideLayout1.xml><?xml version="1.0" encoding="utf-8"?>
-<p:sldLayout xmlns:a="http://schemas.openxmlformats.org/drawingml/2006/main" xmlns:r="http://schemas.openxmlformats.org/officeDocument/2006/relationships" xmlns:p="http://schemas.openxmlformats.org/presentationml/2006/main" showMasterSp="0" type="title" preserve="1">
+<p:sldLayout xmlns:a="http://schemas.openxmlformats.org/drawingml/2006/main" xmlns:r="http://schemas.openxmlformats.org/officeDocument/2006/relationships" xmlns:p="http://schemas.openxmlformats.org/presentationml/2006/main" type="title" preserve="1">
   <p:cSld name="Slajd tytułowy">
     <p:spTree>
       <p:nvGrpSpPr>
@@ -728,276 +742,35 @@
       </p:grpSpPr>
       <p:sp>
         <p:nvSpPr>
-          <p:cNvPr id="11" name="Rectangle 10"/>
-          <p:cNvSpPr/>
-          <p:nvPr/>
+          <p:cNvPr id="2" name="Tytuł 1"/>
+          <p:cNvSpPr>
+            <a:spLocks noGrp="1"/>
+          </p:cNvSpPr>
+          <p:nvPr>
+            <p:ph type="ctrTitle"/>
+          </p:nvPr>
         </p:nvSpPr>
         <p:spPr>
           <a:xfrm>
-            <a:off x="0" y="3866920"/>
-            <a:ext cx="9144000" cy="2991080"/>
+            <a:off x="685800" y="2130425"/>
+            <a:ext cx="7772400" cy="1470025"/>
           </a:xfrm>
-          <a:prstGeom prst="rect">
-            <a:avLst/>
-          </a:prstGeom>
-          <a:gradFill>
-            <a:gsLst>
-              <a:gs pos="0">
-                <a:schemeClr val="bg1">
-                  <a:alpha val="91000"/>
-                </a:schemeClr>
-              </a:gs>
-              <a:gs pos="37000">
-                <a:schemeClr val="bg1">
-                  <a:alpha val="76000"/>
-                </a:schemeClr>
-              </a:gs>
-              <a:gs pos="100000">
-                <a:schemeClr val="bg2">
-                  <a:alpha val="79000"/>
-                </a:schemeClr>
-              </a:gs>
-            </a:gsLst>
-            <a:path path="circle">
-              <a:fillToRect l="50000" t="50000" r="50000" b="50000"/>
-            </a:path>
-          </a:gradFill>
-          <a:ln>
-            <a:noFill/>
-          </a:ln>
         </p:spPr>
-        <p:style>
-          <a:lnRef idx="2">
-            <a:schemeClr val="accent1">
-              <a:shade val="50000"/>
-            </a:schemeClr>
-          </a:lnRef>
-          <a:fillRef idx="1">
-            <a:schemeClr val="accent1"/>
-          </a:fillRef>
-          <a:effectRef idx="0">
-            <a:schemeClr val="accent1"/>
-          </a:effectRef>
-          <a:fontRef idx="minor">
-            <a:schemeClr val="lt1"/>
-          </a:fontRef>
-        </p:style>
-        <p:txBody>
-          <a:bodyPr rtlCol="0" anchor="ctr"/>
+        <p:txBody>
+          <a:bodyPr/>
           <a:lstStyle/>
           <a:p>
-            <a:pPr algn="ctr"/>
+            <a:r>
+              <a:rPr lang="pl-PL" smtClean="0"/>
+              <a:t>Kliknij, aby edytować styl</a:t>
+            </a:r>
             <a:endParaRPr lang="en-US"/>
           </a:p>
         </p:txBody>
       </p:sp>
       <p:sp>
         <p:nvSpPr>
-          <p:cNvPr id="12" name="Rectangle 11"/>
-          <p:cNvSpPr/>
-          <p:nvPr/>
-        </p:nvSpPr>
-        <p:spPr>
-          <a:xfrm>
-            <a:off x="0" y="0"/>
-            <a:ext cx="9144000" cy="3866920"/>
-          </a:xfrm>
-          <a:prstGeom prst="rect">
-            <a:avLst/>
-          </a:prstGeom>
-          <a:gradFill flip="none" rotWithShape="1">
-            <a:gsLst>
-              <a:gs pos="0">
-                <a:schemeClr val="bg1">
-                  <a:alpha val="89000"/>
-                </a:schemeClr>
-              </a:gs>
-              <a:gs pos="48000">
-                <a:schemeClr val="bg1">
-                  <a:alpha val="62000"/>
-                </a:schemeClr>
-              </a:gs>
-              <a:gs pos="100000">
-                <a:schemeClr val="bg2">
-                  <a:alpha val="79000"/>
-                </a:schemeClr>
-              </a:gs>
-            </a:gsLst>
-            <a:path path="circle">
-              <a:fillToRect l="50000" t="50000" r="50000" b="50000"/>
-            </a:path>
-            <a:tileRect/>
-          </a:gradFill>
-          <a:ln>
-            <a:noFill/>
-          </a:ln>
-        </p:spPr>
-        <p:style>
-          <a:lnRef idx="2">
-            <a:schemeClr val="accent1">
-              <a:shade val="50000"/>
-            </a:schemeClr>
-          </a:lnRef>
-          <a:fillRef idx="1">
-            <a:schemeClr val="accent1"/>
-          </a:fillRef>
-          <a:effectRef idx="0">
-            <a:schemeClr val="accent1"/>
-          </a:effectRef>
-          <a:fontRef idx="minor">
-            <a:schemeClr val="lt1"/>
-          </a:fontRef>
-        </p:style>
-        <p:txBody>
-          <a:bodyPr rtlCol="0" anchor="ctr"/>
-          <a:lstStyle/>
-          <a:p>
-            <a:pPr algn="ctr"/>
-            <a:endParaRPr lang="en-US" dirty="0"/>
-          </a:p>
-        </p:txBody>
-      </p:sp>
-      <p:sp>
-        <p:nvSpPr>
-          <p:cNvPr id="13" name="Rectangle 12"/>
-          <p:cNvSpPr/>
-          <p:nvPr/>
-        </p:nvSpPr>
-        <p:spPr>
-          <a:xfrm>
-            <a:off x="0" y="2652311"/>
-            <a:ext cx="9144000" cy="2286000"/>
-          </a:xfrm>
-          <a:prstGeom prst="rect">
-            <a:avLst/>
-          </a:prstGeom>
-          <a:gradFill flip="none" rotWithShape="1">
-            <a:gsLst>
-              <a:gs pos="0">
-                <a:schemeClr val="bg1">
-                  <a:alpha val="0"/>
-                </a:schemeClr>
-              </a:gs>
-              <a:gs pos="29000">
-                <a:schemeClr val="bg1">
-                  <a:alpha val="30000"/>
-                </a:schemeClr>
-              </a:gs>
-              <a:gs pos="45000">
-                <a:schemeClr val="bg2">
-                  <a:alpha val="40000"/>
-                </a:schemeClr>
-              </a:gs>
-              <a:gs pos="55000">
-                <a:schemeClr val="bg1">
-                  <a:alpha val="26000"/>
-                </a:schemeClr>
-              </a:gs>
-              <a:gs pos="65000">
-                <a:schemeClr val="bg2">
-                  <a:alpha val="60000"/>
-                </a:schemeClr>
-              </a:gs>
-              <a:gs pos="100000">
-                <a:schemeClr val="bg1">
-                  <a:alpha val="0"/>
-                </a:schemeClr>
-              </a:gs>
-            </a:gsLst>
-            <a:lin ang="5400000" scaled="0"/>
-            <a:tileRect/>
-          </a:gradFill>
-          <a:ln>
-            <a:noFill/>
-          </a:ln>
-        </p:spPr>
-        <p:style>
-          <a:lnRef idx="2">
-            <a:schemeClr val="accent1">
-              <a:shade val="50000"/>
-            </a:schemeClr>
-          </a:lnRef>
-          <a:fillRef idx="1">
-            <a:schemeClr val="accent1"/>
-          </a:fillRef>
-          <a:effectRef idx="0">
-            <a:schemeClr val="accent1"/>
-          </a:effectRef>
-          <a:fontRef idx="minor">
-            <a:schemeClr val="lt1"/>
-          </a:fontRef>
-        </p:style>
-        <p:txBody>
-          <a:bodyPr rtlCol="0" anchor="ctr"/>
-          <a:lstStyle/>
-          <a:p>
-            <a:pPr algn="ctr"/>
-            <a:endParaRPr lang="en-US"/>
-          </a:p>
-        </p:txBody>
-      </p:sp>
-      <p:sp>
-        <p:nvSpPr>
-          <p:cNvPr id="14" name="Oval 13"/>
-          <p:cNvSpPr/>
-          <p:nvPr/>
-        </p:nvSpPr>
-        <p:spPr>
-          <a:xfrm>
-            <a:off x="0" y="1600200"/>
-            <a:ext cx="9144000" cy="5105400"/>
-          </a:xfrm>
-          <a:prstGeom prst="ellipse">
-            <a:avLst/>
-          </a:prstGeom>
-          <a:gradFill flip="none" rotWithShape="1">
-            <a:gsLst>
-              <a:gs pos="0">
-                <a:schemeClr val="bg1"/>
-              </a:gs>
-              <a:gs pos="54000">
-                <a:schemeClr val="bg1">
-                  <a:alpha val="0"/>
-                </a:schemeClr>
-              </a:gs>
-            </a:gsLst>
-            <a:path path="circle">
-              <a:fillToRect l="50000" t="50000" r="50000" b="50000"/>
-            </a:path>
-            <a:tileRect/>
-          </a:gradFill>
-          <a:ln>
-            <a:noFill/>
-          </a:ln>
-        </p:spPr>
-        <p:style>
-          <a:lnRef idx="2">
-            <a:schemeClr val="accent1">
-              <a:shade val="50000"/>
-            </a:schemeClr>
-          </a:lnRef>
-          <a:fillRef idx="1">
-            <a:schemeClr val="accent1"/>
-          </a:fillRef>
-          <a:effectRef idx="0">
-            <a:schemeClr val="accent1"/>
-          </a:effectRef>
-          <a:fontRef idx="minor">
-            <a:schemeClr val="lt1"/>
-          </a:fontRef>
-        </p:style>
-        <p:txBody>
-          <a:bodyPr rtlCol="0" anchor="ctr"/>
-          <a:lstStyle/>
-          <a:p>
-            <a:pPr algn="ctr"/>
-            <a:endParaRPr lang="en-US"/>
-          </a:p>
-        </p:txBody>
-      </p:sp>
-      <p:sp>
-        <p:nvSpPr>
-          <p:cNvPr id="3" name="Subtitle 2"/>
+          <p:cNvPr id="3" name="Podtytuł 2"/>
           <p:cNvSpPr>
             <a:spLocks noGrp="1"/>
           </p:cNvSpPr>
@@ -1007,20 +780,20 @@
         </p:nvSpPr>
         <p:spPr>
           <a:xfrm>
-            <a:off x="1473795" y="5052545"/>
-            <a:ext cx="5637010" cy="882119"/>
+            <a:off x="1371600" y="3886200"/>
+            <a:ext cx="6400800" cy="1752600"/>
           </a:xfrm>
         </p:spPr>
         <p:txBody>
-          <a:bodyPr>
-            <a:normAutofit/>
-          </a:bodyPr>
+          <a:bodyPr/>
           <a:lstStyle>
-            <a:lvl1pPr marL="0" indent="0" algn="l">
+            <a:lvl1pPr marL="0" indent="0" algn="ctr">
               <a:buNone/>
-              <a:defRPr sz="2200">
-                <a:solidFill>
-                  <a:schemeClr val="tx2"/>
+              <a:defRPr>
+                <a:solidFill>
+                  <a:schemeClr val="tx1">
+                    <a:tint val="75000"/>
+                  </a:schemeClr>
                 </a:solidFill>
               </a:defRPr>
             </a:lvl1pPr>
@@ -1110,13 +883,13 @@
               <a:rPr lang="pl-PL" smtClean="0"/>
               <a:t>Kliknij, aby edytować styl wzorca podtytułu</a:t>
             </a:r>
-            <a:endParaRPr lang="en-US" dirty="0"/>
-          </a:p>
-        </p:txBody>
-      </p:sp>
-      <p:sp>
-        <p:nvSpPr>
-          <p:cNvPr id="4" name="Date Placeholder 3"/>
+            <a:endParaRPr lang="en-US"/>
+          </a:p>
+        </p:txBody>
+      </p:sp>
+      <p:sp>
+        <p:nvSpPr>
+          <p:cNvPr id="4" name="Symbol zastępczy daty 3"/>
           <p:cNvSpPr>
             <a:spLocks noGrp="1"/>
           </p:cNvSpPr>
@@ -1129,9 +902,9 @@
           <a:bodyPr/>
           <a:lstStyle/>
           <a:p>
-            <a:fld id="{FC2FCE11-6348-4AE2-8042-DE8DE276D8FC}" type="datetime1">
+            <a:fld id="{216FFC95-D36C-4CC3-872E-C89FAB064612}" type="datetime1">
               <a:rPr lang="en-US" smtClean="0"/>
-              <a:t>19-Nov-12</a:t>
+              <a:t>01-Dec-12</a:t>
             </a:fld>
             <a:endParaRPr lang="en-US"/>
           </a:p>
@@ -1139,7 +912,7 @@
       </p:sp>
       <p:sp>
         <p:nvSpPr>
-          <p:cNvPr id="5" name="Footer Placeholder 4"/>
+          <p:cNvPr id="5" name="Symbol zastępczy stopki 4"/>
           <p:cNvSpPr>
             <a:spLocks noGrp="1"/>
           </p:cNvSpPr>
@@ -1162,7 +935,7 @@
       </p:sp>
       <p:sp>
         <p:nvSpPr>
-          <p:cNvPr id="6" name="Slide Number Placeholder 5"/>
+          <p:cNvPr id="6" name="Symbol zastępczy numeru slajdu 5"/>
           <p:cNvSpPr>
             <a:spLocks noGrp="1"/>
           </p:cNvSpPr>
@@ -1183,53 +956,16 @@
           </a:p>
         </p:txBody>
       </p:sp>
-      <p:sp>
-        <p:nvSpPr>
-          <p:cNvPr id="2" name="Title 1"/>
-          <p:cNvSpPr>
-            <a:spLocks noGrp="1"/>
-          </p:cNvSpPr>
-          <p:nvPr>
-            <p:ph type="ctrTitle"/>
-          </p:nvPr>
-        </p:nvSpPr>
-        <p:spPr>
-          <a:xfrm>
-            <a:off x="817581" y="3132290"/>
-            <a:ext cx="7175351" cy="1793167"/>
-          </a:xfrm>
-          <a:effectLst/>
-        </p:spPr>
-        <p:txBody>
-          <a:bodyPr>
-            <a:noAutofit/>
-          </a:bodyPr>
-          <a:lstStyle>
-            <a:lvl1pPr marL="640080" indent="-457200" algn="l">
-              <a:defRPr sz="5400"/>
-            </a:lvl1pPr>
-          </a:lstStyle>
-          <a:p>
-            <a:r>
-              <a:rPr lang="pl-PL" smtClean="0"/>
-              <a:t>Kliknij, aby edytować styl</a:t>
-            </a:r>
-            <a:endParaRPr lang="en-US" dirty="0"/>
-          </a:p>
-        </p:txBody>
-      </p:sp>
     </p:spTree>
+    <p:extLst>
+      <p:ext uri="{BB962C8B-B14F-4D97-AF65-F5344CB8AC3E}">
+        <p14:creationId xmlns:p14="http://schemas.microsoft.com/office/powerpoint/2010/main" val="2548185246"/>
+      </p:ext>
+    </p:extLst>
   </p:cSld>
   <p:clrMapOvr>
     <a:masterClrMapping/>
   </p:clrMapOvr>
-  <p:timing>
-    <p:tnLst>
-      <p:par>
-        <p:cTn id="1" dur="indefinite" restart="never" nodeType="tmRoot"/>
-      </p:par>
-    </p:tnLst>
-  </p:timing>
 </p:sldLayout>
 </file>
 
@@ -1252,7 +988,7 @@
       </p:grpSpPr>
       <p:sp>
         <p:nvSpPr>
-          <p:cNvPr id="2" name="Title 1"/>
+          <p:cNvPr id="2" name="Tytuł 1"/>
           <p:cNvSpPr>
             <a:spLocks noGrp="1"/>
           </p:cNvSpPr>
@@ -1275,7 +1011,7 @@
       </p:sp>
       <p:sp>
         <p:nvSpPr>
-          <p:cNvPr id="3" name="Vertical Text Placeholder 2"/>
+          <p:cNvPr id="3" name="Symbol zastępczy tytułu pionowego 2"/>
           <p:cNvSpPr>
             <a:spLocks noGrp="1"/>
           </p:cNvSpPr>
@@ -1283,12 +1019,7 @@
             <p:ph type="body" orient="vert" idx="1"/>
           </p:nvPr>
         </p:nvSpPr>
-        <p:spPr>
-          <a:xfrm>
-            <a:off x="1905000" y="731519"/>
-            <a:ext cx="6400800" cy="3474720"/>
-          </a:xfrm>
-        </p:spPr>
+        <p:spPr/>
         <p:txBody>
           <a:bodyPr vert="eaVert"/>
           <a:lstStyle/>
@@ -1332,7 +1063,7 @@
       </p:sp>
       <p:sp>
         <p:nvSpPr>
-          <p:cNvPr id="4" name="Date Placeholder 3"/>
+          <p:cNvPr id="4" name="Symbol zastępczy daty 3"/>
           <p:cNvSpPr>
             <a:spLocks noGrp="1"/>
           </p:cNvSpPr>
@@ -1345,9 +1076,9 @@
           <a:bodyPr/>
           <a:lstStyle/>
           <a:p>
-            <a:fld id="{C387B504-2BD7-4B42-A760-8D37A893BB42}" type="datetime1">
+            <a:fld id="{3BBBEADB-2BA4-461C-9275-33E22BCFBFA7}" type="datetime1">
               <a:rPr lang="en-US" smtClean="0"/>
-              <a:t>19-Nov-12</a:t>
+              <a:t>01-Dec-12</a:t>
             </a:fld>
             <a:endParaRPr lang="en-US"/>
           </a:p>
@@ -1355,7 +1086,7 @@
       </p:sp>
       <p:sp>
         <p:nvSpPr>
-          <p:cNvPr id="5" name="Footer Placeholder 4"/>
+          <p:cNvPr id="5" name="Symbol zastępczy stopki 4"/>
           <p:cNvSpPr>
             <a:spLocks noGrp="1"/>
           </p:cNvSpPr>
@@ -1378,7 +1109,7 @@
       </p:sp>
       <p:sp>
         <p:nvSpPr>
-          <p:cNvPr id="6" name="Slide Number Placeholder 5"/>
+          <p:cNvPr id="6" name="Symbol zastępczy numeru slajdu 5"/>
           <p:cNvSpPr>
             <a:spLocks noGrp="1"/>
           </p:cNvSpPr>
@@ -1400,17 +1131,15 @@
         </p:txBody>
       </p:sp>
     </p:spTree>
+    <p:extLst>
+      <p:ext uri="{BB962C8B-B14F-4D97-AF65-F5344CB8AC3E}">
+        <p14:creationId xmlns:p14="http://schemas.microsoft.com/office/powerpoint/2010/main" val="740307814"/>
+      </p:ext>
+    </p:extLst>
   </p:cSld>
   <p:clrMapOvr>
     <a:masterClrMapping/>
   </p:clrMapOvr>
-  <p:timing>
-    <p:tnLst>
-      <p:par>
-        <p:cTn id="1" dur="indefinite" restart="never" nodeType="tmRoot"/>
-      </p:par>
-    </p:tnLst>
-  </p:timing>
 </p:sldLayout>
 </file>
 
@@ -1433,7 +1162,7 @@
       </p:grpSpPr>
       <p:sp>
         <p:nvSpPr>
-          <p:cNvPr id="2" name="Vertical Title 1"/>
+          <p:cNvPr id="2" name="Tytuł pionowy 1"/>
           <p:cNvSpPr>
             <a:spLocks noGrp="1"/>
           </p:cNvSpPr>
@@ -1443,18 +1172,13 @@
         </p:nvSpPr>
         <p:spPr>
           <a:xfrm>
-            <a:off x="1153758" y="376517"/>
-            <a:ext cx="2057400" cy="5238339"/>
+            <a:off x="6629400" y="274638"/>
+            <a:ext cx="2057400" cy="5851525"/>
           </a:xfrm>
-          <a:effectLst/>
         </p:spPr>
         <p:txBody>
           <a:bodyPr vert="eaVert"/>
-          <a:lstStyle>
-            <a:lvl1pPr algn="l">
-              <a:defRPr/>
-            </a:lvl1pPr>
-          </a:lstStyle>
+          <a:lstStyle/>
           <a:p>
             <a:r>
               <a:rPr lang="pl-PL" smtClean="0"/>
@@ -1466,7 +1190,7 @@
       </p:sp>
       <p:sp>
         <p:nvSpPr>
-          <p:cNvPr id="3" name="Vertical Text Placeholder 2"/>
+          <p:cNvPr id="3" name="Symbol zastępczy tytułu pionowego 2"/>
           <p:cNvSpPr>
             <a:spLocks noGrp="1"/>
           </p:cNvSpPr>
@@ -1476,8 +1200,8 @@
         </p:nvSpPr>
         <p:spPr>
           <a:xfrm>
-            <a:off x="3324113" y="731519"/>
-            <a:ext cx="4829287" cy="4894729"/>
+            <a:off x="457200" y="274638"/>
+            <a:ext cx="6019800" cy="5851525"/>
           </a:xfrm>
         </p:spPr>
         <p:txBody>
@@ -1517,13 +1241,13 @@
               <a:rPr lang="pl-PL" smtClean="0"/>
               <a:t>Piąty poziom</a:t>
             </a:r>
-            <a:endParaRPr lang="en-US" dirty="0"/>
-          </a:p>
-        </p:txBody>
-      </p:sp>
-      <p:sp>
-        <p:nvSpPr>
-          <p:cNvPr id="4" name="Date Placeholder 3"/>
+            <a:endParaRPr lang="en-US"/>
+          </a:p>
+        </p:txBody>
+      </p:sp>
+      <p:sp>
+        <p:nvSpPr>
+          <p:cNvPr id="4" name="Symbol zastępczy daty 3"/>
           <p:cNvSpPr>
             <a:spLocks noGrp="1"/>
           </p:cNvSpPr>
@@ -1536,9 +1260,9 @@
           <a:bodyPr/>
           <a:lstStyle/>
           <a:p>
-            <a:fld id="{A2777380-3B96-401A-8810-1B712A649871}" type="datetime1">
+            <a:fld id="{CD7FBA6A-0E10-4BEC-88A2-0F8356DE4DEA}" type="datetime1">
               <a:rPr lang="en-US" smtClean="0"/>
-              <a:t>19-Nov-12</a:t>
+              <a:t>01-Dec-12</a:t>
             </a:fld>
             <a:endParaRPr lang="en-US"/>
           </a:p>
@@ -1546,7 +1270,7 @@
       </p:sp>
       <p:sp>
         <p:nvSpPr>
-          <p:cNvPr id="5" name="Footer Placeholder 4"/>
+          <p:cNvPr id="5" name="Symbol zastępczy stopki 4"/>
           <p:cNvSpPr>
             <a:spLocks noGrp="1"/>
           </p:cNvSpPr>
@@ -1569,7 +1293,7 @@
       </p:sp>
       <p:sp>
         <p:nvSpPr>
-          <p:cNvPr id="6" name="Slide Number Placeholder 5"/>
+          <p:cNvPr id="6" name="Symbol zastępczy numeru slajdu 5"/>
           <p:cNvSpPr>
             <a:spLocks noGrp="1"/>
           </p:cNvSpPr>
@@ -1591,17 +1315,15 @@
         </p:txBody>
       </p:sp>
     </p:spTree>
+    <p:extLst>
+      <p:ext uri="{BB962C8B-B14F-4D97-AF65-F5344CB8AC3E}">
+        <p14:creationId xmlns:p14="http://schemas.microsoft.com/office/powerpoint/2010/main" val="4183784681"/>
+      </p:ext>
+    </p:extLst>
   </p:cSld>
   <p:clrMapOvr>
     <a:masterClrMapping/>
   </p:clrMapOvr>
-  <p:timing>
-    <p:tnLst>
-      <p:par>
-        <p:cTn id="1" dur="indefinite" restart="never" nodeType="tmRoot"/>
-      </p:par>
-    </p:tnLst>
-  </p:timing>
 </p:sldLayout>
 </file>
 
@@ -1624,7 +1346,82 @@
       </p:grpSpPr>
       <p:sp>
         <p:nvSpPr>
-          <p:cNvPr id="4" name="Date Placeholder 3"/>
+          <p:cNvPr id="2" name="Tytuł 1"/>
+          <p:cNvSpPr>
+            <a:spLocks noGrp="1"/>
+          </p:cNvSpPr>
+          <p:nvPr>
+            <p:ph type="title"/>
+          </p:nvPr>
+        </p:nvSpPr>
+        <p:spPr/>
+        <p:txBody>
+          <a:bodyPr/>
+          <a:lstStyle/>
+          <a:p>
+            <a:r>
+              <a:rPr lang="pl-PL" smtClean="0"/>
+              <a:t>Kliknij, aby edytować styl</a:t>
+            </a:r>
+            <a:endParaRPr lang="en-US"/>
+          </a:p>
+        </p:txBody>
+      </p:sp>
+      <p:sp>
+        <p:nvSpPr>
+          <p:cNvPr id="3" name="Symbol zastępczy zawartości 2"/>
+          <p:cNvSpPr>
+            <a:spLocks noGrp="1"/>
+          </p:cNvSpPr>
+          <p:nvPr>
+            <p:ph idx="1"/>
+          </p:nvPr>
+        </p:nvSpPr>
+        <p:spPr/>
+        <p:txBody>
+          <a:bodyPr/>
+          <a:lstStyle/>
+          <a:p>
+            <a:pPr lvl="0"/>
+            <a:r>
+              <a:rPr lang="pl-PL" smtClean="0"/>
+              <a:t>Kliknij, aby edytować style wzorca tekstu</a:t>
+            </a:r>
+          </a:p>
+          <a:p>
+            <a:pPr lvl="1"/>
+            <a:r>
+              <a:rPr lang="pl-PL" smtClean="0"/>
+              <a:t>Drugi poziom</a:t>
+            </a:r>
+          </a:p>
+          <a:p>
+            <a:pPr lvl="2"/>
+            <a:r>
+              <a:rPr lang="pl-PL" smtClean="0"/>
+              <a:t>Trzeci poziom</a:t>
+            </a:r>
+          </a:p>
+          <a:p>
+            <a:pPr lvl="3"/>
+            <a:r>
+              <a:rPr lang="pl-PL" smtClean="0"/>
+              <a:t>Czwarty poziom</a:t>
+            </a:r>
+          </a:p>
+          <a:p>
+            <a:pPr lvl="4"/>
+            <a:r>
+              <a:rPr lang="pl-PL" smtClean="0"/>
+              <a:t>Piąty poziom</a:t>
+            </a:r>
+            <a:endParaRPr lang="en-US"/>
+          </a:p>
+        </p:txBody>
+      </p:sp>
+      <p:sp>
+        <p:nvSpPr>
+          <p:cNvPr id="4" name="Symbol zastępczy daty 3"/>
           <p:cNvSpPr>
             <a:spLocks noGrp="1"/>
           </p:cNvSpPr>
@@ -1637,9 +1434,9 @@
           <a:bodyPr/>
           <a:lstStyle/>
           <a:p>
-            <a:fld id="{3DE1BC81-1D46-43A2-9BE0-8F74CBC19B3D}" type="datetime1">
+            <a:fld id="{BDDD8762-245A-46BA-83F6-31F1E74F4FDA}" type="datetime1">
               <a:rPr lang="en-US" smtClean="0"/>
-              <a:t>19-Nov-12</a:t>
+              <a:t>01-Dec-12</a:t>
             </a:fld>
             <a:endParaRPr lang="en-US"/>
           </a:p>
@@ -1647,7 +1444,7 @@
       </p:sp>
       <p:sp>
         <p:nvSpPr>
-          <p:cNvPr id="5" name="Footer Placeholder 4"/>
+          <p:cNvPr id="5" name="Symbol zastępczy stopki 4"/>
           <p:cNvSpPr>
             <a:spLocks noGrp="1"/>
           </p:cNvSpPr>
@@ -1670,7 +1467,7 @@
       </p:sp>
       <p:sp>
         <p:nvSpPr>
-          <p:cNvPr id="6" name="Slide Number Placeholder 5"/>
+          <p:cNvPr id="6" name="Symbol zastępczy numeru slajdu 5"/>
           <p:cNvSpPr>
             <a:spLocks noGrp="1"/>
           </p:cNvSpPr>
@@ -1691,98 +1488,16 @@
           </a:p>
         </p:txBody>
       </p:sp>
-      <p:sp>
-        <p:nvSpPr>
-          <p:cNvPr id="8" name="Title 7"/>
-          <p:cNvSpPr>
-            <a:spLocks noGrp="1"/>
-          </p:cNvSpPr>
-          <p:nvPr>
-            <p:ph type="title"/>
-          </p:nvPr>
-        </p:nvSpPr>
-        <p:spPr/>
-        <p:txBody>
-          <a:bodyPr/>
-          <a:lstStyle/>
-          <a:p>
-            <a:r>
-              <a:rPr lang="pl-PL" smtClean="0"/>
-              <a:t>Kliknij, aby edytować styl</a:t>
-            </a:r>
-            <a:endParaRPr lang="en-US"/>
-          </a:p>
-        </p:txBody>
-      </p:sp>
-      <p:sp>
-        <p:nvSpPr>
-          <p:cNvPr id="10" name="Content Placeholder 9"/>
-          <p:cNvSpPr>
-            <a:spLocks noGrp="1"/>
-          </p:cNvSpPr>
-          <p:nvPr>
-            <p:ph sz="quarter" idx="13"/>
-          </p:nvPr>
-        </p:nvSpPr>
-        <p:spPr>
-          <a:xfrm>
-            <a:off x="1143000" y="731520"/>
-            <a:ext cx="6400800" cy="3474720"/>
-          </a:xfrm>
-        </p:spPr>
-        <p:txBody>
-          <a:bodyPr/>
-          <a:lstStyle/>
-          <a:p>
-            <a:pPr lvl="0"/>
-            <a:r>
-              <a:rPr lang="pl-PL" smtClean="0"/>
-              <a:t>Kliknij, aby edytować style wzorca tekstu</a:t>
-            </a:r>
-          </a:p>
-          <a:p>
-            <a:pPr lvl="1"/>
-            <a:r>
-              <a:rPr lang="pl-PL" smtClean="0"/>
-              <a:t>Drugi poziom</a:t>
-            </a:r>
-          </a:p>
-          <a:p>
-            <a:pPr lvl="2"/>
-            <a:r>
-              <a:rPr lang="pl-PL" smtClean="0"/>
-              <a:t>Trzeci poziom</a:t>
-            </a:r>
-          </a:p>
-          <a:p>
-            <a:pPr lvl="3"/>
-            <a:r>
-              <a:rPr lang="pl-PL" smtClean="0"/>
-              <a:t>Czwarty poziom</a:t>
-            </a:r>
-          </a:p>
-          <a:p>
-            <a:pPr lvl="4"/>
-            <a:r>
-              <a:rPr lang="pl-PL" smtClean="0"/>
-              <a:t>Piąty poziom</a:t>
-            </a:r>
-            <a:endParaRPr lang="en-US" dirty="0"/>
-          </a:p>
-        </p:txBody>
-      </p:sp>
     </p:spTree>
+    <p:extLst>
+      <p:ext uri="{BB962C8B-B14F-4D97-AF65-F5344CB8AC3E}">
+        <p14:creationId xmlns:p14="http://schemas.microsoft.com/office/powerpoint/2010/main" val="218172899"/>
+      </p:ext>
+    </p:extLst>
   </p:cSld>
   <p:clrMapOvr>
     <a:masterClrMapping/>
   </p:clrMapOvr>
-  <p:timing>
-    <p:tnLst>
-      <p:par>
-        <p:cTn id="1" dur="indefinite" restart="never" nodeType="tmRoot"/>
-      </p:par>
-    </p:tnLst>
-  </p:timing>
 </p:sldLayout>
 </file>
 
@@ -1805,276 +1520,7 @@
       </p:grpSpPr>
       <p:sp>
         <p:nvSpPr>
-          <p:cNvPr id="7" name="Rectangle 6"/>
-          <p:cNvSpPr/>
-          <p:nvPr/>
-        </p:nvSpPr>
-        <p:spPr>
-          <a:xfrm>
-            <a:off x="0" y="3866920"/>
-            <a:ext cx="9144000" cy="2991080"/>
-          </a:xfrm>
-          <a:prstGeom prst="rect">
-            <a:avLst/>
-          </a:prstGeom>
-          <a:gradFill>
-            <a:gsLst>
-              <a:gs pos="0">
-                <a:schemeClr val="bg1">
-                  <a:alpha val="92000"/>
-                </a:schemeClr>
-              </a:gs>
-              <a:gs pos="37000">
-                <a:schemeClr val="bg1">
-                  <a:alpha val="77000"/>
-                </a:schemeClr>
-              </a:gs>
-              <a:gs pos="100000">
-                <a:schemeClr val="bg2">
-                  <a:alpha val="80000"/>
-                </a:schemeClr>
-              </a:gs>
-            </a:gsLst>
-            <a:path path="circle">
-              <a:fillToRect l="50000" t="50000" r="50000" b="50000"/>
-            </a:path>
-          </a:gradFill>
-          <a:ln>
-            <a:noFill/>
-          </a:ln>
-        </p:spPr>
-        <p:style>
-          <a:lnRef idx="2">
-            <a:schemeClr val="accent1">
-              <a:shade val="50000"/>
-            </a:schemeClr>
-          </a:lnRef>
-          <a:fillRef idx="1">
-            <a:schemeClr val="accent1"/>
-          </a:fillRef>
-          <a:effectRef idx="0">
-            <a:schemeClr val="accent1"/>
-          </a:effectRef>
-          <a:fontRef idx="minor">
-            <a:schemeClr val="lt1"/>
-          </a:fontRef>
-        </p:style>
-        <p:txBody>
-          <a:bodyPr rtlCol="0" anchor="ctr"/>
-          <a:lstStyle/>
-          <a:p>
-            <a:pPr algn="ctr"/>
-            <a:endParaRPr lang="en-US"/>
-          </a:p>
-        </p:txBody>
-      </p:sp>
-      <p:sp>
-        <p:nvSpPr>
-          <p:cNvPr id="8" name="Rectangle 7"/>
-          <p:cNvSpPr/>
-          <p:nvPr/>
-        </p:nvSpPr>
-        <p:spPr>
-          <a:xfrm>
-            <a:off x="0" y="0"/>
-            <a:ext cx="9144000" cy="3866920"/>
-          </a:xfrm>
-          <a:prstGeom prst="rect">
-            <a:avLst/>
-          </a:prstGeom>
-          <a:gradFill flip="none" rotWithShape="1">
-            <a:gsLst>
-              <a:gs pos="0">
-                <a:schemeClr val="bg1">
-                  <a:alpha val="90000"/>
-                </a:schemeClr>
-              </a:gs>
-              <a:gs pos="48000">
-                <a:schemeClr val="bg1">
-                  <a:alpha val="63000"/>
-                </a:schemeClr>
-              </a:gs>
-              <a:gs pos="100000">
-                <a:schemeClr val="bg2">
-                  <a:alpha val="80000"/>
-                </a:schemeClr>
-              </a:gs>
-            </a:gsLst>
-            <a:path path="circle">
-              <a:fillToRect l="50000" t="50000" r="50000" b="50000"/>
-            </a:path>
-            <a:tileRect/>
-          </a:gradFill>
-          <a:ln>
-            <a:noFill/>
-          </a:ln>
-        </p:spPr>
-        <p:style>
-          <a:lnRef idx="2">
-            <a:schemeClr val="accent1">
-              <a:shade val="50000"/>
-            </a:schemeClr>
-          </a:lnRef>
-          <a:fillRef idx="1">
-            <a:schemeClr val="accent1"/>
-          </a:fillRef>
-          <a:effectRef idx="0">
-            <a:schemeClr val="accent1"/>
-          </a:effectRef>
-          <a:fontRef idx="minor">
-            <a:schemeClr val="lt1"/>
-          </a:fontRef>
-        </p:style>
-        <p:txBody>
-          <a:bodyPr rtlCol="0" anchor="ctr"/>
-          <a:lstStyle/>
-          <a:p>
-            <a:pPr algn="ctr"/>
-            <a:endParaRPr lang="en-US" dirty="0"/>
-          </a:p>
-        </p:txBody>
-      </p:sp>
-      <p:sp>
-        <p:nvSpPr>
-          <p:cNvPr id="9" name="Rectangle 8"/>
-          <p:cNvSpPr/>
-          <p:nvPr/>
-        </p:nvSpPr>
-        <p:spPr>
-          <a:xfrm>
-            <a:off x="0" y="2652311"/>
-            <a:ext cx="9144000" cy="2286000"/>
-          </a:xfrm>
-          <a:prstGeom prst="rect">
-            <a:avLst/>
-          </a:prstGeom>
-          <a:gradFill flip="none" rotWithShape="1">
-            <a:gsLst>
-              <a:gs pos="0">
-                <a:schemeClr val="bg1">
-                  <a:alpha val="0"/>
-                </a:schemeClr>
-              </a:gs>
-              <a:gs pos="29000">
-                <a:schemeClr val="bg1">
-                  <a:alpha val="30000"/>
-                </a:schemeClr>
-              </a:gs>
-              <a:gs pos="45000">
-                <a:schemeClr val="bg2">
-                  <a:alpha val="40000"/>
-                </a:schemeClr>
-              </a:gs>
-              <a:gs pos="55000">
-                <a:schemeClr val="bg1">
-                  <a:alpha val="26000"/>
-                </a:schemeClr>
-              </a:gs>
-              <a:gs pos="65000">
-                <a:schemeClr val="bg2">
-                  <a:alpha val="60000"/>
-                </a:schemeClr>
-              </a:gs>
-              <a:gs pos="100000">
-                <a:schemeClr val="bg1">
-                  <a:alpha val="0"/>
-                </a:schemeClr>
-              </a:gs>
-            </a:gsLst>
-            <a:lin ang="5400000" scaled="0"/>
-            <a:tileRect/>
-          </a:gradFill>
-          <a:ln>
-            <a:noFill/>
-          </a:ln>
-        </p:spPr>
-        <p:style>
-          <a:lnRef idx="2">
-            <a:schemeClr val="accent1">
-              <a:shade val="50000"/>
-            </a:schemeClr>
-          </a:lnRef>
-          <a:fillRef idx="1">
-            <a:schemeClr val="accent1"/>
-          </a:fillRef>
-          <a:effectRef idx="0">
-            <a:schemeClr val="accent1"/>
-          </a:effectRef>
-          <a:fontRef idx="minor">
-            <a:schemeClr val="lt1"/>
-          </a:fontRef>
-        </p:style>
-        <p:txBody>
-          <a:bodyPr rtlCol="0" anchor="ctr"/>
-          <a:lstStyle/>
-          <a:p>
-            <a:pPr algn="ctr"/>
-            <a:endParaRPr lang="en-US"/>
-          </a:p>
-        </p:txBody>
-      </p:sp>
-      <p:sp>
-        <p:nvSpPr>
-          <p:cNvPr id="10" name="Oval 9"/>
-          <p:cNvSpPr/>
-          <p:nvPr/>
-        </p:nvSpPr>
-        <p:spPr>
-          <a:xfrm>
-            <a:off x="0" y="1600200"/>
-            <a:ext cx="9144000" cy="5105400"/>
-          </a:xfrm>
-          <a:prstGeom prst="ellipse">
-            <a:avLst/>
-          </a:prstGeom>
-          <a:gradFill flip="none" rotWithShape="1">
-            <a:gsLst>
-              <a:gs pos="0">
-                <a:schemeClr val="bg1"/>
-              </a:gs>
-              <a:gs pos="54000">
-                <a:schemeClr val="bg1">
-                  <a:alpha val="0"/>
-                </a:schemeClr>
-              </a:gs>
-            </a:gsLst>
-            <a:path path="circle">
-              <a:fillToRect l="50000" t="50000" r="50000" b="50000"/>
-            </a:path>
-            <a:tileRect/>
-          </a:gradFill>
-          <a:ln>
-            <a:noFill/>
-          </a:ln>
-        </p:spPr>
-        <p:style>
-          <a:lnRef idx="2">
-            <a:schemeClr val="accent1">
-              <a:shade val="50000"/>
-            </a:schemeClr>
-          </a:lnRef>
-          <a:fillRef idx="1">
-            <a:schemeClr val="accent1"/>
-          </a:fillRef>
-          <a:effectRef idx="0">
-            <a:schemeClr val="accent1"/>
-          </a:effectRef>
-          <a:fontRef idx="minor">
-            <a:schemeClr val="lt1"/>
-          </a:fontRef>
-        </p:style>
-        <p:txBody>
-          <a:bodyPr rtlCol="0" anchor="ctr"/>
-          <a:lstStyle/>
-          <a:p>
-            <a:pPr algn="ctr"/>
-            <a:endParaRPr lang="en-US"/>
-          </a:p>
-        </p:txBody>
-      </p:sp>
-      <p:sp>
-        <p:nvSpPr>
-          <p:cNvPr id="2" name="Title 1"/>
+          <p:cNvPr id="2" name="Tytuł 1"/>
           <p:cNvSpPr>
             <a:spLocks noGrp="1"/>
           </p:cNvSpPr>
@@ -2084,16 +1530,15 @@
         </p:nvSpPr>
         <p:spPr>
           <a:xfrm>
-            <a:off x="2033195" y="2172648"/>
-            <a:ext cx="5966666" cy="2423346"/>
+            <a:off x="722313" y="4406900"/>
+            <a:ext cx="7772400" cy="1362075"/>
           </a:xfrm>
-          <a:effectLst/>
         </p:spPr>
         <p:txBody>
-          <a:bodyPr anchor="b"/>
+          <a:bodyPr anchor="t"/>
           <a:lstStyle>
-            <a:lvl1pPr algn="r">
-              <a:defRPr sz="4600" b="1" cap="none" baseline="0"/>
+            <a:lvl1pPr algn="l">
+              <a:defRPr sz="4000" b="1" cap="all"/>
             </a:lvl1pPr>
           </a:lstStyle>
           <a:p>
@@ -2101,13 +1546,13 @@
               <a:rPr lang="pl-PL" smtClean="0"/>
               <a:t>Kliknij, aby edytować styl</a:t>
             </a:r>
-            <a:endParaRPr lang="en-US" dirty="0"/>
-          </a:p>
-        </p:txBody>
-      </p:sp>
-      <p:sp>
-        <p:nvSpPr>
-          <p:cNvPr id="3" name="Text Placeholder 2"/>
+            <a:endParaRPr lang="en-US"/>
+          </a:p>
+        </p:txBody>
+      </p:sp>
+      <p:sp>
+        <p:nvSpPr>
+          <p:cNvPr id="3" name="Symbol zastępczy tekstu 2"/>
           <p:cNvSpPr>
             <a:spLocks noGrp="1"/>
           </p:cNvSpPr>
@@ -2117,18 +1562,20 @@
         </p:nvSpPr>
         <p:spPr>
           <a:xfrm>
-            <a:off x="2022438" y="4607511"/>
-            <a:ext cx="5970494" cy="835460"/>
+            <a:off x="722313" y="2906713"/>
+            <a:ext cx="7772400" cy="1500187"/>
           </a:xfrm>
         </p:spPr>
         <p:txBody>
-          <a:bodyPr anchor="t"/>
+          <a:bodyPr anchor="b"/>
           <a:lstStyle>
-            <a:lvl1pPr marL="0" indent="0" algn="r">
+            <a:lvl1pPr marL="0" indent="0">
               <a:buNone/>
               <a:defRPr sz="2000">
                 <a:solidFill>
-                  <a:schemeClr val="tx2"/>
+                  <a:schemeClr val="tx1">
+                    <a:tint val="75000"/>
+                  </a:schemeClr>
                 </a:solidFill>
               </a:defRPr>
             </a:lvl1pPr>
@@ -2224,7 +1671,7 @@
       </p:sp>
       <p:sp>
         <p:nvSpPr>
-          <p:cNvPr id="4" name="Date Placeholder 3"/>
+          <p:cNvPr id="4" name="Symbol zastępczy daty 3"/>
           <p:cNvSpPr>
             <a:spLocks noGrp="1"/>
           </p:cNvSpPr>
@@ -2237,9 +1684,9 @@
           <a:bodyPr/>
           <a:lstStyle/>
           <a:p>
-            <a:fld id="{33B2BBB4-718A-452D-8B48-268B982BB269}" type="datetime1">
+            <a:fld id="{EEAE9585-50B7-4B36-8B37-3DEF1CA606AE}" type="datetime1">
               <a:rPr lang="en-US" smtClean="0"/>
-              <a:t>19-Nov-12</a:t>
+              <a:t>01-Dec-12</a:t>
             </a:fld>
             <a:endParaRPr lang="en-US"/>
           </a:p>
@@ -2247,7 +1694,7 @@
       </p:sp>
       <p:sp>
         <p:nvSpPr>
-          <p:cNvPr id="5" name="Footer Placeholder 4"/>
+          <p:cNvPr id="5" name="Symbol zastępczy stopki 4"/>
           <p:cNvSpPr>
             <a:spLocks noGrp="1"/>
           </p:cNvSpPr>
@@ -2270,7 +1717,7 @@
       </p:sp>
       <p:sp>
         <p:nvSpPr>
-          <p:cNvPr id="6" name="Slide Number Placeholder 5"/>
+          <p:cNvPr id="6" name="Symbol zastępczy numeru slajdu 5"/>
           <p:cNvSpPr>
             <a:spLocks noGrp="1"/>
           </p:cNvSpPr>
@@ -2292,17 +1739,15 @@
         </p:txBody>
       </p:sp>
     </p:spTree>
+    <p:extLst>
+      <p:ext uri="{BB962C8B-B14F-4D97-AF65-F5344CB8AC3E}">
+        <p14:creationId xmlns:p14="http://schemas.microsoft.com/office/powerpoint/2010/main" val="4267327493"/>
+      </p:ext>
+    </p:extLst>
   </p:cSld>
   <p:clrMapOvr>
     <a:masterClrMapping/>
   </p:clrMapOvr>
-  <p:timing>
-    <p:tnLst>
-      <p:par>
-        <p:cTn id="1" dur="indefinite" restart="never" nodeType="tmRoot"/>
-      </p:par>
-    </p:tnLst>
-  </p:timing>
 </p:sldLayout>
 </file>
 
@@ -2325,7 +1770,200 @@
       </p:grpSpPr>
       <p:sp>
         <p:nvSpPr>
-          <p:cNvPr id="5" name="Date Placeholder 4"/>
+          <p:cNvPr id="2" name="Tytuł 1"/>
+          <p:cNvSpPr>
+            <a:spLocks noGrp="1"/>
+          </p:cNvSpPr>
+          <p:nvPr>
+            <p:ph type="title"/>
+          </p:nvPr>
+        </p:nvSpPr>
+        <p:spPr/>
+        <p:txBody>
+          <a:bodyPr/>
+          <a:lstStyle/>
+          <a:p>
+            <a:r>
+              <a:rPr lang="pl-PL" smtClean="0"/>
+              <a:t>Kliknij, aby edytować styl</a:t>
+            </a:r>
+            <a:endParaRPr lang="en-US"/>
+          </a:p>
+        </p:txBody>
+      </p:sp>
+      <p:sp>
+        <p:nvSpPr>
+          <p:cNvPr id="3" name="Symbol zastępczy zawartości 2"/>
+          <p:cNvSpPr>
+            <a:spLocks noGrp="1"/>
+          </p:cNvSpPr>
+          <p:nvPr>
+            <p:ph sz="half" idx="1"/>
+          </p:nvPr>
+        </p:nvSpPr>
+        <p:spPr>
+          <a:xfrm>
+            <a:off x="457200" y="1600200"/>
+            <a:ext cx="4038600" cy="4525963"/>
+          </a:xfrm>
+        </p:spPr>
+        <p:txBody>
+          <a:bodyPr/>
+          <a:lstStyle>
+            <a:lvl1pPr>
+              <a:defRPr sz="2800"/>
+            </a:lvl1pPr>
+            <a:lvl2pPr>
+              <a:defRPr sz="2400"/>
+            </a:lvl2pPr>
+            <a:lvl3pPr>
+              <a:defRPr sz="2000"/>
+            </a:lvl3pPr>
+            <a:lvl4pPr>
+              <a:defRPr sz="1800"/>
+            </a:lvl4pPr>
+            <a:lvl5pPr>
+              <a:defRPr sz="1800"/>
+            </a:lvl5pPr>
+            <a:lvl6pPr>
+              <a:defRPr sz="1800"/>
+            </a:lvl6pPr>
+            <a:lvl7pPr>
+              <a:defRPr sz="1800"/>
+            </a:lvl7pPr>
+            <a:lvl8pPr>
+              <a:defRPr sz="1800"/>
+            </a:lvl8pPr>
+            <a:lvl9pPr>
+              <a:defRPr sz="1800"/>
+            </a:lvl9pPr>
+          </a:lstStyle>
+          <a:p>
+            <a:pPr lvl="0"/>
+            <a:r>
+              <a:rPr lang="pl-PL" smtClean="0"/>
+              <a:t>Kliknij, aby edytować style wzorca tekstu</a:t>
+            </a:r>
+          </a:p>
+          <a:p>
+            <a:pPr lvl="1"/>
+            <a:r>
+              <a:rPr lang="pl-PL" smtClean="0"/>
+              <a:t>Drugi poziom</a:t>
+            </a:r>
+          </a:p>
+          <a:p>
+            <a:pPr lvl="2"/>
+            <a:r>
+              <a:rPr lang="pl-PL" smtClean="0"/>
+              <a:t>Trzeci poziom</a:t>
+            </a:r>
+          </a:p>
+          <a:p>
+            <a:pPr lvl="3"/>
+            <a:r>
+              <a:rPr lang="pl-PL" smtClean="0"/>
+              <a:t>Czwarty poziom</a:t>
+            </a:r>
+          </a:p>
+          <a:p>
+            <a:pPr lvl="4"/>
+            <a:r>
+              <a:rPr lang="pl-PL" smtClean="0"/>
+              <a:t>Piąty poziom</a:t>
+            </a:r>
+            <a:endParaRPr lang="en-US"/>
+          </a:p>
+        </p:txBody>
+      </p:sp>
+      <p:sp>
+        <p:nvSpPr>
+          <p:cNvPr id="4" name="Symbol zastępczy zawartości 3"/>
+          <p:cNvSpPr>
+            <a:spLocks noGrp="1"/>
+          </p:cNvSpPr>
+          <p:nvPr>
+            <p:ph sz="half" idx="2"/>
+          </p:nvPr>
+        </p:nvSpPr>
+        <p:spPr>
+          <a:xfrm>
+            <a:off x="4648200" y="1600200"/>
+            <a:ext cx="4038600" cy="4525963"/>
+          </a:xfrm>
+        </p:spPr>
+        <p:txBody>
+          <a:bodyPr/>
+          <a:lstStyle>
+            <a:lvl1pPr>
+              <a:defRPr sz="2800"/>
+            </a:lvl1pPr>
+            <a:lvl2pPr>
+              <a:defRPr sz="2400"/>
+            </a:lvl2pPr>
+            <a:lvl3pPr>
+              <a:defRPr sz="2000"/>
+            </a:lvl3pPr>
+            <a:lvl4pPr>
+              <a:defRPr sz="1800"/>
+            </a:lvl4pPr>
+            <a:lvl5pPr>
+              <a:defRPr sz="1800"/>
+            </a:lvl5pPr>
+            <a:lvl6pPr>
+              <a:defRPr sz="1800"/>
+            </a:lvl6pPr>
+            <a:lvl7pPr>
+              <a:defRPr sz="1800"/>
+            </a:lvl7pPr>
+            <a:lvl8pPr>
+              <a:defRPr sz="1800"/>
+            </a:lvl8pPr>
+            <a:lvl9pPr>
+              <a:defRPr sz="1800"/>
+            </a:lvl9pPr>
+          </a:lstStyle>
+          <a:p>
+            <a:pPr lvl="0"/>
+            <a:r>
+              <a:rPr lang="pl-PL" smtClean="0"/>
+              <a:t>Kliknij, aby edytować style wzorca tekstu</a:t>
+            </a:r>
+          </a:p>
+          <a:p>
+            <a:pPr lvl="1"/>
+            <a:r>
+              <a:rPr lang="pl-PL" smtClean="0"/>
+              <a:t>Drugi poziom</a:t>
+            </a:r>
+          </a:p>
+          <a:p>
+            <a:pPr lvl="2"/>
+            <a:r>
+              <a:rPr lang="pl-PL" smtClean="0"/>
+              <a:t>Trzeci poziom</a:t>
+            </a:r>
+          </a:p>
+          <a:p>
+            <a:pPr lvl="3"/>
+            <a:r>
+              <a:rPr lang="pl-PL" smtClean="0"/>
+              <a:t>Czwarty poziom</a:t>
+            </a:r>
+          </a:p>
+          <a:p>
+            <a:pPr lvl="4"/>
+            <a:r>
+              <a:rPr lang="pl-PL" smtClean="0"/>
+              <a:t>Piąty poziom</a:t>
+            </a:r>
+            <a:endParaRPr lang="en-US"/>
+          </a:p>
+        </p:txBody>
+      </p:sp>
+      <p:sp>
+        <p:nvSpPr>
+          <p:cNvPr id="5" name="Symbol zastępczy daty 4"/>
           <p:cNvSpPr>
             <a:spLocks noGrp="1"/>
           </p:cNvSpPr>
@@ -2338,9 +1976,9 @@
           <a:bodyPr/>
           <a:lstStyle/>
           <a:p>
-            <a:fld id="{B9620AE0-8673-4335-8652-F0C1CD3AF0FC}" type="datetime1">
+            <a:fld id="{962C81F8-FEE4-4CE9-89C5-6A319D554D2D}" type="datetime1">
               <a:rPr lang="en-US" smtClean="0"/>
-              <a:t>19-Nov-12</a:t>
+              <a:t>01-Dec-12</a:t>
             </a:fld>
             <a:endParaRPr lang="en-US"/>
           </a:p>
@@ -2348,7 +1986,7 @@
       </p:sp>
       <p:sp>
         <p:nvSpPr>
-          <p:cNvPr id="6" name="Footer Placeholder 5"/>
+          <p:cNvPr id="6" name="Symbol zastępczy stopki 5"/>
           <p:cNvSpPr>
             <a:spLocks noGrp="1"/>
           </p:cNvSpPr>
@@ -2371,7 +2009,7 @@
       </p:sp>
       <p:sp>
         <p:nvSpPr>
-          <p:cNvPr id="7" name="Slide Number Placeholder 6"/>
+          <p:cNvPr id="7" name="Symbol zastępczy numeru slajdu 6"/>
           <p:cNvSpPr>
             <a:spLocks noGrp="1"/>
           </p:cNvSpPr>
@@ -2392,155 +2030,16 @@
           </a:p>
         </p:txBody>
       </p:sp>
-      <p:sp>
-        <p:nvSpPr>
-          <p:cNvPr id="8" name="Title 7"/>
-          <p:cNvSpPr>
-            <a:spLocks noGrp="1"/>
-          </p:cNvSpPr>
-          <p:nvPr>
-            <p:ph type="title"/>
-          </p:nvPr>
-        </p:nvSpPr>
-        <p:spPr/>
-        <p:txBody>
-          <a:bodyPr/>
-          <a:lstStyle/>
-          <a:p>
-            <a:r>
-              <a:rPr lang="pl-PL" smtClean="0"/>
-              <a:t>Kliknij, aby edytować styl</a:t>
-            </a:r>
-            <a:endParaRPr lang="en-US"/>
-          </a:p>
-        </p:txBody>
-      </p:sp>
-      <p:sp>
-        <p:nvSpPr>
-          <p:cNvPr id="9" name="Content Placeholder 8"/>
-          <p:cNvSpPr>
-            <a:spLocks noGrp="1"/>
-          </p:cNvSpPr>
-          <p:nvPr>
-            <p:ph sz="quarter" idx="13"/>
-          </p:nvPr>
-        </p:nvSpPr>
-        <p:spPr>
-          <a:xfrm>
-            <a:off x="1142999" y="731519"/>
-            <a:ext cx="3346704" cy="3474720"/>
-          </a:xfrm>
-        </p:spPr>
-        <p:txBody>
-          <a:bodyPr/>
-          <a:lstStyle/>
-          <a:p>
-            <a:pPr lvl="0"/>
-            <a:r>
-              <a:rPr lang="pl-PL" smtClean="0"/>
-              <a:t>Kliknij, aby edytować style wzorca tekstu</a:t>
-            </a:r>
-          </a:p>
-          <a:p>
-            <a:pPr lvl="1"/>
-            <a:r>
-              <a:rPr lang="pl-PL" smtClean="0"/>
-              <a:t>Drugi poziom</a:t>
-            </a:r>
-          </a:p>
-          <a:p>
-            <a:pPr lvl="2"/>
-            <a:r>
-              <a:rPr lang="pl-PL" smtClean="0"/>
-              <a:t>Trzeci poziom</a:t>
-            </a:r>
-          </a:p>
-          <a:p>
-            <a:pPr lvl="3"/>
-            <a:r>
-              <a:rPr lang="pl-PL" smtClean="0"/>
-              <a:t>Czwarty poziom</a:t>
-            </a:r>
-          </a:p>
-          <a:p>
-            <a:pPr lvl="4"/>
-            <a:r>
-              <a:rPr lang="pl-PL" smtClean="0"/>
-              <a:t>Piąty poziom</a:t>
-            </a:r>
-            <a:endParaRPr lang="en-US"/>
-          </a:p>
-        </p:txBody>
-      </p:sp>
-      <p:sp>
-        <p:nvSpPr>
-          <p:cNvPr id="11" name="Content Placeholder 10"/>
-          <p:cNvSpPr>
-            <a:spLocks noGrp="1"/>
-          </p:cNvSpPr>
-          <p:nvPr>
-            <p:ph sz="quarter" idx="14"/>
-          </p:nvPr>
-        </p:nvSpPr>
-        <p:spPr>
-          <a:xfrm>
-            <a:off x="4645152" y="731520"/>
-            <a:ext cx="3346704" cy="3474720"/>
-          </a:xfrm>
-        </p:spPr>
-        <p:txBody>
-          <a:bodyPr/>
-          <a:lstStyle/>
-          <a:p>
-            <a:pPr lvl="0"/>
-            <a:r>
-              <a:rPr lang="pl-PL" smtClean="0"/>
-              <a:t>Kliknij, aby edytować style wzorca tekstu</a:t>
-            </a:r>
-          </a:p>
-          <a:p>
-            <a:pPr lvl="1"/>
-            <a:r>
-              <a:rPr lang="pl-PL" smtClean="0"/>
-              <a:t>Drugi poziom</a:t>
-            </a:r>
-          </a:p>
-          <a:p>
-            <a:pPr lvl="2"/>
-            <a:r>
-              <a:rPr lang="pl-PL" smtClean="0"/>
-              <a:t>Trzeci poziom</a:t>
-            </a:r>
-          </a:p>
-          <a:p>
-            <a:pPr lvl="3"/>
-            <a:r>
-              <a:rPr lang="pl-PL" smtClean="0"/>
-              <a:t>Czwarty poziom</a:t>
-            </a:r>
-          </a:p>
-          <a:p>
-            <a:pPr lvl="4"/>
-            <a:r>
-              <a:rPr lang="pl-PL" smtClean="0"/>
-              <a:t>Piąty poziom</a:t>
-            </a:r>
-            <a:endParaRPr lang="en-US"/>
-          </a:p>
-        </p:txBody>
-      </p:sp>
     </p:spTree>
+    <p:extLst>
+      <p:ext uri="{BB962C8B-B14F-4D97-AF65-F5344CB8AC3E}">
+        <p14:creationId xmlns:p14="http://schemas.microsoft.com/office/powerpoint/2010/main" val="106628151"/>
+      </p:ext>
+    </p:extLst>
   </p:cSld>
   <p:clrMapOvr>
     <a:masterClrMapping/>
   </p:clrMapOvr>
-  <p:timing>
-    <p:tnLst>
-      <p:par>
-        <p:cTn id="1" dur="indefinite" restart="never" nodeType="tmRoot"/>
-      </p:par>
-    </p:tnLst>
-  </p:timing>
 </p:sldLayout>
 </file>
 
@@ -2563,7 +2062,34 @@
       </p:grpSpPr>
       <p:sp>
         <p:nvSpPr>
-          <p:cNvPr id="3" name="Text Placeholder 2"/>
+          <p:cNvPr id="2" name="Tytuł 1"/>
+          <p:cNvSpPr>
+            <a:spLocks noGrp="1"/>
+          </p:cNvSpPr>
+          <p:nvPr>
+            <p:ph type="title"/>
+          </p:nvPr>
+        </p:nvSpPr>
+        <p:spPr/>
+        <p:txBody>
+          <a:bodyPr/>
+          <a:lstStyle>
+            <a:lvl1pPr>
+              <a:defRPr/>
+            </a:lvl1pPr>
+          </a:lstStyle>
+          <a:p>
+            <a:r>
+              <a:rPr lang="pl-PL" smtClean="0"/>
+              <a:t>Kliknij, aby edytować styl</a:t>
+            </a:r>
+            <a:endParaRPr lang="en-US"/>
+          </a:p>
+        </p:txBody>
+      </p:sp>
+      <p:sp>
+        <p:nvSpPr>
+          <p:cNvPr id="3" name="Symbol zastępczy tekstu 2"/>
           <p:cNvSpPr>
             <a:spLocks noGrp="1"/>
           </p:cNvSpPr>
@@ -2573,42 +2099,16 @@
         </p:nvSpPr>
         <p:spPr>
           <a:xfrm>
-            <a:off x="1143000" y="731520"/>
-            <a:ext cx="3346704" cy="639762"/>
+            <a:off x="457200" y="1535113"/>
+            <a:ext cx="4040188" cy="639762"/>
           </a:xfrm>
         </p:spPr>
         <p:txBody>
-          <a:bodyPr anchor="b">
-            <a:noAutofit/>
-          </a:bodyPr>
+          <a:bodyPr anchor="b"/>
           <a:lstStyle>
-            <a:lvl1pPr marL="0" indent="0" algn="ctr">
+            <a:lvl1pPr marL="0" indent="0">
               <a:buNone/>
-              <a:defRPr lang="en-US" sz="2400" b="1" i="0" kern="1200" dirty="0" smtClean="0">
-                <a:gradFill>
-                  <a:gsLst>
-                    <a:gs pos="0">
-                      <a:schemeClr val="tx1"/>
-                    </a:gs>
-                    <a:gs pos="40000">
-                      <a:schemeClr val="tx1">
-                        <a:lumMod val="75000"/>
-                        <a:lumOff val="25000"/>
-                      </a:schemeClr>
-                    </a:gs>
-                    <a:gs pos="100000">
-                      <a:schemeClr val="tx2">
-                        <a:alpha val="65000"/>
-                      </a:schemeClr>
-                    </a:gs>
-                  </a:gsLst>
-                  <a:lin ang="5400000" scaled="0"/>
-                </a:gradFill>
-                <a:effectLst/>
-                <a:latin typeface="+mj-lt"/>
-                <a:ea typeface="+mj-ea"/>
-                <a:cs typeface="+mj-cs"/>
-              </a:defRPr>
+              <a:defRPr sz="2400" b="1"/>
             </a:lvl1pPr>
             <a:lvl2pPr marL="457200" indent="0">
               <a:buNone/>
@@ -2654,7 +2154,7 @@
       </p:sp>
       <p:sp>
         <p:nvSpPr>
-          <p:cNvPr id="4" name="Content Placeholder 3"/>
+          <p:cNvPr id="4" name="Symbol zastępczy zawartości 3"/>
           <p:cNvSpPr>
             <a:spLocks noGrp="1"/>
           </p:cNvSpPr>
@@ -2664,23 +2164,21 @@
         </p:nvSpPr>
         <p:spPr>
           <a:xfrm>
-            <a:off x="1156447" y="1400327"/>
-            <a:ext cx="3346704" cy="2743200"/>
+            <a:off x="457200" y="2174875"/>
+            <a:ext cx="4040188" cy="3951288"/>
           </a:xfrm>
         </p:spPr>
         <p:txBody>
-          <a:bodyPr>
-            <a:normAutofit/>
-          </a:bodyPr>
+          <a:bodyPr/>
           <a:lstStyle>
             <a:lvl1pPr>
-              <a:defRPr sz="1800"/>
+              <a:defRPr sz="2400"/>
             </a:lvl1pPr>
             <a:lvl2pPr>
-              <a:defRPr sz="1800"/>
+              <a:defRPr sz="2000"/>
             </a:lvl2pPr>
             <a:lvl3pPr>
-              <a:defRPr sz="1600"/>
+              <a:defRPr sz="1800"/>
             </a:lvl3pPr>
             <a:lvl4pPr>
               <a:defRPr sz="1600"/>
@@ -2735,13 +2233,13 @@
               <a:rPr lang="pl-PL" smtClean="0"/>
               <a:t>Piąty poziom</a:t>
             </a:r>
-            <a:endParaRPr lang="en-US" dirty="0"/>
-          </a:p>
-        </p:txBody>
-      </p:sp>
-      <p:sp>
-        <p:nvSpPr>
-          <p:cNvPr id="5" name="Text Placeholder 4"/>
+            <a:endParaRPr lang="en-US"/>
+          </a:p>
+        </p:txBody>
+      </p:sp>
+      <p:sp>
+        <p:nvSpPr>
+          <p:cNvPr id="5" name="Symbol zastępczy tekstu 4"/>
           <p:cNvSpPr>
             <a:spLocks noGrp="1"/>
           </p:cNvSpPr>
@@ -2751,42 +2249,16 @@
         </p:nvSpPr>
         <p:spPr>
           <a:xfrm>
-            <a:off x="4647302" y="731520"/>
-            <a:ext cx="3346704" cy="639762"/>
+            <a:off x="4645025" y="1535113"/>
+            <a:ext cx="4041775" cy="639762"/>
           </a:xfrm>
         </p:spPr>
         <p:txBody>
-          <a:bodyPr anchor="b">
-            <a:noAutofit/>
-          </a:bodyPr>
+          <a:bodyPr anchor="b"/>
           <a:lstStyle>
-            <a:lvl1pPr marL="0" indent="0" algn="ctr">
+            <a:lvl1pPr marL="0" indent="0">
               <a:buNone/>
-              <a:defRPr lang="en-US" sz="2400" b="1" i="0" kern="1200" dirty="0" smtClean="0">
-                <a:gradFill>
-                  <a:gsLst>
-                    <a:gs pos="0">
-                      <a:schemeClr val="tx1"/>
-                    </a:gs>
-                    <a:gs pos="40000">
-                      <a:schemeClr val="tx1">
-                        <a:lumMod val="75000"/>
-                        <a:lumOff val="25000"/>
-                      </a:schemeClr>
-                    </a:gs>
-                    <a:gs pos="100000">
-                      <a:schemeClr val="tx2">
-                        <a:alpha val="65000"/>
-                      </a:schemeClr>
-                    </a:gs>
-                  </a:gsLst>
-                  <a:lin ang="5400000" scaled="0"/>
-                </a:gradFill>
-                <a:effectLst/>
-                <a:latin typeface="+mj-lt"/>
-                <a:ea typeface="+mj-ea"/>
-                <a:cs typeface="+mj-cs"/>
-              </a:defRPr>
+              <a:defRPr sz="2400" b="1"/>
             </a:lvl1pPr>
             <a:lvl2pPr marL="457200" indent="0">
               <a:buNone/>
@@ -2822,22 +2294,7 @@
             </a:lvl9pPr>
           </a:lstStyle>
           <a:p>
-            <a:pPr marL="0" lvl="0" indent="0" algn="ctr" defTabSz="914400" rtl="0" eaLnBrk="1" latinLnBrk="0" hangingPunct="1">
-              <a:spcBef>
-                <a:spcPct val="20000"/>
-              </a:spcBef>
-              <a:spcAft>
-                <a:spcPts val="300"/>
-              </a:spcAft>
-              <a:buClr>
-                <a:schemeClr val="accent6">
-                  <a:lumMod val="75000"/>
-                </a:schemeClr>
-              </a:buClr>
-              <a:buSzPct val="130000"/>
-              <a:buFont typeface="Georgia" pitchFamily="18" charset="0"/>
-              <a:buNone/>
-            </a:pPr>
+            <a:pPr lvl="0"/>
             <a:r>
               <a:rPr lang="pl-PL" smtClean="0"/>
               <a:t>Kliknij, aby edytować style wzorca tekstu</a:t>
@@ -2847,7 +2304,7 @@
       </p:sp>
       <p:sp>
         <p:nvSpPr>
-          <p:cNvPr id="6" name="Content Placeholder 5"/>
+          <p:cNvPr id="6" name="Symbol zastępczy zawartości 5"/>
           <p:cNvSpPr>
             <a:spLocks noGrp="1"/>
           </p:cNvSpPr>
@@ -2857,23 +2314,21 @@
         </p:nvSpPr>
         <p:spPr>
           <a:xfrm>
-            <a:off x="4645025" y="1399032"/>
-            <a:ext cx="3346704" cy="2743200"/>
+            <a:off x="4645025" y="2174875"/>
+            <a:ext cx="4041775" cy="3951288"/>
           </a:xfrm>
         </p:spPr>
         <p:txBody>
-          <a:bodyPr>
-            <a:normAutofit/>
-          </a:bodyPr>
+          <a:bodyPr/>
           <a:lstStyle>
             <a:lvl1pPr>
-              <a:defRPr sz="1800"/>
+              <a:defRPr sz="2400"/>
             </a:lvl1pPr>
             <a:lvl2pPr>
-              <a:defRPr sz="1800"/>
+              <a:defRPr sz="2000"/>
             </a:lvl2pPr>
             <a:lvl3pPr>
-              <a:defRPr sz="1600"/>
+              <a:defRPr sz="1800"/>
             </a:lvl3pPr>
             <a:lvl4pPr>
               <a:defRPr sz="1600"/>
@@ -2928,13 +2383,13 @@
               <a:rPr lang="pl-PL" smtClean="0"/>
               <a:t>Piąty poziom</a:t>
             </a:r>
-            <a:endParaRPr lang="en-US" dirty="0"/>
-          </a:p>
-        </p:txBody>
-      </p:sp>
-      <p:sp>
-        <p:nvSpPr>
-          <p:cNvPr id="7" name="Date Placeholder 6"/>
+            <a:endParaRPr lang="en-US"/>
+          </a:p>
+        </p:txBody>
+      </p:sp>
+      <p:sp>
+        <p:nvSpPr>
+          <p:cNvPr id="7" name="Symbol zastępczy daty 6"/>
           <p:cNvSpPr>
             <a:spLocks noGrp="1"/>
           </p:cNvSpPr>
@@ -2947,9 +2402,9 @@
           <a:bodyPr/>
           <a:lstStyle/>
           <a:p>
-            <a:fld id="{A53A8985-4C66-4FA2-B2BC-E8F1C5973727}" type="datetime1">
+            <a:fld id="{921B6CAD-B2A3-41BC-BC01-3FB4CEC28AC3}" type="datetime1">
               <a:rPr lang="en-US" smtClean="0"/>
-              <a:t>19-Nov-12</a:t>
+              <a:t>01-Dec-12</a:t>
             </a:fld>
             <a:endParaRPr lang="en-US"/>
           </a:p>
@@ -2957,7 +2412,7 @@
       </p:sp>
       <p:sp>
         <p:nvSpPr>
-          <p:cNvPr id="8" name="Footer Placeholder 7"/>
+          <p:cNvPr id="8" name="Symbol zastępczy stopki 7"/>
           <p:cNvSpPr>
             <a:spLocks noGrp="1"/>
           </p:cNvSpPr>
@@ -2980,7 +2435,7 @@
       </p:sp>
       <p:sp>
         <p:nvSpPr>
-          <p:cNvPr id="9" name="Slide Number Placeholder 8"/>
+          <p:cNvPr id="9" name="Symbol zastępczy numeru slajdu 8"/>
           <p:cNvSpPr>
             <a:spLocks noGrp="1"/>
           </p:cNvSpPr>
@@ -3001,41 +2456,16 @@
           </a:p>
         </p:txBody>
       </p:sp>
-      <p:sp>
-        <p:nvSpPr>
-          <p:cNvPr id="10" name="Title 9"/>
-          <p:cNvSpPr>
-            <a:spLocks noGrp="1"/>
-          </p:cNvSpPr>
-          <p:nvPr>
-            <p:ph type="title"/>
-          </p:nvPr>
-        </p:nvSpPr>
-        <p:spPr/>
-        <p:txBody>
-          <a:bodyPr/>
-          <a:lstStyle/>
-          <a:p>
-            <a:r>
-              <a:rPr lang="pl-PL" smtClean="0"/>
-              <a:t>Kliknij, aby edytować styl</a:t>
-            </a:r>
-            <a:endParaRPr lang="en-US" dirty="0"/>
-          </a:p>
-        </p:txBody>
-      </p:sp>
     </p:spTree>
+    <p:extLst>
+      <p:ext uri="{BB962C8B-B14F-4D97-AF65-F5344CB8AC3E}">
+        <p14:creationId xmlns:p14="http://schemas.microsoft.com/office/powerpoint/2010/main" val="2918140614"/>
+      </p:ext>
+    </p:extLst>
   </p:cSld>
   <p:clrMapOvr>
     <a:masterClrMapping/>
   </p:clrMapOvr>
-  <p:timing>
-    <p:tnLst>
-      <p:par>
-        <p:cTn id="1" dur="indefinite" restart="never" nodeType="tmRoot"/>
-      </p:par>
-    </p:tnLst>
-  </p:timing>
 </p:sldLayout>
 </file>
 
@@ -3058,7 +2488,7 @@
       </p:grpSpPr>
       <p:sp>
         <p:nvSpPr>
-          <p:cNvPr id="2" name="Title 1"/>
+          <p:cNvPr id="2" name="Tytuł 1"/>
           <p:cNvSpPr>
             <a:spLocks noGrp="1"/>
           </p:cNvSpPr>
@@ -3075,13 +2505,13 @@
               <a:rPr lang="pl-PL" smtClean="0"/>
               <a:t>Kliknij, aby edytować styl</a:t>
             </a:r>
-            <a:endParaRPr lang="en-US" dirty="0"/>
-          </a:p>
-        </p:txBody>
-      </p:sp>
-      <p:sp>
-        <p:nvSpPr>
-          <p:cNvPr id="3" name="Date Placeholder 2"/>
+            <a:endParaRPr lang="en-US"/>
+          </a:p>
+        </p:txBody>
+      </p:sp>
+      <p:sp>
+        <p:nvSpPr>
+          <p:cNvPr id="3" name="Symbol zastępczy daty 2"/>
           <p:cNvSpPr>
             <a:spLocks noGrp="1"/>
           </p:cNvSpPr>
@@ -3094,9 +2524,9 @@
           <a:bodyPr/>
           <a:lstStyle/>
           <a:p>
-            <a:fld id="{6B636DE2-8EFC-44FA-95FF-710D667A61D8}" type="datetime1">
+            <a:fld id="{D314FD07-84E8-4371-A33A-13C152C76AA6}" type="datetime1">
               <a:rPr lang="en-US" smtClean="0"/>
-              <a:t>19-Nov-12</a:t>
+              <a:t>01-Dec-12</a:t>
             </a:fld>
             <a:endParaRPr lang="en-US"/>
           </a:p>
@@ -3104,7 +2534,7 @@
       </p:sp>
       <p:sp>
         <p:nvSpPr>
-          <p:cNvPr id="4" name="Footer Placeholder 3"/>
+          <p:cNvPr id="4" name="Symbol zastępczy stopki 3"/>
           <p:cNvSpPr>
             <a:spLocks noGrp="1"/>
           </p:cNvSpPr>
@@ -3127,7 +2557,7 @@
       </p:sp>
       <p:sp>
         <p:nvSpPr>
-          <p:cNvPr id="5" name="Slide Number Placeholder 4"/>
+          <p:cNvPr id="5" name="Symbol zastępczy numeru slajdu 4"/>
           <p:cNvSpPr>
             <a:spLocks noGrp="1"/>
           </p:cNvSpPr>
@@ -3149,17 +2579,15 @@
         </p:txBody>
       </p:sp>
     </p:spTree>
+    <p:extLst>
+      <p:ext uri="{BB962C8B-B14F-4D97-AF65-F5344CB8AC3E}">
+        <p14:creationId xmlns:p14="http://schemas.microsoft.com/office/powerpoint/2010/main" val="3583810532"/>
+      </p:ext>
+    </p:extLst>
   </p:cSld>
   <p:clrMapOvr>
     <a:masterClrMapping/>
   </p:clrMapOvr>
-  <p:timing>
-    <p:tnLst>
-      <p:par>
-        <p:cTn id="1" dur="indefinite" restart="never" nodeType="tmRoot"/>
-      </p:par>
-    </p:tnLst>
-  </p:timing>
 </p:sldLayout>
 </file>
 
@@ -3182,7 +2610,7 @@
       </p:grpSpPr>
       <p:sp>
         <p:nvSpPr>
-          <p:cNvPr id="2" name="Date Placeholder 1"/>
+          <p:cNvPr id="2" name="Symbol zastępczy daty 1"/>
           <p:cNvSpPr>
             <a:spLocks noGrp="1"/>
           </p:cNvSpPr>
@@ -3195,9 +2623,9 @@
           <a:bodyPr/>
           <a:lstStyle/>
           <a:p>
-            <a:fld id="{3837B512-5A03-4D8F-BAA2-BB7E96FEB550}" type="datetime1">
+            <a:fld id="{721DE3C0-A858-469D-9B14-93027DEB1D58}" type="datetime1">
               <a:rPr lang="en-US" smtClean="0"/>
-              <a:t>19-Nov-12</a:t>
+              <a:t>01-Dec-12</a:t>
             </a:fld>
             <a:endParaRPr lang="en-US"/>
           </a:p>
@@ -3205,7 +2633,7 @@
       </p:sp>
       <p:sp>
         <p:nvSpPr>
-          <p:cNvPr id="3" name="Footer Placeholder 2"/>
+          <p:cNvPr id="3" name="Symbol zastępczy stopki 2"/>
           <p:cNvSpPr>
             <a:spLocks noGrp="1"/>
           </p:cNvSpPr>
@@ -3228,7 +2656,7 @@
       </p:sp>
       <p:sp>
         <p:nvSpPr>
-          <p:cNvPr id="4" name="Slide Number Placeholder 3"/>
+          <p:cNvPr id="4" name="Symbol zastępczy numeru slajdu 3"/>
           <p:cNvSpPr>
             <a:spLocks noGrp="1"/>
           </p:cNvSpPr>
@@ -3250,17 +2678,15 @@
         </p:txBody>
       </p:sp>
     </p:spTree>
+    <p:extLst>
+      <p:ext uri="{BB962C8B-B14F-4D97-AF65-F5344CB8AC3E}">
+        <p14:creationId xmlns:p14="http://schemas.microsoft.com/office/powerpoint/2010/main" val="3904641790"/>
+      </p:ext>
+    </p:extLst>
   </p:cSld>
   <p:clrMapOvr>
     <a:masterClrMapping/>
   </p:clrMapOvr>
-  <p:timing>
-    <p:tnLst>
-      <p:par>
-        <p:cTn id="1" dur="indefinite" restart="never" nodeType="tmRoot"/>
-      </p:par>
-    </p:tnLst>
-  </p:timing>
 </p:sldLayout>
 </file>
 
@@ -3283,7 +2709,7 @@
       </p:grpSpPr>
       <p:sp>
         <p:nvSpPr>
-          <p:cNvPr id="2" name="Title 1"/>
+          <p:cNvPr id="2" name="Tytuł 1"/>
           <p:cNvSpPr>
             <a:spLocks noGrp="1"/>
           </p:cNvSpPr>
@@ -3293,20 +2719,15 @@
         </p:nvSpPr>
         <p:spPr>
           <a:xfrm>
-            <a:off x="839095" y="2209800"/>
-            <a:ext cx="3636085" cy="1258493"/>
+            <a:off x="457200" y="273050"/>
+            <a:ext cx="3008313" cy="1162050"/>
           </a:xfrm>
-          <a:effectLst/>
         </p:spPr>
         <p:txBody>
-          <a:bodyPr anchor="b">
-            <a:noAutofit/>
-          </a:bodyPr>
+          <a:bodyPr anchor="b"/>
           <a:lstStyle>
-            <a:lvl1pPr marL="228600" indent="-228600" algn="l">
-              <a:defRPr sz="2800" b="1">
-                <a:effectLst/>
-              </a:defRPr>
+            <a:lvl1pPr algn="l">
+              <a:defRPr sz="2000" b="1"/>
             </a:lvl1pPr>
           </a:lstStyle>
           <a:p>
@@ -3314,13 +2735,13 @@
               <a:rPr lang="pl-PL" smtClean="0"/>
               <a:t>Kliknij, aby edytować styl</a:t>
             </a:r>
-            <a:endParaRPr lang="en-US" dirty="0"/>
-          </a:p>
-        </p:txBody>
-      </p:sp>
-      <p:sp>
-        <p:nvSpPr>
-          <p:cNvPr id="3" name="Content Placeholder 2"/>
+            <a:endParaRPr lang="en-US"/>
+          </a:p>
+        </p:txBody>
+      </p:sp>
+      <p:sp>
+        <p:nvSpPr>
+          <p:cNvPr id="3" name="Symbol zastępczy zawartości 2"/>
           <p:cNvSpPr>
             <a:spLocks noGrp="1"/>
           </p:cNvSpPr>
@@ -3330,27 +2751,27 @@
         </p:nvSpPr>
         <p:spPr>
           <a:xfrm>
-            <a:off x="4593515" y="731520"/>
-            <a:ext cx="4017085" cy="4894730"/>
+            <a:off x="3575050" y="273050"/>
+            <a:ext cx="5111750" cy="5853113"/>
           </a:xfrm>
         </p:spPr>
         <p:txBody>
-          <a:bodyPr anchor="ctr"/>
+          <a:bodyPr/>
           <a:lstStyle>
             <a:lvl1pPr>
-              <a:defRPr sz="2200"/>
+              <a:defRPr sz="3200"/>
             </a:lvl1pPr>
             <a:lvl2pPr>
-              <a:defRPr sz="2000"/>
+              <a:defRPr sz="2800"/>
             </a:lvl2pPr>
             <a:lvl3pPr>
-              <a:defRPr sz="1800"/>
+              <a:defRPr sz="2400"/>
             </a:lvl3pPr>
             <a:lvl4pPr>
-              <a:defRPr sz="1600"/>
+              <a:defRPr sz="2000"/>
             </a:lvl4pPr>
             <a:lvl5pPr>
-              <a:defRPr sz="1400"/>
+              <a:defRPr sz="2000"/>
             </a:lvl5pPr>
             <a:lvl6pPr>
               <a:defRPr sz="2000"/>
@@ -3399,13 +2820,13 @@
               <a:rPr lang="pl-PL" smtClean="0"/>
               <a:t>Piąty poziom</a:t>
             </a:r>
-            <a:endParaRPr lang="en-US" dirty="0"/>
-          </a:p>
-        </p:txBody>
-      </p:sp>
-      <p:sp>
-        <p:nvSpPr>
-          <p:cNvPr id="4" name="Text Placeholder 3"/>
+            <a:endParaRPr lang="en-US"/>
+          </a:p>
+        </p:txBody>
+      </p:sp>
+      <p:sp>
+        <p:nvSpPr>
+          <p:cNvPr id="4" name="Symbol zastępczy tekstu 3"/>
           <p:cNvSpPr>
             <a:spLocks noGrp="1"/>
           </p:cNvSpPr>
@@ -3415,8 +2836,8 @@
         </p:nvSpPr>
         <p:spPr>
           <a:xfrm>
-            <a:off x="1075765" y="3497802"/>
-            <a:ext cx="3388660" cy="2139518"/>
+            <a:off x="457200" y="1435100"/>
+            <a:ext cx="3008313" cy="4691063"/>
           </a:xfrm>
         </p:spPr>
         <p:txBody>
@@ -3470,7 +2891,7 @@
       </p:sp>
       <p:sp>
         <p:nvSpPr>
-          <p:cNvPr id="5" name="Date Placeholder 4"/>
+          <p:cNvPr id="5" name="Symbol zastępczy daty 4"/>
           <p:cNvSpPr>
             <a:spLocks noGrp="1"/>
           </p:cNvSpPr>
@@ -3483,9 +2904,9 @@
           <a:bodyPr/>
           <a:lstStyle/>
           <a:p>
-            <a:fld id="{239AD201-A352-4D58-836E-94D1DBC110CB}" type="datetime1">
+            <a:fld id="{61D11817-FF0F-488A-BEBB-9AD3AB03E3EB}" type="datetime1">
               <a:rPr lang="en-US" smtClean="0"/>
-              <a:t>19-Nov-12</a:t>
+              <a:t>01-Dec-12</a:t>
             </a:fld>
             <a:endParaRPr lang="en-US"/>
           </a:p>
@@ -3493,7 +2914,7 @@
       </p:sp>
       <p:sp>
         <p:nvSpPr>
-          <p:cNvPr id="6" name="Footer Placeholder 5"/>
+          <p:cNvPr id="6" name="Symbol zastępczy stopki 5"/>
           <p:cNvSpPr>
             <a:spLocks noGrp="1"/>
           </p:cNvSpPr>
@@ -3516,7 +2937,7 @@
       </p:sp>
       <p:sp>
         <p:nvSpPr>
-          <p:cNvPr id="7" name="Slide Number Placeholder 6"/>
+          <p:cNvPr id="7" name="Symbol zastępczy numeru slajdu 6"/>
           <p:cNvSpPr>
             <a:spLocks noGrp="1"/>
           </p:cNvSpPr>
@@ -3538,22 +2959,20 @@
         </p:txBody>
       </p:sp>
     </p:spTree>
+    <p:extLst>
+      <p:ext uri="{BB962C8B-B14F-4D97-AF65-F5344CB8AC3E}">
+        <p14:creationId xmlns:p14="http://schemas.microsoft.com/office/powerpoint/2010/main" val="3698093786"/>
+      </p:ext>
+    </p:extLst>
   </p:cSld>
   <p:clrMapOvr>
     <a:masterClrMapping/>
   </p:clrMapOvr>
-  <p:timing>
-    <p:tnLst>
-      <p:par>
-        <p:cTn id="1" dur="indefinite" restart="never" nodeType="tmRoot"/>
-      </p:par>
-    </p:tnLst>
-  </p:timing>
 </p:sldLayout>
 </file>
 
 <file path=ppt/slideLayouts/slideLayout9.xml><?xml version="1.0" encoding="utf-8"?>
-<p:sldLayout xmlns:a="http://schemas.openxmlformats.org/drawingml/2006/main" xmlns:r="http://schemas.openxmlformats.org/officeDocument/2006/relationships" xmlns:p="http://schemas.openxmlformats.org/presentationml/2006/main" showMasterSp="0" type="picTx" preserve="1">
+<p:sldLayout xmlns:a="http://schemas.openxmlformats.org/drawingml/2006/main" xmlns:r="http://schemas.openxmlformats.org/officeDocument/2006/relationships" xmlns:p="http://schemas.openxmlformats.org/presentationml/2006/main" type="picTx" preserve="1">
   <p:cSld name="Obraz z podpisem">
     <p:spTree>
       <p:nvGrpSpPr>
@@ -3571,276 +2990,39 @@
       </p:grpSpPr>
       <p:sp>
         <p:nvSpPr>
-          <p:cNvPr id="8" name="Rectangle 7"/>
-          <p:cNvSpPr/>
-          <p:nvPr/>
+          <p:cNvPr id="2" name="Tytuł 1"/>
+          <p:cNvSpPr>
+            <a:spLocks noGrp="1"/>
+          </p:cNvSpPr>
+          <p:nvPr>
+            <p:ph type="title"/>
+          </p:nvPr>
         </p:nvSpPr>
         <p:spPr>
           <a:xfrm>
-            <a:off x="0" y="3866920"/>
-            <a:ext cx="9144000" cy="2991080"/>
+            <a:off x="1792288" y="4800600"/>
+            <a:ext cx="5486400" cy="566738"/>
           </a:xfrm>
-          <a:prstGeom prst="rect">
-            <a:avLst/>
-          </a:prstGeom>
-          <a:gradFill>
-            <a:gsLst>
-              <a:gs pos="0">
-                <a:schemeClr val="bg1">
-                  <a:alpha val="92000"/>
-                </a:schemeClr>
-              </a:gs>
-              <a:gs pos="37000">
-                <a:schemeClr val="bg1">
-                  <a:alpha val="77000"/>
-                </a:schemeClr>
-              </a:gs>
-              <a:gs pos="100000">
-                <a:schemeClr val="bg2">
-                  <a:alpha val="80000"/>
-                </a:schemeClr>
-              </a:gs>
-            </a:gsLst>
-            <a:path path="circle">
-              <a:fillToRect l="50000" t="50000" r="50000" b="50000"/>
-            </a:path>
-          </a:gradFill>
-          <a:ln>
-            <a:noFill/>
-          </a:ln>
         </p:spPr>
-        <p:style>
-          <a:lnRef idx="2">
-            <a:schemeClr val="accent1">
-              <a:shade val="50000"/>
-            </a:schemeClr>
-          </a:lnRef>
-          <a:fillRef idx="1">
-            <a:schemeClr val="accent1"/>
-          </a:fillRef>
-          <a:effectRef idx="0">
-            <a:schemeClr val="accent1"/>
-          </a:effectRef>
-          <a:fontRef idx="minor">
-            <a:schemeClr val="lt1"/>
-          </a:fontRef>
-        </p:style>
-        <p:txBody>
-          <a:bodyPr rtlCol="0" anchor="ctr"/>
-          <a:lstStyle/>
-          <a:p>
-            <a:pPr algn="ctr"/>
+        <p:txBody>
+          <a:bodyPr anchor="b"/>
+          <a:lstStyle>
+            <a:lvl1pPr algn="l">
+              <a:defRPr sz="2000" b="1"/>
+            </a:lvl1pPr>
+          </a:lstStyle>
+          <a:p>
+            <a:r>
+              <a:rPr lang="pl-PL" smtClean="0"/>
+              <a:t>Kliknij, aby edytować styl</a:t>
+            </a:r>
             <a:endParaRPr lang="en-US"/>
           </a:p>
         </p:txBody>
       </p:sp>
       <p:sp>
         <p:nvSpPr>
-          <p:cNvPr id="9" name="Rectangle 8"/>
-          <p:cNvSpPr/>
-          <p:nvPr/>
-        </p:nvSpPr>
-        <p:spPr>
-          <a:xfrm>
-            <a:off x="0" y="0"/>
-            <a:ext cx="9144000" cy="3866920"/>
-          </a:xfrm>
-          <a:prstGeom prst="rect">
-            <a:avLst/>
-          </a:prstGeom>
-          <a:gradFill flip="none" rotWithShape="1">
-            <a:gsLst>
-              <a:gs pos="0">
-                <a:schemeClr val="bg1">
-                  <a:alpha val="90000"/>
-                </a:schemeClr>
-              </a:gs>
-              <a:gs pos="48000">
-                <a:schemeClr val="bg1">
-                  <a:alpha val="63000"/>
-                </a:schemeClr>
-              </a:gs>
-              <a:gs pos="100000">
-                <a:schemeClr val="bg2">
-                  <a:alpha val="80000"/>
-                </a:schemeClr>
-              </a:gs>
-            </a:gsLst>
-            <a:path path="circle">
-              <a:fillToRect l="50000" t="50000" r="50000" b="50000"/>
-            </a:path>
-            <a:tileRect/>
-          </a:gradFill>
-          <a:ln>
-            <a:noFill/>
-          </a:ln>
-        </p:spPr>
-        <p:style>
-          <a:lnRef idx="2">
-            <a:schemeClr val="accent1">
-              <a:shade val="50000"/>
-            </a:schemeClr>
-          </a:lnRef>
-          <a:fillRef idx="1">
-            <a:schemeClr val="accent1"/>
-          </a:fillRef>
-          <a:effectRef idx="0">
-            <a:schemeClr val="accent1"/>
-          </a:effectRef>
-          <a:fontRef idx="minor">
-            <a:schemeClr val="lt1"/>
-          </a:fontRef>
-        </p:style>
-        <p:txBody>
-          <a:bodyPr rtlCol="0" anchor="ctr"/>
-          <a:lstStyle/>
-          <a:p>
-            <a:pPr algn="ctr"/>
-            <a:endParaRPr lang="en-US" dirty="0"/>
-          </a:p>
-        </p:txBody>
-      </p:sp>
-      <p:sp>
-        <p:nvSpPr>
-          <p:cNvPr id="10" name="Rectangle 9"/>
-          <p:cNvSpPr/>
-          <p:nvPr/>
-        </p:nvSpPr>
-        <p:spPr>
-          <a:xfrm>
-            <a:off x="0" y="2652311"/>
-            <a:ext cx="9144000" cy="2286000"/>
-          </a:xfrm>
-          <a:prstGeom prst="rect">
-            <a:avLst/>
-          </a:prstGeom>
-          <a:gradFill flip="none" rotWithShape="1">
-            <a:gsLst>
-              <a:gs pos="0">
-                <a:schemeClr val="bg1">
-                  <a:alpha val="0"/>
-                </a:schemeClr>
-              </a:gs>
-              <a:gs pos="29000">
-                <a:schemeClr val="bg1">
-                  <a:alpha val="30000"/>
-                </a:schemeClr>
-              </a:gs>
-              <a:gs pos="45000">
-                <a:schemeClr val="bg2">
-                  <a:alpha val="40000"/>
-                </a:schemeClr>
-              </a:gs>
-              <a:gs pos="55000">
-                <a:schemeClr val="bg1">
-                  <a:alpha val="26000"/>
-                </a:schemeClr>
-              </a:gs>
-              <a:gs pos="65000">
-                <a:schemeClr val="bg2">
-                  <a:alpha val="60000"/>
-                </a:schemeClr>
-              </a:gs>
-              <a:gs pos="100000">
-                <a:schemeClr val="bg1">
-                  <a:alpha val="0"/>
-                </a:schemeClr>
-              </a:gs>
-            </a:gsLst>
-            <a:lin ang="5400000" scaled="0"/>
-            <a:tileRect/>
-          </a:gradFill>
-          <a:ln>
-            <a:noFill/>
-          </a:ln>
-        </p:spPr>
-        <p:style>
-          <a:lnRef idx="2">
-            <a:schemeClr val="accent1">
-              <a:shade val="50000"/>
-            </a:schemeClr>
-          </a:lnRef>
-          <a:fillRef idx="1">
-            <a:schemeClr val="accent1"/>
-          </a:fillRef>
-          <a:effectRef idx="0">
-            <a:schemeClr val="accent1"/>
-          </a:effectRef>
-          <a:fontRef idx="minor">
-            <a:schemeClr val="lt1"/>
-          </a:fontRef>
-        </p:style>
-        <p:txBody>
-          <a:bodyPr rtlCol="0" anchor="ctr"/>
-          <a:lstStyle/>
-          <a:p>
-            <a:pPr algn="ctr"/>
-            <a:endParaRPr lang="en-US"/>
-          </a:p>
-        </p:txBody>
-      </p:sp>
-      <p:sp>
-        <p:nvSpPr>
-          <p:cNvPr id="11" name="Oval 10"/>
-          <p:cNvSpPr/>
-          <p:nvPr/>
-        </p:nvSpPr>
-        <p:spPr>
-          <a:xfrm>
-            <a:off x="0" y="1600200"/>
-            <a:ext cx="9144000" cy="5105400"/>
-          </a:xfrm>
-          <a:prstGeom prst="ellipse">
-            <a:avLst/>
-          </a:prstGeom>
-          <a:gradFill flip="none" rotWithShape="1">
-            <a:gsLst>
-              <a:gs pos="0">
-                <a:schemeClr val="bg1"/>
-              </a:gs>
-              <a:gs pos="54000">
-                <a:schemeClr val="bg1">
-                  <a:alpha val="0"/>
-                </a:schemeClr>
-              </a:gs>
-            </a:gsLst>
-            <a:path path="circle">
-              <a:fillToRect l="50000" t="50000" r="50000" b="50000"/>
-            </a:path>
-            <a:tileRect/>
-          </a:gradFill>
-          <a:ln>
-            <a:noFill/>
-          </a:ln>
-        </p:spPr>
-        <p:style>
-          <a:lnRef idx="2">
-            <a:schemeClr val="accent1">
-              <a:shade val="50000"/>
-            </a:schemeClr>
-          </a:lnRef>
-          <a:fillRef idx="1">
-            <a:schemeClr val="accent1"/>
-          </a:fillRef>
-          <a:effectRef idx="0">
-            <a:schemeClr val="accent1"/>
-          </a:effectRef>
-          <a:fontRef idx="minor">
-            <a:schemeClr val="lt1"/>
-          </a:fontRef>
-        </p:style>
-        <p:txBody>
-          <a:bodyPr rtlCol="0" anchor="ctr"/>
-          <a:lstStyle/>
-          <a:p>
-            <a:pPr algn="ctr"/>
-            <a:endParaRPr lang="en-US"/>
-          </a:p>
-        </p:txBody>
-      </p:sp>
-      <p:sp>
-        <p:nvSpPr>
-          <p:cNvPr id="3" name="Picture Placeholder 2"/>
+          <p:cNvPr id="3" name="Symbol zastępczy obrazu 2"/>
           <p:cNvSpPr>
             <a:spLocks noGrp="1"/>
           </p:cNvSpPr>
@@ -3850,41 +3032,16 @@
         </p:nvSpPr>
         <p:spPr>
           <a:xfrm>
-            <a:off x="4475175" y="1143000"/>
-            <a:ext cx="4114800" cy="3127806"/>
+            <a:off x="1792288" y="612775"/>
+            <a:ext cx="5486400" cy="4114800"/>
           </a:xfrm>
-          <a:prstGeom prst="roundRect">
-            <a:avLst>
-              <a:gd name="adj" fmla="val 4230"/>
-            </a:avLst>
-          </a:prstGeom>
-          <a:solidFill>
-            <a:schemeClr val="bg2">
-              <a:lumMod val="90000"/>
-            </a:schemeClr>
-          </a:solidFill>
-          <a:effectLst>
-            <a:reflection blurRad="4350" stA="23000" endA="300" endPos="28000" dir="5400000" sy="-100000" algn="bl" rotWithShape="0"/>
-          </a:effectLst>
-          <a:scene3d>
-            <a:camera prst="perspectiveContrastingLeftFacing" fov="1800000">
-              <a:rot lat="300000" lon="2100000" rev="0"/>
-            </a:camera>
-            <a:lightRig rig="balanced" dir="t"/>
-          </a:scene3d>
-          <a:sp3d>
-            <a:bevelT w="50800" h="50800"/>
-          </a:sp3d>
         </p:spPr>
         <p:txBody>
-          <a:bodyPr>
-            <a:normAutofit/>
-            <a:flatTx/>
-          </a:bodyPr>
+          <a:bodyPr/>
           <a:lstStyle>
-            <a:lvl1pPr marL="0" indent="0" algn="ctr">
+            <a:lvl1pPr marL="0" indent="0">
               <a:buNone/>
-              <a:defRPr sz="2000"/>
+              <a:defRPr sz="3200"/>
             </a:lvl1pPr>
             <a:lvl2pPr marL="457200" indent="0">
               <a:buNone/>
@@ -3920,17 +3077,13 @@
             </a:lvl9pPr>
           </a:lstStyle>
           <a:p>
-            <a:r>
-              <a:rPr lang="pl-PL" smtClean="0"/>
-              <a:t>Kliknij ikonę, aby dodać obraz</a:t>
-            </a:r>
-            <a:endParaRPr lang="en-US" dirty="0"/>
-          </a:p>
-        </p:txBody>
-      </p:sp>
-      <p:sp>
-        <p:nvSpPr>
-          <p:cNvPr id="4" name="Text Placeholder 3"/>
+            <a:endParaRPr lang="en-US"/>
+          </a:p>
+        </p:txBody>
+      </p:sp>
+      <p:sp>
+        <p:nvSpPr>
+          <p:cNvPr id="4" name="Symbol zastępczy tekstu 3"/>
           <p:cNvSpPr>
             <a:spLocks noGrp="1"/>
           </p:cNvSpPr>
@@ -3940,17 +3093,16 @@
         </p:nvSpPr>
         <p:spPr>
           <a:xfrm>
-            <a:off x="877887" y="1010486"/>
-            <a:ext cx="3694114" cy="2163020"/>
+            <a:off x="1792288" y="5367338"/>
+            <a:ext cx="5486400" cy="804862"/>
           </a:xfrm>
         </p:spPr>
         <p:txBody>
-          <a:bodyPr anchor="b"/>
+          <a:bodyPr/>
           <a:lstStyle>
-            <a:lvl1pPr marL="182880" indent="-182880">
-              <a:buFont typeface="Georgia" pitchFamily="18" charset="0"/>
-              <a:buChar char="*"/>
-              <a:defRPr sz="1600"/>
+            <a:lvl1pPr marL="0" indent="0">
+              <a:buNone/>
+              <a:defRPr sz="1400"/>
             </a:lvl1pPr>
             <a:lvl2pPr marL="457200" indent="0">
               <a:buNone/>
@@ -3996,7 +3148,7 @@
       </p:sp>
       <p:sp>
         <p:nvSpPr>
-          <p:cNvPr id="5" name="Date Placeholder 4"/>
+          <p:cNvPr id="5" name="Symbol zastępczy daty 4"/>
           <p:cNvSpPr>
             <a:spLocks noGrp="1"/>
           </p:cNvSpPr>
@@ -4009,9 +3161,9 @@
           <a:bodyPr/>
           <a:lstStyle/>
           <a:p>
-            <a:fld id="{CD5D1D3A-52EF-4AFD-B209-292D02F45AC1}" type="datetime1">
+            <a:fld id="{BEB757E8-4B50-4160-9C91-AA20A01A32A0}" type="datetime1">
               <a:rPr lang="en-US" smtClean="0"/>
-              <a:t>19-Nov-12</a:t>
+              <a:t>01-Dec-12</a:t>
             </a:fld>
             <a:endParaRPr lang="en-US"/>
           </a:p>
@@ -4019,7 +3171,7 @@
       </p:sp>
       <p:sp>
         <p:nvSpPr>
-          <p:cNvPr id="6" name="Footer Placeholder 5"/>
+          <p:cNvPr id="6" name="Symbol zastępczy stopki 5"/>
           <p:cNvSpPr>
             <a:spLocks noGrp="1"/>
           </p:cNvSpPr>
@@ -4042,7 +3194,7 @@
       </p:sp>
       <p:sp>
         <p:nvSpPr>
-          <p:cNvPr id="7" name="Slide Number Placeholder 6"/>
+          <p:cNvPr id="7" name="Symbol zastępczy numeru slajdu 6"/>
           <p:cNvSpPr>
             <a:spLocks noGrp="1"/>
           </p:cNvSpPr>
@@ -4063,52 +3215,16 @@
           </a:p>
         </p:txBody>
       </p:sp>
-      <p:sp>
-        <p:nvSpPr>
-          <p:cNvPr id="2" name="Title 1"/>
-          <p:cNvSpPr>
-            <a:spLocks noGrp="1"/>
-          </p:cNvSpPr>
-          <p:nvPr>
-            <p:ph type="title"/>
-          </p:nvPr>
-        </p:nvSpPr>
-        <p:spPr>
-          <a:xfrm>
-            <a:off x="727268" y="4464421"/>
-            <a:ext cx="6383538" cy="1143000"/>
-          </a:xfrm>
-        </p:spPr>
-        <p:txBody>
-          <a:bodyPr anchor="b">
-            <a:noAutofit/>
-          </a:bodyPr>
-          <a:lstStyle>
-            <a:lvl1pPr algn="l">
-              <a:defRPr sz="4600" b="1"/>
-            </a:lvl1pPr>
-          </a:lstStyle>
-          <a:p>
-            <a:r>
-              <a:rPr lang="pl-PL" smtClean="0"/>
-              <a:t>Kliknij, aby edytować styl</a:t>
-            </a:r>
-            <a:endParaRPr lang="en-US" dirty="0"/>
-          </a:p>
-        </p:txBody>
-      </p:sp>
     </p:spTree>
+    <p:extLst>
+      <p:ext uri="{BB962C8B-B14F-4D97-AF65-F5344CB8AC3E}">
+        <p14:creationId xmlns:p14="http://schemas.microsoft.com/office/powerpoint/2010/main" val="1586594249"/>
+      </p:ext>
+    </p:extLst>
   </p:cSld>
   <p:clrMapOvr>
     <a:masterClrMapping/>
   </p:clrMapOvr>
-  <p:timing>
-    <p:tnLst>
-      <p:par>
-        <p:cTn id="1" dur="indefinite" restart="never" nodeType="tmRoot"/>
-      </p:par>
-    </p:tnLst>
-  </p:timing>
 </p:sldLayout>
 </file>
 
@@ -4116,9 +3232,18 @@
 <p:sldMaster xmlns:a="http://schemas.openxmlformats.org/drawingml/2006/main" xmlns:r="http://schemas.openxmlformats.org/officeDocument/2006/relationships" xmlns:p="http://schemas.openxmlformats.org/presentationml/2006/main">
   <p:cSld>
     <p:bg>
-      <p:bgRef idx="1002">
-        <a:schemeClr val="bg2"/>
-      </p:bgRef>
+      <p:bgPr>
+        <a:blipFill dpi="0" rotWithShape="1">
+          <a:blip r:embed="rId13">
+            <a:lum/>
+          </a:blip>
+          <a:srcRect/>
+          <a:stretch>
+            <a:fillRect l="-6000" r="-6000"/>
+          </a:stretch>
+        </a:blipFill>
+        <a:effectLst/>
+      </p:bgPr>
     </p:bg>
     <p:spTree>
       <p:nvGrpSpPr>
@@ -4136,276 +3261,7 @@
       </p:grpSpPr>
       <p:sp>
         <p:nvSpPr>
-          <p:cNvPr id="7" name="Rectangle 6"/>
-          <p:cNvSpPr/>
-          <p:nvPr/>
-        </p:nvSpPr>
-        <p:spPr>
-          <a:xfrm>
-            <a:off x="0" y="5105400"/>
-            <a:ext cx="9144000" cy="1752600"/>
-          </a:xfrm>
-          <a:prstGeom prst="rect">
-            <a:avLst/>
-          </a:prstGeom>
-          <a:gradFill>
-            <a:gsLst>
-              <a:gs pos="0">
-                <a:schemeClr val="bg1">
-                  <a:alpha val="91000"/>
-                </a:schemeClr>
-              </a:gs>
-              <a:gs pos="37000">
-                <a:schemeClr val="bg1">
-                  <a:alpha val="76000"/>
-                </a:schemeClr>
-              </a:gs>
-              <a:gs pos="100000">
-                <a:schemeClr val="bg2">
-                  <a:alpha val="79000"/>
-                </a:schemeClr>
-              </a:gs>
-            </a:gsLst>
-            <a:path path="circle">
-              <a:fillToRect l="50000" t="50000" r="50000" b="50000"/>
-            </a:path>
-          </a:gradFill>
-          <a:ln>
-            <a:noFill/>
-          </a:ln>
-        </p:spPr>
-        <p:style>
-          <a:lnRef idx="2">
-            <a:schemeClr val="accent1">
-              <a:shade val="50000"/>
-            </a:schemeClr>
-          </a:lnRef>
-          <a:fillRef idx="1">
-            <a:schemeClr val="accent1"/>
-          </a:fillRef>
-          <a:effectRef idx="0">
-            <a:schemeClr val="accent1"/>
-          </a:effectRef>
-          <a:fontRef idx="minor">
-            <a:schemeClr val="lt1"/>
-          </a:fontRef>
-        </p:style>
-        <p:txBody>
-          <a:bodyPr rtlCol="0" anchor="ctr"/>
-          <a:lstStyle/>
-          <a:p>
-            <a:pPr algn="ctr"/>
-            <a:endParaRPr lang="en-US"/>
-          </a:p>
-        </p:txBody>
-      </p:sp>
-      <p:sp>
-        <p:nvSpPr>
-          <p:cNvPr id="8" name="Rectangle 7"/>
-          <p:cNvSpPr/>
-          <p:nvPr/>
-        </p:nvSpPr>
-        <p:spPr>
-          <a:xfrm>
-            <a:off x="0" y="0"/>
-            <a:ext cx="9144000" cy="5105400"/>
-          </a:xfrm>
-          <a:prstGeom prst="rect">
-            <a:avLst/>
-          </a:prstGeom>
-          <a:gradFill flip="none" rotWithShape="1">
-            <a:gsLst>
-              <a:gs pos="0">
-                <a:schemeClr val="bg1">
-                  <a:alpha val="89000"/>
-                </a:schemeClr>
-              </a:gs>
-              <a:gs pos="48000">
-                <a:schemeClr val="bg1">
-                  <a:alpha val="62000"/>
-                </a:schemeClr>
-              </a:gs>
-              <a:gs pos="100000">
-                <a:schemeClr val="bg2">
-                  <a:alpha val="79000"/>
-                </a:schemeClr>
-              </a:gs>
-            </a:gsLst>
-            <a:path path="circle">
-              <a:fillToRect l="50000" t="50000" r="50000" b="50000"/>
-            </a:path>
-            <a:tileRect/>
-          </a:gradFill>
-          <a:ln>
-            <a:noFill/>
-          </a:ln>
-        </p:spPr>
-        <p:style>
-          <a:lnRef idx="2">
-            <a:schemeClr val="accent1">
-              <a:shade val="50000"/>
-            </a:schemeClr>
-          </a:lnRef>
-          <a:fillRef idx="1">
-            <a:schemeClr val="accent1"/>
-          </a:fillRef>
-          <a:effectRef idx="0">
-            <a:schemeClr val="accent1"/>
-          </a:effectRef>
-          <a:fontRef idx="minor">
-            <a:schemeClr val="lt1"/>
-          </a:fontRef>
-        </p:style>
-        <p:txBody>
-          <a:bodyPr rtlCol="0" anchor="ctr"/>
-          <a:lstStyle/>
-          <a:p>
-            <a:pPr algn="ctr"/>
-            <a:endParaRPr lang="en-US" dirty="0"/>
-          </a:p>
-        </p:txBody>
-      </p:sp>
-      <p:sp>
-        <p:nvSpPr>
-          <p:cNvPr id="9" name="Rectangle 8"/>
-          <p:cNvSpPr/>
-          <p:nvPr/>
-        </p:nvSpPr>
-        <p:spPr>
-          <a:xfrm>
-            <a:off x="0" y="3768304"/>
-            <a:ext cx="9144000" cy="2286000"/>
-          </a:xfrm>
-          <a:prstGeom prst="rect">
-            <a:avLst/>
-          </a:prstGeom>
-          <a:gradFill flip="none" rotWithShape="1">
-            <a:gsLst>
-              <a:gs pos="0">
-                <a:schemeClr val="bg1">
-                  <a:alpha val="0"/>
-                </a:schemeClr>
-              </a:gs>
-              <a:gs pos="29000">
-                <a:schemeClr val="bg1">
-                  <a:alpha val="30000"/>
-                </a:schemeClr>
-              </a:gs>
-              <a:gs pos="45000">
-                <a:schemeClr val="bg2">
-                  <a:alpha val="40000"/>
-                </a:schemeClr>
-              </a:gs>
-              <a:gs pos="55000">
-                <a:schemeClr val="bg1">
-                  <a:alpha val="26000"/>
-                </a:schemeClr>
-              </a:gs>
-              <a:gs pos="65000">
-                <a:schemeClr val="bg2">
-                  <a:alpha val="60000"/>
-                </a:schemeClr>
-              </a:gs>
-              <a:gs pos="100000">
-                <a:schemeClr val="bg1">
-                  <a:alpha val="0"/>
-                </a:schemeClr>
-              </a:gs>
-            </a:gsLst>
-            <a:lin ang="5400000" scaled="0"/>
-            <a:tileRect/>
-          </a:gradFill>
-          <a:ln>
-            <a:noFill/>
-          </a:ln>
-        </p:spPr>
-        <p:style>
-          <a:lnRef idx="2">
-            <a:schemeClr val="accent1">
-              <a:shade val="50000"/>
-            </a:schemeClr>
-          </a:lnRef>
-          <a:fillRef idx="1">
-            <a:schemeClr val="accent1"/>
-          </a:fillRef>
-          <a:effectRef idx="0">
-            <a:schemeClr val="accent1"/>
-          </a:effectRef>
-          <a:fontRef idx="minor">
-            <a:schemeClr val="lt1"/>
-          </a:fontRef>
-        </p:style>
-        <p:txBody>
-          <a:bodyPr rtlCol="0" anchor="ctr"/>
-          <a:lstStyle/>
-          <a:p>
-            <a:pPr algn="ctr"/>
-            <a:endParaRPr lang="en-US"/>
-          </a:p>
-        </p:txBody>
-      </p:sp>
-      <p:sp>
-        <p:nvSpPr>
-          <p:cNvPr id="10" name="Oval 9"/>
-          <p:cNvSpPr/>
-          <p:nvPr/>
-        </p:nvSpPr>
-        <p:spPr>
-          <a:xfrm>
-            <a:off x="0" y="1600200"/>
-            <a:ext cx="9144000" cy="5105400"/>
-          </a:xfrm>
-          <a:prstGeom prst="ellipse">
-            <a:avLst/>
-          </a:prstGeom>
-          <a:gradFill flip="none" rotWithShape="1">
-            <a:gsLst>
-              <a:gs pos="0">
-                <a:schemeClr val="bg1"/>
-              </a:gs>
-              <a:gs pos="56000">
-                <a:schemeClr val="bg1">
-                  <a:alpha val="0"/>
-                </a:schemeClr>
-              </a:gs>
-            </a:gsLst>
-            <a:path path="circle">
-              <a:fillToRect l="50000" t="50000" r="50000" b="50000"/>
-            </a:path>
-            <a:tileRect/>
-          </a:gradFill>
-          <a:ln>
-            <a:noFill/>
-          </a:ln>
-        </p:spPr>
-        <p:style>
-          <a:lnRef idx="2">
-            <a:schemeClr val="accent1">
-              <a:shade val="50000"/>
-            </a:schemeClr>
-          </a:lnRef>
-          <a:fillRef idx="1">
-            <a:schemeClr val="accent1"/>
-          </a:fillRef>
-          <a:effectRef idx="0">
-            <a:schemeClr val="accent1"/>
-          </a:effectRef>
-          <a:fontRef idx="minor">
-            <a:schemeClr val="lt1"/>
-          </a:fontRef>
-        </p:style>
-        <p:txBody>
-          <a:bodyPr rtlCol="0" anchor="ctr"/>
-          <a:lstStyle/>
-          <a:p>
-            <a:pPr algn="ctr"/>
-            <a:endParaRPr lang="en-US"/>
-          </a:p>
-        </p:txBody>
-      </p:sp>
-      <p:sp>
-        <p:nvSpPr>
-          <p:cNvPr id="2" name="Title Placeholder 1"/>
+          <p:cNvPr id="2" name="Symbol zastępczy tytułu 1"/>
           <p:cNvSpPr>
             <a:spLocks noGrp="1"/>
           </p:cNvSpPr>
@@ -4415,17 +3271,16 @@
         </p:nvSpPr>
         <p:spPr>
           <a:xfrm>
-            <a:off x="1793289" y="4372168"/>
-            <a:ext cx="6512511" cy="1143000"/>
+            <a:off x="457200" y="274638"/>
+            <a:ext cx="8229600" cy="1143000"/>
           </a:xfrm>
           <a:prstGeom prst="rect">
             <a:avLst/>
           </a:prstGeom>
-          <a:effectLst/>
         </p:spPr>
         <p:txBody>
-          <a:bodyPr vert="horz" lIns="91440" tIns="45720" rIns="91440" bIns="45720" rtlCol="0" anchor="t" anchorCtr="0">
-            <a:noAutofit/>
+          <a:bodyPr vert="horz" lIns="91440" tIns="45720" rIns="91440" bIns="45720" rtlCol="0" anchor="ctr">
+            <a:normAutofit/>
           </a:bodyPr>
           <a:lstStyle/>
           <a:p>
@@ -4433,13 +3288,13 @@
               <a:rPr lang="pl-PL" smtClean="0"/>
               <a:t>Kliknij, aby edytować styl</a:t>
             </a:r>
-            <a:endParaRPr lang="en-US" dirty="0"/>
-          </a:p>
-        </p:txBody>
-      </p:sp>
-      <p:sp>
-        <p:nvSpPr>
-          <p:cNvPr id="3" name="Text Placeholder 2"/>
+            <a:endParaRPr lang="en-US"/>
+          </a:p>
+        </p:txBody>
+      </p:sp>
+      <p:sp>
+        <p:nvSpPr>
+          <p:cNvPr id="3" name="Symbol zastępczy tekstu 2"/>
           <p:cNvSpPr>
             <a:spLocks noGrp="1"/>
           </p:cNvSpPr>
@@ -4449,8 +3304,8 @@
         </p:nvSpPr>
         <p:spPr>
           <a:xfrm>
-            <a:off x="1143000" y="732260"/>
-            <a:ext cx="6400800" cy="3474720"/>
+            <a:off x="457200" y="1600200"/>
+            <a:ext cx="8229600" cy="4525963"/>
           </a:xfrm>
           <a:prstGeom prst="rect">
             <a:avLst/>
@@ -4495,13 +3350,13 @@
               <a:rPr lang="pl-PL" smtClean="0"/>
               <a:t>Piąty poziom</a:t>
             </a:r>
-            <a:endParaRPr lang="en-US" dirty="0"/>
-          </a:p>
-        </p:txBody>
-      </p:sp>
-      <p:sp>
-        <p:nvSpPr>
-          <p:cNvPr id="4" name="Date Placeholder 3"/>
+            <a:endParaRPr lang="en-US"/>
+          </a:p>
+        </p:txBody>
+      </p:sp>
+      <p:sp>
+        <p:nvSpPr>
+          <p:cNvPr id="4" name="Symbol zastępczy daty 3"/>
           <p:cNvSpPr>
             <a:spLocks noGrp="1"/>
           </p:cNvSpPr>
@@ -4511,8 +3366,8 @@
         </p:nvSpPr>
         <p:spPr>
           <a:xfrm>
-            <a:off x="6172200" y="6172200"/>
-            <a:ext cx="2514600" cy="365125"/>
+            <a:off x="457200" y="6356350"/>
+            <a:ext cx="2133600" cy="365125"/>
           </a:xfrm>
           <a:prstGeom prst="rect">
             <a:avLst/>
@@ -4521,21 +3376,20 @@
         <p:txBody>
           <a:bodyPr vert="horz" lIns="91440" tIns="45720" rIns="91440" bIns="45720" rtlCol="0" anchor="ctr"/>
           <a:lstStyle>
-            <a:lvl1pPr algn="r">
-              <a:defRPr sz="1100" b="1">
+            <a:lvl1pPr algn="l">
+              <a:defRPr sz="1200">
                 <a:solidFill>
                   <a:schemeClr val="tx1">
-                    <a:lumMod val="50000"/>
-                    <a:lumOff val="50000"/>
+                    <a:tint val="75000"/>
                   </a:schemeClr>
                 </a:solidFill>
               </a:defRPr>
             </a:lvl1pPr>
           </a:lstStyle>
           <a:p>
-            <a:fld id="{5B8F88CF-BF7C-433C-8861-5F26F7DD49D6}" type="datetime1">
+            <a:fld id="{0AFCEB5F-0B69-4E57-9829-92B267AC1519}" type="datetime1">
               <a:rPr lang="en-US" smtClean="0"/>
-              <a:t>19-Nov-12</a:t>
+              <a:t>01-Dec-12</a:t>
             </a:fld>
             <a:endParaRPr lang="en-US"/>
           </a:p>
@@ -4543,7 +3397,7 @@
       </p:sp>
       <p:sp>
         <p:nvSpPr>
-          <p:cNvPr id="5" name="Footer Placeholder 4"/>
+          <p:cNvPr id="5" name="Symbol zastępczy stopki 4"/>
           <p:cNvSpPr>
             <a:spLocks noGrp="1"/>
           </p:cNvSpPr>
@@ -4553,8 +3407,8 @@
         </p:nvSpPr>
         <p:spPr>
           <a:xfrm>
-            <a:off x="457199" y="6172200"/>
-            <a:ext cx="3352801" cy="365125"/>
+            <a:off x="3124200" y="6356350"/>
+            <a:ext cx="2895600" cy="365125"/>
           </a:xfrm>
           <a:prstGeom prst="rect">
             <a:avLst/>
@@ -4563,12 +3417,11 @@
         <p:txBody>
           <a:bodyPr vert="horz" lIns="91440" tIns="45720" rIns="91440" bIns="45720" rtlCol="0" anchor="ctr"/>
           <a:lstStyle>
-            <a:lvl1pPr algn="l">
-              <a:defRPr sz="1100" b="1">
+            <a:lvl1pPr algn="ctr">
+              <a:defRPr sz="1200">
                 <a:solidFill>
                   <a:schemeClr val="tx1">
-                    <a:lumMod val="50000"/>
-                    <a:lumOff val="50000"/>
+                    <a:tint val="75000"/>
                   </a:schemeClr>
                 </a:solidFill>
               </a:defRPr>
@@ -4585,7 +3438,7 @@
       </p:sp>
       <p:sp>
         <p:nvSpPr>
-          <p:cNvPr id="6" name="Slide Number Placeholder 5"/>
+          <p:cNvPr id="6" name="Symbol zastępczy numeru slajdu 5"/>
           <p:cNvSpPr>
             <a:spLocks noGrp="1"/>
           </p:cNvSpPr>
@@ -4595,8 +3448,8 @@
         </p:nvSpPr>
         <p:spPr>
           <a:xfrm>
-            <a:off x="3810000" y="6172200"/>
-            <a:ext cx="1828800" cy="365125"/>
+            <a:off x="6553200" y="6356350"/>
+            <a:ext cx="2133600" cy="365125"/>
           </a:xfrm>
           <a:prstGeom prst="rect">
             <a:avLst/>
@@ -4605,12 +3458,11 @@
         <p:txBody>
           <a:bodyPr vert="horz" lIns="91440" tIns="45720" rIns="91440" bIns="45720" rtlCol="0" anchor="ctr"/>
           <a:lstStyle>
-            <a:lvl1pPr algn="ctr">
-              <a:defRPr sz="1200" b="1">
+            <a:lvl1pPr algn="r">
+              <a:defRPr sz="1200">
                 <a:solidFill>
                   <a:schemeClr val="tx1">
-                    <a:lumMod val="50000"/>
-                    <a:lumOff val="50000"/>
+                    <a:tint val="75000"/>
                   </a:schemeClr>
                 </a:solidFill>
               </a:defRPr>
@@ -4626,366 +3478,174 @@
         </p:txBody>
       </p:sp>
     </p:spTree>
+    <p:extLst>
+      <p:ext uri="{BB962C8B-B14F-4D97-AF65-F5344CB8AC3E}">
+        <p14:creationId xmlns:p14="http://schemas.microsoft.com/office/powerpoint/2010/main" val="1845989634"/>
+      </p:ext>
+    </p:extLst>
   </p:cSld>
   <p:clrMap bg1="lt1" tx1="dk1" bg2="lt2" tx2="dk2" accent1="accent1" accent2="accent2" accent3="accent3" accent4="accent4" accent5="accent5" accent6="accent6" hlink="hlink" folHlink="folHlink"/>
   <p:sldLayoutIdLst>
-    <p:sldLayoutId id="2147483781" r:id="rId1"/>
-    <p:sldLayoutId id="2147483782" r:id="rId2"/>
-    <p:sldLayoutId id="2147483783" r:id="rId3"/>
-    <p:sldLayoutId id="2147483784" r:id="rId4"/>
-    <p:sldLayoutId id="2147483785" r:id="rId5"/>
-    <p:sldLayoutId id="2147483786" r:id="rId6"/>
-    <p:sldLayoutId id="2147483787" r:id="rId7"/>
-    <p:sldLayoutId id="2147483788" r:id="rId8"/>
-    <p:sldLayoutId id="2147483789" r:id="rId9"/>
-    <p:sldLayoutId id="2147483790" r:id="rId10"/>
-    <p:sldLayoutId id="2147483791" r:id="rId11"/>
+    <p:sldLayoutId id="2147483793" r:id="rId1"/>
+    <p:sldLayoutId id="2147483794" r:id="rId2"/>
+    <p:sldLayoutId id="2147483795" r:id="rId3"/>
+    <p:sldLayoutId id="2147483796" r:id="rId4"/>
+    <p:sldLayoutId id="2147483797" r:id="rId5"/>
+    <p:sldLayoutId id="2147483798" r:id="rId6"/>
+    <p:sldLayoutId id="2147483799" r:id="rId7"/>
+    <p:sldLayoutId id="2147483800" r:id="rId8"/>
+    <p:sldLayoutId id="2147483801" r:id="rId9"/>
+    <p:sldLayoutId id="2147483802" r:id="rId10"/>
+    <p:sldLayoutId id="2147483803" r:id="rId11"/>
   </p:sldLayoutIdLst>
-  <p:timing>
-    <p:tnLst>
-      <p:par>
-        <p:cTn id="1" dur="indefinite" restart="never" nodeType="tmRoot"/>
-      </p:par>
-    </p:tnLst>
-  </p:timing>
-  <p:hf sldNum="0" hdr="0" dt="0"/>
+  <p:hf sldNum="0" hdr="0" ftr="0" dt="0"/>
   <p:txStyles>
     <p:titleStyle>
-      <a:lvl1pPr marL="320040" indent="-320040" algn="r" defTabSz="914400" rtl="0" eaLnBrk="1" latinLnBrk="0" hangingPunct="1">
+      <a:lvl1pPr algn="ctr" defTabSz="914400" rtl="0" eaLnBrk="1" latinLnBrk="0" hangingPunct="1">
         <a:spcBef>
           <a:spcPct val="0"/>
         </a:spcBef>
-        <a:buClr>
-          <a:schemeClr val="accent6">
-            <a:lumMod val="75000"/>
-          </a:schemeClr>
-        </a:buClr>
-        <a:buSzPct val="128000"/>
-        <a:buFont typeface="Georgia" pitchFamily="18" charset="0"/>
-        <a:buChar char="*"/>
-        <a:defRPr sz="4600" b="1" i="0" kern="1200">
-          <a:gradFill>
-            <a:gsLst>
-              <a:gs pos="0">
-                <a:schemeClr val="tx1"/>
-              </a:gs>
-              <a:gs pos="40000">
-                <a:schemeClr val="tx1">
-                  <a:lumMod val="75000"/>
-                  <a:lumOff val="25000"/>
-                </a:schemeClr>
-              </a:gs>
-              <a:gs pos="100000">
-                <a:schemeClr val="tx2">
-                  <a:alpha val="65000"/>
-                </a:schemeClr>
-              </a:gs>
-            </a:gsLst>
-            <a:lin ang="5400000" scaled="0"/>
-          </a:gradFill>
-          <a:effectLst>
-            <a:reflection blurRad="6350" stA="55000" endA="300" endPos="45500" dir="5400000" sy="-100000" algn="bl" rotWithShape="0"/>
-          </a:effectLst>
+        <a:buNone/>
+        <a:defRPr sz="4400" kern="1200">
+          <a:solidFill>
+            <a:schemeClr val="tx1"/>
+          </a:solidFill>
           <a:latin typeface="+mj-lt"/>
           <a:ea typeface="+mj-ea"/>
           <a:cs typeface="+mj-cs"/>
         </a:defRPr>
       </a:lvl1pPr>
-      <a:lvl2pPr eaLnBrk="1" hangingPunct="1">
-        <a:defRPr>
-          <a:solidFill>
-            <a:schemeClr val="tx2"/>
-          </a:solidFill>
-        </a:defRPr>
-      </a:lvl2pPr>
-      <a:lvl3pPr eaLnBrk="1" hangingPunct="1">
-        <a:defRPr>
-          <a:solidFill>
-            <a:schemeClr val="tx2"/>
-          </a:solidFill>
-        </a:defRPr>
-      </a:lvl3pPr>
-      <a:lvl4pPr eaLnBrk="1" hangingPunct="1">
-        <a:defRPr>
-          <a:solidFill>
-            <a:schemeClr val="tx2"/>
-          </a:solidFill>
-        </a:defRPr>
-      </a:lvl4pPr>
-      <a:lvl5pPr eaLnBrk="1" hangingPunct="1">
-        <a:defRPr>
-          <a:solidFill>
-            <a:schemeClr val="tx2"/>
-          </a:solidFill>
-        </a:defRPr>
-      </a:lvl5pPr>
-      <a:lvl6pPr eaLnBrk="1" hangingPunct="1">
-        <a:defRPr>
-          <a:solidFill>
-            <a:schemeClr val="tx2"/>
-          </a:solidFill>
-        </a:defRPr>
-      </a:lvl6pPr>
-      <a:lvl7pPr eaLnBrk="1" hangingPunct="1">
-        <a:defRPr>
-          <a:solidFill>
-            <a:schemeClr val="tx2"/>
-          </a:solidFill>
-        </a:defRPr>
-      </a:lvl7pPr>
-      <a:lvl8pPr eaLnBrk="1" hangingPunct="1">
-        <a:defRPr>
-          <a:solidFill>
-            <a:schemeClr val="tx2"/>
-          </a:solidFill>
-        </a:defRPr>
-      </a:lvl8pPr>
-      <a:lvl9pPr eaLnBrk="1" hangingPunct="1">
-        <a:defRPr>
-          <a:solidFill>
-            <a:schemeClr val="tx2"/>
-          </a:solidFill>
-        </a:defRPr>
-      </a:lvl9pPr>
     </p:titleStyle>
     <p:bodyStyle>
-      <a:lvl1pPr marL="228600" indent="-182880" algn="l" defTabSz="914400" rtl="0" eaLnBrk="1" latinLnBrk="0" hangingPunct="1">
+      <a:lvl1pPr marL="342900" indent="-342900" algn="l" defTabSz="914400" rtl="0" eaLnBrk="1" latinLnBrk="0" hangingPunct="1">
         <a:spcBef>
           <a:spcPct val="20000"/>
         </a:spcBef>
-        <a:spcAft>
-          <a:spcPts val="300"/>
-        </a:spcAft>
-        <a:buClr>
-          <a:schemeClr val="accent6">
-            <a:lumMod val="75000"/>
-          </a:schemeClr>
-        </a:buClr>
-        <a:buSzPct val="130000"/>
-        <a:buFont typeface="Georgia" pitchFamily="18" charset="0"/>
-        <a:buChar char="*"/>
-        <a:defRPr sz="2200" kern="1200">
+        <a:buFont typeface="Arial" pitchFamily="34" charset="0"/>
+        <a:buChar char="•"/>
+        <a:defRPr sz="3200" kern="1200">
           <a:solidFill>
-            <a:schemeClr val="tx1">
-              <a:lumMod val="75000"/>
-              <a:lumOff val="25000"/>
-            </a:schemeClr>
+            <a:schemeClr val="tx1"/>
           </a:solidFill>
           <a:latin typeface="+mn-lt"/>
           <a:ea typeface="+mn-ea"/>
           <a:cs typeface="+mn-cs"/>
         </a:defRPr>
       </a:lvl1pPr>
-      <a:lvl2pPr marL="548640" indent="-182880" algn="l" defTabSz="914400" rtl="0" eaLnBrk="1" latinLnBrk="0" hangingPunct="1">
+      <a:lvl2pPr marL="742950" indent="-285750" algn="l" defTabSz="914400" rtl="0" eaLnBrk="1" latinLnBrk="0" hangingPunct="1">
         <a:spcBef>
           <a:spcPct val="20000"/>
         </a:spcBef>
-        <a:spcAft>
-          <a:spcPts val="300"/>
-        </a:spcAft>
-        <a:buClr>
-          <a:schemeClr val="accent6">
-            <a:lumMod val="75000"/>
-          </a:schemeClr>
-        </a:buClr>
-        <a:buSzPct val="130000"/>
-        <a:buFont typeface="Georgia" pitchFamily="18" charset="0"/>
-        <a:buChar char="*"/>
-        <a:defRPr sz="2000" kern="1200">
+        <a:buFont typeface="Arial" pitchFamily="34" charset="0"/>
+        <a:buChar char="–"/>
+        <a:defRPr sz="2800" kern="1200">
           <a:solidFill>
-            <a:schemeClr val="tx1">
-              <a:lumMod val="75000"/>
-              <a:lumOff val="25000"/>
-            </a:schemeClr>
+            <a:schemeClr val="tx1"/>
           </a:solidFill>
           <a:latin typeface="+mn-lt"/>
           <a:ea typeface="+mn-ea"/>
           <a:cs typeface="+mn-cs"/>
         </a:defRPr>
       </a:lvl2pPr>
-      <a:lvl3pPr marL="822960" indent="-182880" algn="l" defTabSz="914400" rtl="0" eaLnBrk="1" latinLnBrk="0" hangingPunct="1">
+      <a:lvl3pPr marL="1143000" indent="-228600" algn="l" defTabSz="914400" rtl="0" eaLnBrk="1" latinLnBrk="0" hangingPunct="1">
         <a:spcBef>
           <a:spcPct val="20000"/>
         </a:spcBef>
-        <a:spcAft>
-          <a:spcPts val="300"/>
-        </a:spcAft>
-        <a:buClr>
-          <a:schemeClr val="accent6">
-            <a:lumMod val="75000"/>
-          </a:schemeClr>
-        </a:buClr>
-        <a:buSzPct val="130000"/>
-        <a:buFont typeface="Georgia" pitchFamily="18" charset="0"/>
-        <a:buChar char="*"/>
-        <a:defRPr sz="1800" kern="1200">
+        <a:buFont typeface="Arial" pitchFamily="34" charset="0"/>
+        <a:buChar char="•"/>
+        <a:defRPr sz="2400" kern="1200">
           <a:solidFill>
-            <a:schemeClr val="tx1">
-              <a:lumMod val="75000"/>
-              <a:lumOff val="25000"/>
-            </a:schemeClr>
+            <a:schemeClr val="tx1"/>
           </a:solidFill>
           <a:latin typeface="+mn-lt"/>
           <a:ea typeface="+mn-ea"/>
           <a:cs typeface="+mn-cs"/>
         </a:defRPr>
       </a:lvl3pPr>
-      <a:lvl4pPr marL="1097280" indent="-182880" algn="l" defTabSz="914400" rtl="0" eaLnBrk="1" latinLnBrk="0" hangingPunct="1">
+      <a:lvl4pPr marL="1600200" indent="-228600" algn="l" defTabSz="914400" rtl="0" eaLnBrk="1" latinLnBrk="0" hangingPunct="1">
         <a:spcBef>
           <a:spcPct val="20000"/>
         </a:spcBef>
-        <a:spcAft>
-          <a:spcPts val="300"/>
-        </a:spcAft>
-        <a:buClr>
-          <a:schemeClr val="accent6">
-            <a:lumMod val="75000"/>
-          </a:schemeClr>
-        </a:buClr>
-        <a:buSzPct val="130000"/>
-        <a:buFont typeface="Georgia" pitchFamily="18" charset="0"/>
-        <a:buChar char="*"/>
-        <a:defRPr sz="1600" kern="1200">
+        <a:buFont typeface="Arial" pitchFamily="34" charset="0"/>
+        <a:buChar char="–"/>
+        <a:defRPr sz="2000" kern="1200">
           <a:solidFill>
-            <a:schemeClr val="tx1">
-              <a:lumMod val="75000"/>
-              <a:lumOff val="25000"/>
-            </a:schemeClr>
+            <a:schemeClr val="tx1"/>
           </a:solidFill>
           <a:latin typeface="+mn-lt"/>
           <a:ea typeface="+mn-ea"/>
           <a:cs typeface="+mn-cs"/>
         </a:defRPr>
       </a:lvl4pPr>
-      <a:lvl5pPr marL="1389888" indent="-182880" algn="l" defTabSz="914400" rtl="0" eaLnBrk="1" latinLnBrk="0" hangingPunct="1">
+      <a:lvl5pPr marL="2057400" indent="-228600" algn="l" defTabSz="914400" rtl="0" eaLnBrk="1" latinLnBrk="0" hangingPunct="1">
         <a:spcBef>
           <a:spcPct val="20000"/>
         </a:spcBef>
-        <a:spcAft>
-          <a:spcPts val="300"/>
-        </a:spcAft>
-        <a:buClr>
-          <a:schemeClr val="accent6">
-            <a:lumMod val="75000"/>
-          </a:schemeClr>
-        </a:buClr>
-        <a:buSzPct val="130000"/>
-        <a:buFont typeface="Georgia" pitchFamily="18" charset="0"/>
-        <a:buChar char="*"/>
-        <a:defRPr sz="1400" kern="1200">
+        <a:buFont typeface="Arial" pitchFamily="34" charset="0"/>
+        <a:buChar char="»"/>
+        <a:defRPr sz="2000" kern="1200">
           <a:solidFill>
-            <a:schemeClr val="tx1">
-              <a:lumMod val="75000"/>
-              <a:lumOff val="25000"/>
-            </a:schemeClr>
+            <a:schemeClr val="tx1"/>
           </a:solidFill>
           <a:latin typeface="+mn-lt"/>
           <a:ea typeface="+mn-ea"/>
           <a:cs typeface="+mn-cs"/>
         </a:defRPr>
       </a:lvl5pPr>
-      <a:lvl6pPr marL="1664208" indent="-182880" algn="l" defTabSz="914400" rtl="0" eaLnBrk="1" latinLnBrk="0" hangingPunct="1">
+      <a:lvl6pPr marL="2514600" indent="-228600" algn="l" defTabSz="914400" rtl="0" eaLnBrk="1" latinLnBrk="0" hangingPunct="1">
         <a:spcBef>
           <a:spcPct val="20000"/>
         </a:spcBef>
-        <a:spcAft>
-          <a:spcPts val="300"/>
-        </a:spcAft>
-        <a:buClr>
-          <a:schemeClr val="accent6">
-            <a:lumMod val="75000"/>
-          </a:schemeClr>
-        </a:buClr>
-        <a:buSzPct val="130000"/>
-        <a:buFont typeface="Georgia" pitchFamily="18" charset="0"/>
-        <a:buChar char="*"/>
-        <a:defRPr sz="1400" kern="1200">
+        <a:buFont typeface="Arial" pitchFamily="34" charset="0"/>
+        <a:buChar char="•"/>
+        <a:defRPr sz="2000" kern="1200">
           <a:solidFill>
-            <a:schemeClr val="tx1">
-              <a:lumMod val="75000"/>
-              <a:lumOff val="25000"/>
-            </a:schemeClr>
+            <a:schemeClr val="tx1"/>
           </a:solidFill>
           <a:latin typeface="+mn-lt"/>
           <a:ea typeface="+mn-ea"/>
           <a:cs typeface="+mn-cs"/>
         </a:defRPr>
       </a:lvl6pPr>
-      <a:lvl7pPr marL="1965960" indent="-182880" algn="l" defTabSz="914400" rtl="0" eaLnBrk="1" latinLnBrk="0" hangingPunct="1">
+      <a:lvl7pPr marL="2971800" indent="-228600" algn="l" defTabSz="914400" rtl="0" eaLnBrk="1" latinLnBrk="0" hangingPunct="1">
         <a:spcBef>
           <a:spcPct val="20000"/>
         </a:spcBef>
-        <a:spcAft>
-          <a:spcPts val="300"/>
-        </a:spcAft>
-        <a:buClr>
-          <a:schemeClr val="accent6">
-            <a:lumMod val="75000"/>
-          </a:schemeClr>
-        </a:buClr>
-        <a:buSzPct val="130000"/>
-        <a:buFont typeface="Georgia" pitchFamily="18" charset="0"/>
-        <a:buChar char="*"/>
-        <a:defRPr sz="1400" kern="1200">
+        <a:buFont typeface="Arial" pitchFamily="34" charset="0"/>
+        <a:buChar char="•"/>
+        <a:defRPr sz="2000" kern="1200">
           <a:solidFill>
-            <a:schemeClr val="tx1">
-              <a:lumMod val="75000"/>
-              <a:lumOff val="25000"/>
-            </a:schemeClr>
+            <a:schemeClr val="tx1"/>
           </a:solidFill>
           <a:latin typeface="+mn-lt"/>
           <a:ea typeface="+mn-ea"/>
           <a:cs typeface="+mn-cs"/>
         </a:defRPr>
       </a:lvl7pPr>
-      <a:lvl8pPr marL="2286000" indent="-182880" algn="l" defTabSz="914400" rtl="0" eaLnBrk="1" latinLnBrk="0" hangingPunct="1">
+      <a:lvl8pPr marL="3429000" indent="-228600" algn="l" defTabSz="914400" rtl="0" eaLnBrk="1" latinLnBrk="0" hangingPunct="1">
         <a:spcBef>
           <a:spcPct val="20000"/>
         </a:spcBef>
-        <a:spcAft>
-          <a:spcPts val="300"/>
-        </a:spcAft>
-        <a:buClr>
-          <a:schemeClr val="accent6">
-            <a:lumMod val="75000"/>
-          </a:schemeClr>
-        </a:buClr>
-        <a:buSzPct val="130000"/>
-        <a:buFont typeface="Georgia" pitchFamily="18" charset="0"/>
-        <a:buChar char="*"/>
-        <a:defRPr sz="1400" kern="1200">
+        <a:buFont typeface="Arial" pitchFamily="34" charset="0"/>
+        <a:buChar char="•"/>
+        <a:defRPr sz="2000" kern="1200">
           <a:solidFill>
-            <a:schemeClr val="tx1">
-              <a:lumMod val="75000"/>
-              <a:lumOff val="25000"/>
-            </a:schemeClr>
+            <a:schemeClr val="tx1"/>
           </a:solidFill>
           <a:latin typeface="+mn-lt"/>
           <a:ea typeface="+mn-ea"/>
           <a:cs typeface="+mn-cs"/>
         </a:defRPr>
       </a:lvl8pPr>
-      <a:lvl9pPr marL="2587752" indent="-182880" algn="l" defTabSz="914400" rtl="0" eaLnBrk="1" latinLnBrk="0" hangingPunct="1">
+      <a:lvl9pPr marL="3886200" indent="-228600" algn="l" defTabSz="914400" rtl="0" eaLnBrk="1" latinLnBrk="0" hangingPunct="1">
         <a:spcBef>
           <a:spcPct val="20000"/>
         </a:spcBef>
-        <a:spcAft>
-          <a:spcPts val="300"/>
-        </a:spcAft>
-        <a:buClr>
-          <a:schemeClr val="accent6">
-            <a:lumMod val="75000"/>
-          </a:schemeClr>
-        </a:buClr>
-        <a:buSzPct val="130000"/>
-        <a:buFont typeface="Georgia" pitchFamily="18" charset="0"/>
-        <a:buChar char="*"/>
-        <a:defRPr sz="1400" kern="1200">
+        <a:buFont typeface="Arial" pitchFamily="34" charset="0"/>
+        <a:buChar char="•"/>
+        <a:defRPr sz="2000" kern="1200">
           <a:solidFill>
-            <a:schemeClr val="tx1">
-              <a:lumMod val="75000"/>
-              <a:lumOff val="25000"/>
-            </a:schemeClr>
+            <a:schemeClr val="tx1"/>
           </a:solidFill>
           <a:latin typeface="+mn-lt"/>
           <a:ea typeface="+mn-ea"/>
@@ -5095,6 +3755,20 @@
 <file path=ppt/slides/slide1.xml><?xml version="1.0" encoding="utf-8"?>
 <p:sld xmlns:a="http://schemas.openxmlformats.org/drawingml/2006/main" xmlns:r="http://schemas.openxmlformats.org/officeDocument/2006/relationships" xmlns:p="http://schemas.openxmlformats.org/presentationml/2006/main">
   <p:cSld>
+    <p:bg>
+      <p:bgPr>
+        <a:blipFill dpi="0" rotWithShape="1">
+          <a:blip r:embed="rId2">
+            <a:lum/>
+          </a:blip>
+          <a:srcRect/>
+          <a:stretch>
+            <a:fillRect l="-6000" r="-6000"/>
+          </a:stretch>
+        </a:blipFill>
+        <a:effectLst/>
+      </p:bgPr>
+    </p:bg>
     <p:spTree>
       <p:nvGrpSpPr>
         <p:cNvPr id="1" name=""/>
@@ -5109,70 +3783,329 @@
           <a:chExt cx="0" cy="0"/>
         </a:xfrm>
       </p:grpSpPr>
-      <p:sp>
-        <p:nvSpPr>
-          <p:cNvPr id="3" name="Podtytuł 2"/>
-          <p:cNvSpPr>
-            <a:spLocks noGrp="1"/>
-          </p:cNvSpPr>
-          <p:nvPr>
-            <p:ph type="subTitle" idx="1"/>
-          </p:nvPr>
-        </p:nvSpPr>
-        <p:spPr/>
-        <p:txBody>
-          <a:bodyPr/>
+    </p:spTree>
+    <p:extLst>
+      <p:ext uri="{BB962C8B-B14F-4D97-AF65-F5344CB8AC3E}">
+        <p14:creationId xmlns:p14="http://schemas.microsoft.com/office/powerpoint/2010/main" val="139002175"/>
+      </p:ext>
+    </p:extLst>
+  </p:cSld>
+  <p:clrMapOvr>
+    <a:masterClrMapping/>
+  </p:clrMapOvr>
+  <p:timing>
+    <p:tnLst>
+      <p:par>
+        <p:cTn id="1" dur="indefinite" restart="never" nodeType="tmRoot"/>
+      </p:par>
+    </p:tnLst>
+  </p:timing>
+</p:sld>
+</file>
+
+<file path=ppt/slides/slide10.xml><?xml version="1.0" encoding="utf-8"?>
+<p:sld xmlns:a="http://schemas.openxmlformats.org/drawingml/2006/main" xmlns:r="http://schemas.openxmlformats.org/officeDocument/2006/relationships" xmlns:p="http://schemas.openxmlformats.org/presentationml/2006/main">
+  <p:cSld>
+    <p:spTree>
+      <p:nvGrpSpPr>
+        <p:cNvPr id="1" name=""/>
+        <p:cNvGrpSpPr/>
+        <p:nvPr/>
+      </p:nvGrpSpPr>
+      <p:grpSpPr>
+        <a:xfrm>
+          <a:off x="0" y="0"/>
+          <a:ext cx="0" cy="0"/>
+          <a:chOff x="0" y="0"/>
+          <a:chExt cx="0" cy="0"/>
+        </a:xfrm>
+      </p:grpSpPr>
+      <p:sp>
+        <p:nvSpPr>
+          <p:cNvPr id="2" name="pole tekstowe 1"/>
+          <p:cNvSpPr txBox="1"/>
+          <p:nvPr/>
+        </p:nvSpPr>
+        <p:spPr>
+          <a:xfrm>
+            <a:off x="761999" y="457200"/>
+            <a:ext cx="6273705" cy="830997"/>
+          </a:xfrm>
+          <a:prstGeom prst="rect">
+            <a:avLst/>
+          </a:prstGeom>
+          <a:noFill/>
+        </p:spPr>
+        <p:txBody>
+          <a:bodyPr wrap="none" rtlCol="0">
+            <a:spAutoFit/>
+          </a:bodyPr>
           <a:lstStyle/>
           <a:p>
             <a:r>
-              <a:rPr lang="pl-PL" dirty="0" smtClean="0"/>
-              <a:t>WP7 Client </a:t>
-            </a:r>
-            <a:r>
-              <a:rPr lang="pl-PL" dirty="0" err="1"/>
-              <a:t>o</a:t>
-            </a:r>
-            <a:r>
-              <a:rPr lang="pl-PL" dirty="0" err="1" smtClean="0"/>
-              <a:t>verview</a:t>
-            </a:r>
-            <a:endParaRPr lang="en-US" dirty="0"/>
-          </a:p>
-        </p:txBody>
-      </p:sp>
-      <p:sp>
-        <p:nvSpPr>
-          <p:cNvPr id="2" name="Tytuł 1"/>
-          <p:cNvSpPr>
-            <a:spLocks noGrp="1"/>
-          </p:cNvSpPr>
-          <p:nvPr>
-            <p:ph type="ctrTitle"/>
-          </p:nvPr>
-        </p:nvSpPr>
-        <p:spPr/>
-        <p:txBody>
-          <a:bodyPr/>
+              <a:rPr lang="en-US" sz="4800" b="1" dirty="0" smtClean="0">
+                <a:solidFill>
+                  <a:schemeClr val="bg1">
+                    <a:lumMod val="85000"/>
+                  </a:schemeClr>
+                </a:solidFill>
+                <a:effectLst>
+                  <a:outerShdw blurRad="38100" dist="38100" dir="2700000" algn="tl">
+                    <a:srgbClr val="000000">
+                      <a:alpha val="43137"/>
+                    </a:srgbClr>
+                  </a:outerShdw>
+                </a:effectLst>
+              </a:rPr>
+              <a:t>Client – synchronization</a:t>
+            </a:r>
+            <a:endParaRPr lang="en-US" sz="4800" b="1" dirty="0">
+              <a:solidFill>
+                <a:schemeClr val="bg1">
+                  <a:lumMod val="85000"/>
+                </a:schemeClr>
+              </a:solidFill>
+              <a:effectLst>
+                <a:outerShdw blurRad="38100" dist="38100" dir="2700000" algn="tl">
+                  <a:srgbClr val="000000">
+                    <a:alpha val="43137"/>
+                  </a:srgbClr>
+                </a:outerShdw>
+              </a:effectLst>
+            </a:endParaRPr>
+          </a:p>
+        </p:txBody>
+      </p:sp>
+      <p:sp>
+        <p:nvSpPr>
+          <p:cNvPr id="3" name="pole tekstowe 2"/>
+          <p:cNvSpPr txBox="1"/>
+          <p:nvPr/>
+        </p:nvSpPr>
+        <p:spPr>
+          <a:xfrm>
+            <a:off x="914400" y="2057400"/>
+            <a:ext cx="7239000" cy="3539430"/>
+          </a:xfrm>
+          <a:prstGeom prst="rect">
+            <a:avLst/>
+          </a:prstGeom>
+          <a:noFill/>
+        </p:spPr>
+        <p:txBody>
+          <a:bodyPr wrap="square" rtlCol="0">
+            <a:spAutoFit/>
+          </a:bodyPr>
           <a:lstStyle/>
           <a:p>
             <a:r>
-              <a:rPr lang="pl-PL" dirty="0" err="1" smtClean="0"/>
-              <a:t>PCRemote</a:t>
-            </a:r>
-            <a:endParaRPr lang="en-US" dirty="0"/>
+              <a:rPr lang="en-US" sz="2800" dirty="0" smtClean="0">
+                <a:solidFill>
+                  <a:schemeClr val="bg1">
+                    <a:lumMod val="85000"/>
+                  </a:schemeClr>
+                </a:solidFill>
+              </a:rPr>
+              <a:t>Thread synchronization is solved differently in WP and Android clients.</a:t>
+            </a:r>
+          </a:p>
+          <a:p>
+            <a:endParaRPr lang="en-US" sz="2800" dirty="0" smtClean="0">
+              <a:solidFill>
+                <a:schemeClr val="bg1">
+                  <a:lumMod val="85000"/>
+                </a:schemeClr>
+              </a:solidFill>
+            </a:endParaRPr>
+          </a:p>
+          <a:p>
+            <a:r>
+              <a:rPr lang="en-US" sz="2800" dirty="0" smtClean="0">
+                <a:solidFill>
+                  <a:schemeClr val="bg1">
+                    <a:lumMod val="85000"/>
+                  </a:schemeClr>
+                </a:solidFill>
+              </a:rPr>
+              <a:t>While </a:t>
+            </a:r>
+            <a:r>
+              <a:rPr lang="en-US" sz="2800" dirty="0" err="1" smtClean="0">
+                <a:solidFill>
+                  <a:schemeClr val="bg1">
+                    <a:lumMod val="85000"/>
+                  </a:schemeClr>
+                </a:solidFill>
+              </a:rPr>
+              <a:t>Dalvik</a:t>
+            </a:r>
+            <a:r>
+              <a:rPr lang="en-US" sz="2800" dirty="0" smtClean="0">
+                <a:solidFill>
+                  <a:schemeClr val="bg1">
+                    <a:lumMod val="85000"/>
+                  </a:schemeClr>
+                </a:solidFill>
+              </a:rPr>
+              <a:t> contains almost entire implementation of Java SE, Windows Phone is restricted to using only .NET Core, what means it lacks many important features, including many essential synchronization features.</a:t>
+            </a:r>
+            <a:endParaRPr lang="en-US" sz="2800" dirty="0">
+              <a:solidFill>
+                <a:schemeClr val="bg1">
+                  <a:lumMod val="85000"/>
+                </a:schemeClr>
+              </a:solidFill>
+            </a:endParaRPr>
+          </a:p>
+        </p:txBody>
+      </p:sp>
+    </p:spTree>
+    <p:extLst>
+      <p:ext uri="{BB962C8B-B14F-4D97-AF65-F5344CB8AC3E}">
+        <p14:creationId xmlns:p14="http://schemas.microsoft.com/office/powerpoint/2010/main" val="1193346433"/>
+      </p:ext>
+    </p:extLst>
+  </p:cSld>
+  <p:clrMapOvr>
+    <a:masterClrMapping/>
+  </p:clrMapOvr>
+</p:sld>
+</file>
+
+<file path=ppt/slides/slide11.xml><?xml version="1.0" encoding="utf-8"?>
+<p:sld xmlns:a="http://schemas.openxmlformats.org/drawingml/2006/main" xmlns:r="http://schemas.openxmlformats.org/officeDocument/2006/relationships" xmlns:p="http://schemas.openxmlformats.org/presentationml/2006/main">
+  <p:cSld>
+    <p:spTree>
+      <p:nvGrpSpPr>
+        <p:cNvPr id="1" name=""/>
+        <p:cNvGrpSpPr/>
+        <p:nvPr/>
+      </p:nvGrpSpPr>
+      <p:grpSpPr>
+        <a:xfrm>
+          <a:off x="0" y="0"/>
+          <a:ext cx="0" cy="0"/>
+          <a:chOff x="0" y="0"/>
+          <a:chExt cx="0" cy="0"/>
+        </a:xfrm>
+      </p:grpSpPr>
+      <p:sp>
+        <p:nvSpPr>
+          <p:cNvPr id="2" name="pole tekstowe 1"/>
+          <p:cNvSpPr txBox="1"/>
+          <p:nvPr/>
+        </p:nvSpPr>
+        <p:spPr>
+          <a:xfrm>
+            <a:off x="761999" y="457200"/>
+            <a:ext cx="7182223" cy="830997"/>
+          </a:xfrm>
+          <a:prstGeom prst="rect">
+            <a:avLst/>
+          </a:prstGeom>
+          <a:noFill/>
+        </p:spPr>
+        <p:txBody>
+          <a:bodyPr wrap="none" rtlCol="0">
+            <a:spAutoFit/>
+          </a:bodyPr>
+          <a:lstStyle/>
+          <a:p>
+            <a:r>
+              <a:rPr lang="en-US" sz="4800" b="1" dirty="0" smtClean="0">
+                <a:solidFill>
+                  <a:schemeClr val="bg1">
+                    <a:lumMod val="85000"/>
+                  </a:schemeClr>
+                </a:solidFill>
+                <a:effectLst>
+                  <a:outerShdw blurRad="38100" dist="38100" dir="2700000" algn="tl">
+                    <a:srgbClr val="000000">
+                      <a:alpha val="43137"/>
+                    </a:srgbClr>
+                  </a:outerShdw>
+                </a:effectLst>
+              </a:rPr>
+              <a:t>Client – </a:t>
+            </a:r>
+            <a:r>
+              <a:rPr lang="pl-PL" sz="4800" b="1" dirty="0" err="1" smtClean="0">
+                <a:solidFill>
+                  <a:schemeClr val="bg1">
+                    <a:lumMod val="85000"/>
+                  </a:schemeClr>
+                </a:solidFill>
+                <a:effectLst>
+                  <a:outerShdw blurRad="38100" dist="38100" dir="2700000" algn="tl">
+                    <a:srgbClr val="000000">
+                      <a:alpha val="43137"/>
+                    </a:srgbClr>
+                  </a:outerShdw>
+                </a:effectLst>
+              </a:rPr>
+              <a:t>touch</a:t>
+            </a:r>
+            <a:r>
+              <a:rPr lang="pl-PL" sz="4800" b="1" dirty="0" smtClean="0">
+                <a:solidFill>
+                  <a:schemeClr val="bg1">
+                    <a:lumMod val="85000"/>
+                  </a:schemeClr>
+                </a:solidFill>
+                <a:effectLst>
+                  <a:outerShdw blurRad="38100" dist="38100" dir="2700000" algn="tl">
+                    <a:srgbClr val="000000">
+                      <a:alpha val="43137"/>
+                    </a:srgbClr>
+                  </a:outerShdw>
+                </a:effectLst>
+              </a:rPr>
+              <a:t> </a:t>
+            </a:r>
+            <a:r>
+              <a:rPr lang="en-US" sz="4800" b="1" dirty="0" smtClean="0">
+                <a:solidFill>
+                  <a:schemeClr val="bg1">
+                    <a:lumMod val="85000"/>
+                  </a:schemeClr>
+                </a:solidFill>
+                <a:effectLst>
+                  <a:outerShdw blurRad="38100" dist="38100" dir="2700000" algn="tl">
+                    <a:srgbClr val="000000">
+                      <a:alpha val="43137"/>
+                    </a:srgbClr>
+                  </a:outerShdw>
+                </a:effectLst>
+              </a:rPr>
+              <a:t>consumption</a:t>
+            </a:r>
+            <a:endParaRPr lang="en-US" sz="4800" b="1" dirty="0">
+              <a:solidFill>
+                <a:schemeClr val="bg1">
+                  <a:lumMod val="85000"/>
+                </a:schemeClr>
+              </a:solidFill>
+              <a:effectLst>
+                <a:outerShdw blurRad="38100" dist="38100" dir="2700000" algn="tl">
+                  <a:srgbClr val="000000">
+                    <a:alpha val="43137"/>
+                  </a:srgbClr>
+                </a:outerShdw>
+              </a:effectLst>
+            </a:endParaRPr>
           </a:p>
         </p:txBody>
       </p:sp>
       <p:pic>
         <p:nvPicPr>
-          <p:cNvPr id="1026" name="Picture 2" descr="D:\MyFiles\code\PCRemote\Documentation\graphics\common\PCRemoteIcon.png"/>
+          <p:cNvPr id="3" name="Picture 2" descr="D:\MyFiles\code\PCRemote\Documentation\graphics\wp\cursor2.png"/>
           <p:cNvPicPr>
             <a:picLocks noChangeAspect="1" noChangeArrowheads="1"/>
           </p:cNvPicPr>
           <p:nvPr/>
         </p:nvPicPr>
         <p:blipFill>
-          <a:blip r:embed="rId3">
+          <a:blip r:embed="rId2">
             <a:extLst>
               <a:ext uri="{28A0092B-C50C-407E-A947-70E740481C1C}">
                 <a14:useLocalDpi xmlns:a14="http://schemas.microsoft.com/office/drawing/2010/main" val="0"/>
@@ -5186,8 +4119,8 @@
         </p:blipFill>
         <p:spPr bwMode="auto">
           <a:xfrm>
-            <a:off x="3122304" y="21609"/>
-            <a:ext cx="3251200" cy="3251200"/>
+            <a:off x="6160051" y="2002630"/>
+            <a:ext cx="2535237" cy="4225395"/>
           </a:xfrm>
           <a:prstGeom prst="rect">
             <a:avLst/>
@@ -5204,10 +4137,1541 @@
           </a:extLst>
         </p:spPr>
       </p:pic>
+      <p:sp>
+        <p:nvSpPr>
+          <p:cNvPr id="5" name="pole tekstowe 4"/>
+          <p:cNvSpPr txBox="1"/>
+          <p:nvPr/>
+        </p:nvSpPr>
+        <p:spPr>
+          <a:xfrm>
+            <a:off x="228600" y="1395933"/>
+            <a:ext cx="5860576" cy="4893647"/>
+          </a:xfrm>
+          <a:prstGeom prst="rect">
+            <a:avLst/>
+          </a:prstGeom>
+          <a:noFill/>
+        </p:spPr>
+        <p:txBody>
+          <a:bodyPr wrap="square" rtlCol="0">
+            <a:spAutoFit/>
+          </a:bodyPr>
+          <a:lstStyle/>
+          <a:p>
+            <a:r>
+              <a:rPr lang="en-US" sz="2400" dirty="0" smtClean="0">
+                <a:solidFill>
+                  <a:schemeClr val="bg1">
+                    <a:lumMod val="85000"/>
+                  </a:schemeClr>
+                </a:solidFill>
+              </a:rPr>
+              <a:t>Event consumption is solved in a totally different way in Android and Windows Phone.</a:t>
+            </a:r>
+          </a:p>
+          <a:p>
+            <a:endParaRPr lang="en-US" sz="2400" dirty="0" smtClean="0">
+              <a:solidFill>
+                <a:schemeClr val="bg1">
+                  <a:lumMod val="85000"/>
+                </a:schemeClr>
+              </a:solidFill>
+            </a:endParaRPr>
+          </a:p>
+          <a:p>
+            <a:r>
+              <a:rPr lang="en-US" sz="2400" dirty="0" smtClean="0">
+                <a:solidFill>
+                  <a:schemeClr val="bg1">
+                    <a:lumMod val="85000"/>
+                  </a:schemeClr>
+                </a:solidFill>
+              </a:rPr>
+              <a:t>Android</a:t>
+            </a:r>
+          </a:p>
+          <a:p>
+            <a:r>
+              <a:rPr lang="en-US" sz="2400" dirty="0" err="1" smtClean="0">
+                <a:solidFill>
+                  <a:schemeClr val="bg1">
+                    <a:lumMod val="85000"/>
+                  </a:schemeClr>
+                </a:solidFill>
+              </a:rPr>
+              <a:t>boolean</a:t>
+            </a:r>
+            <a:r>
+              <a:rPr lang="en-US" sz="2400" dirty="0" smtClean="0">
+                <a:solidFill>
+                  <a:schemeClr val="bg1">
+                    <a:lumMod val="85000"/>
+                  </a:schemeClr>
+                </a:solidFill>
+              </a:rPr>
+              <a:t> </a:t>
+            </a:r>
+            <a:r>
+              <a:rPr lang="en-US" sz="2400" dirty="0" err="1" smtClean="0">
+                <a:solidFill>
+                  <a:schemeClr val="bg1">
+                    <a:lumMod val="85000"/>
+                  </a:schemeClr>
+                </a:solidFill>
+              </a:rPr>
+              <a:t>onTouchEvent</a:t>
+            </a:r>
+            <a:r>
+              <a:rPr lang="en-US" sz="2400" dirty="0" smtClean="0">
+                <a:solidFill>
+                  <a:schemeClr val="bg1">
+                    <a:lumMod val="85000"/>
+                  </a:schemeClr>
+                </a:solidFill>
+              </a:rPr>
+              <a:t>(</a:t>
+            </a:r>
+            <a:r>
+              <a:rPr lang="en-US" sz="2400" dirty="0" err="1" smtClean="0">
+                <a:solidFill>
+                  <a:schemeClr val="bg1">
+                    <a:lumMod val="85000"/>
+                  </a:schemeClr>
+                </a:solidFill>
+              </a:rPr>
+              <a:t>MotionEvent</a:t>
+            </a:r>
+            <a:r>
+              <a:rPr lang="en-US" sz="2400" dirty="0" smtClean="0">
+                <a:solidFill>
+                  <a:schemeClr val="bg1">
+                    <a:lumMod val="85000"/>
+                  </a:schemeClr>
+                </a:solidFill>
+              </a:rPr>
+              <a:t> e)</a:t>
+            </a:r>
+          </a:p>
+          <a:p>
+            <a:endParaRPr lang="en-US" sz="2400" dirty="0" smtClean="0">
+              <a:solidFill>
+                <a:schemeClr val="bg1">
+                  <a:lumMod val="85000"/>
+                </a:schemeClr>
+              </a:solidFill>
+            </a:endParaRPr>
+          </a:p>
+          <a:p>
+            <a:r>
+              <a:rPr lang="en-US" sz="2400" dirty="0" smtClean="0">
+                <a:solidFill>
+                  <a:schemeClr val="bg1">
+                    <a:lumMod val="85000"/>
+                  </a:schemeClr>
+                </a:solidFill>
+              </a:rPr>
+              <a:t>Windows Phone</a:t>
+            </a:r>
+          </a:p>
+          <a:p>
+            <a:r>
+              <a:rPr lang="en-US" sz="2400" dirty="0" smtClean="0">
+                <a:solidFill>
+                  <a:schemeClr val="bg1">
+                    <a:lumMod val="85000"/>
+                  </a:schemeClr>
+                </a:solidFill>
+              </a:rPr>
+              <a:t>Event </a:t>
+            </a:r>
+            <a:r>
+              <a:rPr lang="en-US" sz="2400" dirty="0" err="1" smtClean="0">
+                <a:solidFill>
+                  <a:schemeClr val="bg1">
+                    <a:lumMod val="85000"/>
+                  </a:schemeClr>
+                </a:solidFill>
+              </a:rPr>
+              <a:t>ManipulationStarted</a:t>
+            </a:r>
+            <a:endParaRPr lang="en-US" sz="2400" dirty="0" smtClean="0">
+              <a:solidFill>
+                <a:schemeClr val="bg1">
+                  <a:lumMod val="85000"/>
+                </a:schemeClr>
+              </a:solidFill>
+            </a:endParaRPr>
+          </a:p>
+          <a:p>
+            <a:r>
+              <a:rPr lang="en-US" sz="2400" dirty="0" smtClean="0">
+                <a:solidFill>
+                  <a:schemeClr val="bg1">
+                    <a:lumMod val="85000"/>
+                  </a:schemeClr>
+                </a:solidFill>
+              </a:rPr>
+              <a:t>Event </a:t>
+            </a:r>
+            <a:r>
+              <a:rPr lang="en-US" sz="2400" dirty="0" err="1" smtClean="0">
+                <a:solidFill>
+                  <a:schemeClr val="bg1">
+                    <a:lumMod val="85000"/>
+                  </a:schemeClr>
+                </a:solidFill>
+              </a:rPr>
+              <a:t>ManipulationDelta</a:t>
+            </a:r>
+            <a:endParaRPr lang="en-US" sz="2400" dirty="0" smtClean="0">
+              <a:solidFill>
+                <a:schemeClr val="bg1">
+                  <a:lumMod val="85000"/>
+                </a:schemeClr>
+              </a:solidFill>
+            </a:endParaRPr>
+          </a:p>
+          <a:p>
+            <a:r>
+              <a:rPr lang="en-US" sz="2400" dirty="0" smtClean="0">
+                <a:solidFill>
+                  <a:schemeClr val="bg1">
+                    <a:lumMod val="85000"/>
+                  </a:schemeClr>
+                </a:solidFill>
+              </a:rPr>
+              <a:t>Event </a:t>
+            </a:r>
+            <a:r>
+              <a:rPr lang="en-US" sz="2400" dirty="0" err="1" smtClean="0">
+                <a:solidFill>
+                  <a:schemeClr val="bg1">
+                    <a:lumMod val="85000"/>
+                  </a:schemeClr>
+                </a:solidFill>
+              </a:rPr>
+              <a:t>ManipulationComplete</a:t>
+            </a:r>
+            <a:endParaRPr lang="en-US" sz="2400" dirty="0" smtClean="0">
+              <a:solidFill>
+                <a:schemeClr val="bg1">
+                  <a:lumMod val="85000"/>
+                </a:schemeClr>
+              </a:solidFill>
+            </a:endParaRPr>
+          </a:p>
+          <a:p>
+            <a:r>
+              <a:rPr lang="en-US" sz="2400" dirty="0" smtClean="0">
+                <a:solidFill>
+                  <a:schemeClr val="bg1">
+                    <a:lumMod val="85000"/>
+                  </a:schemeClr>
+                </a:solidFill>
+              </a:rPr>
+              <a:t>Event </a:t>
+            </a:r>
+            <a:r>
+              <a:rPr lang="en-US" sz="2400" dirty="0" err="1" smtClean="0">
+                <a:solidFill>
+                  <a:schemeClr val="bg1">
+                    <a:lumMod val="85000"/>
+                  </a:schemeClr>
+                </a:solidFill>
+              </a:rPr>
+              <a:t>MouseMove</a:t>
+            </a:r>
+            <a:endParaRPr lang="en-US" sz="2400" dirty="0" smtClean="0">
+              <a:solidFill>
+                <a:schemeClr val="bg1">
+                  <a:lumMod val="85000"/>
+                </a:schemeClr>
+              </a:solidFill>
+            </a:endParaRPr>
+          </a:p>
+          <a:p>
+            <a:r>
+              <a:rPr lang="en-US" sz="2400" dirty="0" err="1" smtClean="0">
+                <a:solidFill>
+                  <a:schemeClr val="bg1">
+                    <a:lumMod val="85000"/>
+                  </a:schemeClr>
+                </a:solidFill>
+              </a:rPr>
+              <a:t>event.Handled</a:t>
+            </a:r>
+            <a:r>
+              <a:rPr lang="en-US" sz="2400" dirty="0" smtClean="0">
+                <a:solidFill>
+                  <a:schemeClr val="bg1">
+                    <a:lumMod val="85000"/>
+                  </a:schemeClr>
+                </a:solidFill>
+              </a:rPr>
+              <a:t> = true</a:t>
+            </a:r>
+          </a:p>
+        </p:txBody>
+      </p:sp>
     </p:spTree>
     <p:extLst>
       <p:ext uri="{BB962C8B-B14F-4D97-AF65-F5344CB8AC3E}">
-        <p14:creationId xmlns:p14="http://schemas.microsoft.com/office/powerpoint/2010/main" val="3118459540"/>
+        <p14:creationId xmlns:p14="http://schemas.microsoft.com/office/powerpoint/2010/main" val="3239403002"/>
+      </p:ext>
+    </p:extLst>
+  </p:cSld>
+  <p:clrMapOvr>
+    <a:masterClrMapping/>
+  </p:clrMapOvr>
+</p:sld>
+</file>
+
+<file path=ppt/slides/slide12.xml><?xml version="1.0" encoding="utf-8"?>
+<p:sld xmlns:a="http://schemas.openxmlformats.org/drawingml/2006/main" xmlns:r="http://schemas.openxmlformats.org/officeDocument/2006/relationships" xmlns:p="http://schemas.openxmlformats.org/presentationml/2006/main">
+  <p:cSld>
+    <p:spTree>
+      <p:nvGrpSpPr>
+        <p:cNvPr id="1" name=""/>
+        <p:cNvGrpSpPr/>
+        <p:nvPr/>
+      </p:nvGrpSpPr>
+      <p:grpSpPr>
+        <a:xfrm>
+          <a:off x="0" y="0"/>
+          <a:ext cx="0" cy="0"/>
+          <a:chOff x="0" y="0"/>
+          <a:chExt cx="0" cy="0"/>
+        </a:xfrm>
+      </p:grpSpPr>
+      <p:sp>
+        <p:nvSpPr>
+          <p:cNvPr id="2" name="pole tekstowe 1"/>
+          <p:cNvSpPr txBox="1"/>
+          <p:nvPr/>
+        </p:nvSpPr>
+        <p:spPr>
+          <a:xfrm>
+            <a:off x="761999" y="457200"/>
+            <a:ext cx="5653279" cy="830997"/>
+          </a:xfrm>
+          <a:prstGeom prst="rect">
+            <a:avLst/>
+          </a:prstGeom>
+          <a:noFill/>
+        </p:spPr>
+        <p:txBody>
+          <a:bodyPr wrap="none" rtlCol="0">
+            <a:spAutoFit/>
+          </a:bodyPr>
+          <a:lstStyle/>
+          <a:p>
+            <a:r>
+              <a:rPr lang="en-US" sz="4800" b="1" dirty="0" smtClean="0">
+                <a:solidFill>
+                  <a:schemeClr val="bg1">
+                    <a:lumMod val="85000"/>
+                  </a:schemeClr>
+                </a:solidFill>
+                <a:effectLst>
+                  <a:outerShdw blurRad="38100" dist="38100" dir="2700000" algn="tl">
+                    <a:srgbClr val="000000">
+                      <a:alpha val="43137"/>
+                    </a:srgbClr>
+                  </a:outerShdw>
+                </a:effectLst>
+              </a:rPr>
+              <a:t>Client – configuration</a:t>
+            </a:r>
+            <a:endParaRPr lang="en-US" sz="4800" b="1" dirty="0">
+              <a:solidFill>
+                <a:schemeClr val="bg1">
+                  <a:lumMod val="85000"/>
+                </a:schemeClr>
+              </a:solidFill>
+              <a:effectLst>
+                <a:outerShdw blurRad="38100" dist="38100" dir="2700000" algn="tl">
+                  <a:srgbClr val="000000">
+                    <a:alpha val="43137"/>
+                  </a:srgbClr>
+                </a:outerShdw>
+              </a:effectLst>
+            </a:endParaRPr>
+          </a:p>
+        </p:txBody>
+      </p:sp>
+      <p:pic>
+        <p:nvPicPr>
+          <p:cNvPr id="3074" name="Picture 2" descr="D:\MyFiles\code\PCRemote\Documentation\graphics\wp\Configuration.png"/>
+          <p:cNvPicPr>
+            <a:picLocks noChangeAspect="1" noChangeArrowheads="1"/>
+          </p:cNvPicPr>
+          <p:nvPr/>
+        </p:nvPicPr>
+        <p:blipFill>
+          <a:blip r:embed="rId2">
+            <a:extLst>
+              <a:ext uri="{28A0092B-C50C-407E-A947-70E740481C1C}">
+                <a14:useLocalDpi xmlns:a14="http://schemas.microsoft.com/office/drawing/2010/main" val="0"/>
+              </a:ext>
+            </a:extLst>
+          </a:blip>
+          <a:srcRect/>
+          <a:stretch>
+            <a:fillRect/>
+          </a:stretch>
+        </p:blipFill>
+        <p:spPr bwMode="auto">
+          <a:xfrm>
+            <a:off x="2971800" y="1288197"/>
+            <a:ext cx="2971800" cy="4953000"/>
+          </a:xfrm>
+          <a:prstGeom prst="rect">
+            <a:avLst/>
+          </a:prstGeom>
+          <a:noFill/>
+          <a:extLst>
+            <a:ext uri="{909E8E84-426E-40DD-AFC4-6F175D3DCCD1}">
+              <a14:hiddenFill xmlns:a14="http://schemas.microsoft.com/office/drawing/2010/main">
+                <a:solidFill>
+                  <a:srgbClr val="FFFFFF"/>
+                </a:solidFill>
+              </a14:hiddenFill>
+            </a:ext>
+          </a:extLst>
+        </p:spPr>
+      </p:pic>
+    </p:spTree>
+    <p:extLst>
+      <p:ext uri="{BB962C8B-B14F-4D97-AF65-F5344CB8AC3E}">
+        <p14:creationId xmlns:p14="http://schemas.microsoft.com/office/powerpoint/2010/main" val="3775561008"/>
+      </p:ext>
+    </p:extLst>
+  </p:cSld>
+  <p:clrMapOvr>
+    <a:masterClrMapping/>
+  </p:clrMapOvr>
+</p:sld>
+</file>
+
+<file path=ppt/slides/slide13.xml><?xml version="1.0" encoding="utf-8"?>
+<p:sld xmlns:a="http://schemas.openxmlformats.org/drawingml/2006/main" xmlns:r="http://schemas.openxmlformats.org/officeDocument/2006/relationships" xmlns:p="http://schemas.openxmlformats.org/presentationml/2006/main">
+  <p:cSld>
+    <p:spTree>
+      <p:nvGrpSpPr>
+        <p:cNvPr id="1" name=""/>
+        <p:cNvGrpSpPr/>
+        <p:nvPr/>
+      </p:nvGrpSpPr>
+      <p:grpSpPr>
+        <a:xfrm>
+          <a:off x="0" y="0"/>
+          <a:ext cx="0" cy="0"/>
+          <a:chOff x="0" y="0"/>
+          <a:chExt cx="0" cy="0"/>
+        </a:xfrm>
+      </p:grpSpPr>
+      <p:sp>
+        <p:nvSpPr>
+          <p:cNvPr id="2" name="pole tekstowe 1"/>
+          <p:cNvSpPr txBox="1"/>
+          <p:nvPr/>
+        </p:nvSpPr>
+        <p:spPr>
+          <a:xfrm>
+            <a:off x="761999" y="457200"/>
+            <a:ext cx="5404813" cy="830997"/>
+          </a:xfrm>
+          <a:prstGeom prst="rect">
+            <a:avLst/>
+          </a:prstGeom>
+          <a:noFill/>
+        </p:spPr>
+        <p:txBody>
+          <a:bodyPr wrap="none" rtlCol="0">
+            <a:spAutoFit/>
+          </a:bodyPr>
+          <a:lstStyle/>
+          <a:p>
+            <a:r>
+              <a:rPr lang="en-US" sz="4800" b="1" dirty="0" smtClean="0">
+                <a:solidFill>
+                  <a:schemeClr val="bg1">
+                    <a:lumMod val="85000"/>
+                  </a:schemeClr>
+                </a:solidFill>
+                <a:effectLst>
+                  <a:outerShdw blurRad="38100" dist="38100" dir="2700000" algn="tl">
+                    <a:srgbClr val="000000">
+                      <a:alpha val="43137"/>
+                    </a:srgbClr>
+                  </a:outerShdw>
+                </a:effectLst>
+              </a:rPr>
+              <a:t>Client – </a:t>
+            </a:r>
+            <a:r>
+              <a:rPr lang="pl-PL" sz="4800" b="1" dirty="0" smtClean="0">
+                <a:solidFill>
+                  <a:schemeClr val="bg1">
+                    <a:lumMod val="85000"/>
+                  </a:schemeClr>
+                </a:solidFill>
+                <a:effectLst>
+                  <a:outerShdw blurRad="38100" dist="38100" dir="2700000" algn="tl">
+                    <a:srgbClr val="000000">
+                      <a:alpha val="43137"/>
+                    </a:srgbClr>
+                  </a:outerShdw>
+                </a:effectLst>
+              </a:rPr>
+              <a:t>data </a:t>
+            </a:r>
+            <a:r>
+              <a:rPr lang="en-US" sz="4800" b="1" dirty="0" smtClean="0">
+                <a:solidFill>
+                  <a:schemeClr val="bg1">
+                    <a:lumMod val="85000"/>
+                  </a:schemeClr>
+                </a:solidFill>
+                <a:effectLst>
+                  <a:outerShdw blurRad="38100" dist="38100" dir="2700000" algn="tl">
+                    <a:srgbClr val="000000">
+                      <a:alpha val="43137"/>
+                    </a:srgbClr>
+                  </a:outerShdw>
+                </a:effectLst>
+              </a:rPr>
+              <a:t>storage</a:t>
+            </a:r>
+            <a:endParaRPr lang="en-US" sz="4800" b="1" dirty="0">
+              <a:solidFill>
+                <a:schemeClr val="bg1">
+                  <a:lumMod val="85000"/>
+                </a:schemeClr>
+              </a:solidFill>
+              <a:effectLst>
+                <a:outerShdw blurRad="38100" dist="38100" dir="2700000" algn="tl">
+                  <a:srgbClr val="000000">
+                    <a:alpha val="43137"/>
+                  </a:srgbClr>
+                </a:outerShdw>
+              </a:effectLst>
+            </a:endParaRPr>
+          </a:p>
+        </p:txBody>
+      </p:sp>
+      <p:sp>
+        <p:nvSpPr>
+          <p:cNvPr id="3" name="pole tekstowe 2"/>
+          <p:cNvSpPr txBox="1"/>
+          <p:nvPr/>
+        </p:nvSpPr>
+        <p:spPr>
+          <a:xfrm>
+            <a:off x="761999" y="1447800"/>
+            <a:ext cx="7239001" cy="3970318"/>
+          </a:xfrm>
+          <a:prstGeom prst="rect">
+            <a:avLst/>
+          </a:prstGeom>
+          <a:noFill/>
+        </p:spPr>
+        <p:txBody>
+          <a:bodyPr wrap="square" rtlCol="0">
+            <a:spAutoFit/>
+          </a:bodyPr>
+          <a:lstStyle/>
+          <a:p>
+            <a:r>
+              <a:rPr lang="en-US" sz="2800" dirty="0" smtClean="0">
+                <a:solidFill>
+                  <a:schemeClr val="bg1">
+                    <a:lumMod val="85000"/>
+                  </a:schemeClr>
+                </a:solidFill>
+              </a:rPr>
+              <a:t>Both android and Windows Phone support creating private files.</a:t>
+            </a:r>
+          </a:p>
+          <a:p>
+            <a:endParaRPr lang="en-US" sz="2800" dirty="0" smtClean="0">
+              <a:solidFill>
+                <a:schemeClr val="bg1">
+                  <a:lumMod val="85000"/>
+                </a:schemeClr>
+              </a:solidFill>
+            </a:endParaRPr>
+          </a:p>
+          <a:p>
+            <a:r>
+              <a:rPr lang="en-US" sz="2800" dirty="0" smtClean="0">
+                <a:solidFill>
+                  <a:schemeClr val="bg1">
+                    <a:lumMod val="85000"/>
+                  </a:schemeClr>
+                </a:solidFill>
+              </a:rPr>
+              <a:t>They both provide a different way of accessing files than in native languages.</a:t>
+            </a:r>
+          </a:p>
+          <a:p>
+            <a:endParaRPr lang="en-US" sz="2800" dirty="0" smtClean="0">
+              <a:solidFill>
+                <a:schemeClr val="bg1">
+                  <a:lumMod val="85000"/>
+                </a:schemeClr>
+              </a:solidFill>
+            </a:endParaRPr>
+          </a:p>
+          <a:p>
+            <a:r>
+              <a:rPr lang="en-US" sz="2800" dirty="0" smtClean="0">
+                <a:solidFill>
+                  <a:schemeClr val="bg1">
+                    <a:lumMod val="85000"/>
+                  </a:schemeClr>
+                </a:solidFill>
+              </a:rPr>
+              <a:t>.NET in Windows Phone doesn’t support object binary serialization, but does provide XML object serialization.</a:t>
+            </a:r>
+          </a:p>
+        </p:txBody>
+      </p:sp>
+    </p:spTree>
+    <p:extLst>
+      <p:ext uri="{BB962C8B-B14F-4D97-AF65-F5344CB8AC3E}">
+        <p14:creationId xmlns:p14="http://schemas.microsoft.com/office/powerpoint/2010/main" val="3287891232"/>
+      </p:ext>
+    </p:extLst>
+  </p:cSld>
+  <p:clrMapOvr>
+    <a:masterClrMapping/>
+  </p:clrMapOvr>
+</p:sld>
+</file>
+
+<file path=ppt/slides/slide14.xml><?xml version="1.0" encoding="utf-8"?>
+<p:sld xmlns:a="http://schemas.openxmlformats.org/drawingml/2006/main" xmlns:r="http://schemas.openxmlformats.org/officeDocument/2006/relationships" xmlns:p="http://schemas.openxmlformats.org/presentationml/2006/main">
+  <p:cSld>
+    <p:spTree>
+      <p:nvGrpSpPr>
+        <p:cNvPr id="1" name=""/>
+        <p:cNvGrpSpPr/>
+        <p:nvPr/>
+      </p:nvGrpSpPr>
+      <p:grpSpPr>
+        <a:xfrm>
+          <a:off x="0" y="0"/>
+          <a:ext cx="0" cy="0"/>
+          <a:chOff x="0" y="0"/>
+          <a:chExt cx="0" cy="0"/>
+        </a:xfrm>
+      </p:grpSpPr>
+      <p:sp>
+        <p:nvSpPr>
+          <p:cNvPr id="2" name="pole tekstowe 1"/>
+          <p:cNvSpPr txBox="1"/>
+          <p:nvPr/>
+        </p:nvSpPr>
+        <p:spPr>
+          <a:xfrm>
+            <a:off x="761999" y="457200"/>
+            <a:ext cx="1825821" cy="830997"/>
+          </a:xfrm>
+          <a:prstGeom prst="rect">
+            <a:avLst/>
+          </a:prstGeom>
+          <a:noFill/>
+        </p:spPr>
+        <p:txBody>
+          <a:bodyPr wrap="none" rtlCol="0">
+            <a:spAutoFit/>
+          </a:bodyPr>
+          <a:lstStyle/>
+          <a:p>
+            <a:r>
+              <a:rPr lang="pl-PL" sz="4800" b="1" dirty="0" smtClean="0">
+                <a:solidFill>
+                  <a:schemeClr val="bg1">
+                    <a:lumMod val="85000"/>
+                  </a:schemeClr>
+                </a:solidFill>
+                <a:effectLst>
+                  <a:outerShdw blurRad="38100" dist="38100" dir="2700000" algn="tl">
+                    <a:srgbClr val="000000">
+                      <a:alpha val="43137"/>
+                    </a:srgbClr>
+                  </a:outerShdw>
+                </a:effectLst>
+              </a:rPr>
+              <a:t>Server</a:t>
+            </a:r>
+            <a:endParaRPr lang="en-US" sz="4800" b="1" dirty="0">
+              <a:solidFill>
+                <a:schemeClr val="bg1">
+                  <a:lumMod val="85000"/>
+                </a:schemeClr>
+              </a:solidFill>
+              <a:effectLst>
+                <a:outerShdw blurRad="38100" dist="38100" dir="2700000" algn="tl">
+                  <a:srgbClr val="000000">
+                    <a:alpha val="43137"/>
+                  </a:srgbClr>
+                </a:outerShdw>
+              </a:effectLst>
+            </a:endParaRPr>
+          </a:p>
+        </p:txBody>
+      </p:sp>
+      <p:sp>
+        <p:nvSpPr>
+          <p:cNvPr id="3" name="pole tekstowe 2"/>
+          <p:cNvSpPr txBox="1"/>
+          <p:nvPr/>
+        </p:nvSpPr>
+        <p:spPr>
+          <a:xfrm>
+            <a:off x="761999" y="1447800"/>
+            <a:ext cx="7010401" cy="4154984"/>
+          </a:xfrm>
+          <a:prstGeom prst="rect">
+            <a:avLst/>
+          </a:prstGeom>
+          <a:noFill/>
+        </p:spPr>
+        <p:txBody>
+          <a:bodyPr wrap="square" rtlCol="0">
+            <a:spAutoFit/>
+          </a:bodyPr>
+          <a:lstStyle/>
+          <a:p>
+            <a:r>
+              <a:rPr lang="en-US" sz="2400" dirty="0" smtClean="0">
+                <a:solidFill>
+                  <a:schemeClr val="bg1">
+                    <a:lumMod val="85000"/>
+                  </a:schemeClr>
+                </a:solidFill>
+              </a:rPr>
+              <a:t>Uses two different technologies: </a:t>
+            </a:r>
+            <a:r>
+              <a:rPr lang="en-US" sz="2400" dirty="0" err="1" smtClean="0">
+                <a:solidFill>
+                  <a:schemeClr val="bg1">
+                    <a:lumMod val="85000"/>
+                  </a:schemeClr>
+                </a:solidFill>
+              </a:rPr>
+              <a:t>Qt</a:t>
+            </a:r>
+            <a:r>
+              <a:rPr lang="en-US" sz="2400" dirty="0" smtClean="0">
+                <a:solidFill>
+                  <a:schemeClr val="bg1">
+                    <a:lumMod val="85000"/>
+                  </a:schemeClr>
+                </a:solidFill>
+              </a:rPr>
+              <a:t> Framework and </a:t>
+            </a:r>
+            <a:r>
+              <a:rPr lang="en-US" sz="2400" dirty="0" err="1" smtClean="0">
+                <a:solidFill>
+                  <a:schemeClr val="bg1">
+                    <a:lumMod val="85000"/>
+                  </a:schemeClr>
+                </a:solidFill>
+              </a:rPr>
+              <a:t>WinAPI</a:t>
+            </a:r>
+            <a:r>
+              <a:rPr lang="en-US" sz="2400" dirty="0" smtClean="0">
+                <a:solidFill>
+                  <a:schemeClr val="bg1">
+                    <a:lumMod val="85000"/>
+                  </a:schemeClr>
+                </a:solidFill>
+              </a:rPr>
+              <a:t>.</a:t>
+            </a:r>
+          </a:p>
+          <a:p>
+            <a:endParaRPr lang="en-US" sz="2400" dirty="0" smtClean="0">
+              <a:solidFill>
+                <a:schemeClr val="bg1">
+                  <a:lumMod val="85000"/>
+                </a:schemeClr>
+              </a:solidFill>
+            </a:endParaRPr>
+          </a:p>
+          <a:p>
+            <a:r>
+              <a:rPr lang="en-US" sz="2400" dirty="0" smtClean="0">
+                <a:solidFill>
+                  <a:schemeClr val="bg1">
+                    <a:lumMod val="85000"/>
+                  </a:schemeClr>
+                </a:solidFill>
+              </a:rPr>
+              <a:t>Although </a:t>
+            </a:r>
+            <a:r>
+              <a:rPr lang="en-US" sz="2400" dirty="0" err="1" smtClean="0">
+                <a:solidFill>
+                  <a:schemeClr val="bg1">
+                    <a:lumMod val="85000"/>
+                  </a:schemeClr>
+                </a:solidFill>
+              </a:rPr>
+              <a:t>Qt</a:t>
+            </a:r>
+            <a:r>
+              <a:rPr lang="en-US" sz="2400" dirty="0" smtClean="0">
+                <a:solidFill>
+                  <a:schemeClr val="bg1">
+                    <a:lumMod val="85000"/>
+                  </a:schemeClr>
+                </a:solidFill>
+              </a:rPr>
+              <a:t> is a great tool for creating windows or managing network traffic</a:t>
+            </a:r>
+            <a:r>
+              <a:rPr lang="pl-PL" sz="2400" dirty="0" smtClean="0">
+                <a:solidFill>
+                  <a:schemeClr val="bg1">
+                    <a:lumMod val="85000"/>
+                  </a:schemeClr>
+                </a:solidFill>
+              </a:rPr>
+              <a:t>,</a:t>
+            </a:r>
+            <a:r>
+              <a:rPr lang="en-US" sz="2400" dirty="0" smtClean="0">
+                <a:solidFill>
+                  <a:schemeClr val="bg1">
+                    <a:lumMod val="85000"/>
+                  </a:schemeClr>
+                </a:solidFill>
+              </a:rPr>
+              <a:t> it has many restrictions that make it impossible to create this kind of a server</a:t>
+            </a:r>
+            <a:r>
+              <a:rPr lang="pl-PL" sz="2400" dirty="0" smtClean="0">
+                <a:solidFill>
+                  <a:schemeClr val="bg1">
+                    <a:lumMod val="85000"/>
+                  </a:schemeClr>
+                </a:solidFill>
+              </a:rPr>
+              <a:t> </a:t>
+            </a:r>
+            <a:r>
+              <a:rPr lang="pl-PL" sz="2400" dirty="0" err="1" smtClean="0">
+                <a:solidFill>
+                  <a:schemeClr val="bg1">
+                    <a:lumMod val="85000"/>
+                  </a:schemeClr>
+                </a:solidFill>
+              </a:rPr>
+              <a:t>using</a:t>
+            </a:r>
+            <a:r>
+              <a:rPr lang="pl-PL" sz="2400" dirty="0" smtClean="0">
+                <a:solidFill>
+                  <a:schemeClr val="bg1">
+                    <a:lumMod val="85000"/>
+                  </a:schemeClr>
+                </a:solidFill>
+              </a:rPr>
+              <a:t> </a:t>
+            </a:r>
+            <a:r>
+              <a:rPr lang="pl-PL" sz="2400" dirty="0" err="1" smtClean="0">
+                <a:solidFill>
+                  <a:schemeClr val="bg1">
+                    <a:lumMod val="85000"/>
+                  </a:schemeClr>
+                </a:solidFill>
+              </a:rPr>
+              <a:t>only</a:t>
+            </a:r>
+            <a:r>
+              <a:rPr lang="pl-PL" sz="2400" dirty="0" smtClean="0">
+                <a:solidFill>
+                  <a:schemeClr val="bg1">
+                    <a:lumMod val="85000"/>
+                  </a:schemeClr>
+                </a:solidFill>
+              </a:rPr>
+              <a:t> </a:t>
+            </a:r>
+            <a:r>
+              <a:rPr lang="pl-PL" sz="2400" dirty="0" err="1" smtClean="0">
+                <a:solidFill>
+                  <a:schemeClr val="bg1">
+                    <a:lumMod val="85000"/>
+                  </a:schemeClr>
+                </a:solidFill>
+              </a:rPr>
+              <a:t>this</a:t>
+            </a:r>
+            <a:r>
+              <a:rPr lang="pl-PL" sz="2400" dirty="0" smtClean="0">
+                <a:solidFill>
+                  <a:schemeClr val="bg1">
+                    <a:lumMod val="85000"/>
+                  </a:schemeClr>
+                </a:solidFill>
+              </a:rPr>
+              <a:t> </a:t>
+            </a:r>
+            <a:r>
+              <a:rPr lang="pl-PL" sz="2400" dirty="0" err="1" smtClean="0">
+                <a:solidFill>
+                  <a:schemeClr val="bg1">
+                    <a:lumMod val="85000"/>
+                  </a:schemeClr>
+                </a:solidFill>
+              </a:rPr>
+              <a:t>framework</a:t>
+            </a:r>
+            <a:r>
+              <a:rPr lang="en-US" sz="2400" dirty="0" smtClean="0">
+                <a:solidFill>
+                  <a:schemeClr val="bg1">
+                    <a:lumMod val="85000"/>
+                  </a:schemeClr>
+                </a:solidFill>
+              </a:rPr>
+              <a:t>.</a:t>
+            </a:r>
+          </a:p>
+          <a:p>
+            <a:endParaRPr lang="en-US" sz="2400" dirty="0" smtClean="0">
+              <a:solidFill>
+                <a:schemeClr val="bg1">
+                  <a:lumMod val="85000"/>
+                </a:schemeClr>
+              </a:solidFill>
+            </a:endParaRPr>
+          </a:p>
+          <a:p>
+            <a:r>
+              <a:rPr lang="en-US" sz="2400" dirty="0" smtClean="0">
+                <a:solidFill>
+                  <a:schemeClr val="bg1">
+                    <a:lumMod val="85000"/>
+                  </a:schemeClr>
+                </a:solidFill>
+              </a:rPr>
+              <a:t>No </a:t>
+            </a:r>
+            <a:r>
+              <a:rPr lang="pl-PL" sz="2400" dirty="0" err="1">
+                <a:solidFill>
+                  <a:schemeClr val="bg1">
+                    <a:lumMod val="85000"/>
+                  </a:schemeClr>
+                </a:solidFill>
+              </a:rPr>
+              <a:t>L</a:t>
+            </a:r>
+            <a:r>
+              <a:rPr lang="en-US" sz="2400" dirty="0" err="1" smtClean="0">
+                <a:solidFill>
+                  <a:schemeClr val="bg1">
+                    <a:lumMod val="85000"/>
+                  </a:schemeClr>
+                </a:solidFill>
+              </a:rPr>
+              <a:t>inux</a:t>
+            </a:r>
+            <a:r>
+              <a:rPr lang="en-US" sz="2400" dirty="0" smtClean="0">
+                <a:solidFill>
+                  <a:schemeClr val="bg1">
+                    <a:lumMod val="85000"/>
+                  </a:schemeClr>
+                </a:solidFill>
+              </a:rPr>
+              <a:t> natively supports simulating mouse click, scroll or keyboard button press, therefore neither does Qt. Still, </a:t>
+            </a:r>
+            <a:r>
+              <a:rPr lang="en-US" sz="2400" dirty="0" err="1" smtClean="0">
+                <a:solidFill>
+                  <a:schemeClr val="bg1">
+                    <a:lumMod val="85000"/>
+                  </a:schemeClr>
+                </a:solidFill>
+              </a:rPr>
+              <a:t>WinAPI</a:t>
+            </a:r>
+            <a:r>
+              <a:rPr lang="en-US" sz="2400" dirty="0" smtClean="0">
+                <a:solidFill>
+                  <a:schemeClr val="bg1">
+                    <a:lumMod val="85000"/>
+                  </a:schemeClr>
+                </a:solidFill>
+              </a:rPr>
+              <a:t> does support them.</a:t>
+            </a:r>
+            <a:endParaRPr lang="en-US" sz="2400" dirty="0">
+              <a:solidFill>
+                <a:schemeClr val="bg1">
+                  <a:lumMod val="85000"/>
+                </a:schemeClr>
+              </a:solidFill>
+            </a:endParaRPr>
+          </a:p>
+        </p:txBody>
+      </p:sp>
+    </p:spTree>
+    <p:extLst>
+      <p:ext uri="{BB962C8B-B14F-4D97-AF65-F5344CB8AC3E}">
+        <p14:creationId xmlns:p14="http://schemas.microsoft.com/office/powerpoint/2010/main" val="2117326459"/>
+      </p:ext>
+    </p:extLst>
+  </p:cSld>
+  <p:clrMapOvr>
+    <a:masterClrMapping/>
+  </p:clrMapOvr>
+</p:sld>
+</file>
+
+<file path=ppt/slides/slide15.xml><?xml version="1.0" encoding="utf-8"?>
+<p:sld xmlns:a="http://schemas.openxmlformats.org/drawingml/2006/main" xmlns:r="http://schemas.openxmlformats.org/officeDocument/2006/relationships" xmlns:p="http://schemas.openxmlformats.org/presentationml/2006/main">
+  <p:cSld>
+    <p:spTree>
+      <p:nvGrpSpPr>
+        <p:cNvPr id="1" name=""/>
+        <p:cNvGrpSpPr/>
+        <p:nvPr/>
+      </p:nvGrpSpPr>
+      <p:grpSpPr>
+        <a:xfrm>
+          <a:off x="0" y="0"/>
+          <a:ext cx="0" cy="0"/>
+          <a:chOff x="0" y="0"/>
+          <a:chExt cx="0" cy="0"/>
+        </a:xfrm>
+      </p:grpSpPr>
+      <p:sp>
+        <p:nvSpPr>
+          <p:cNvPr id="2" name="pole tekstowe 1"/>
+          <p:cNvSpPr txBox="1"/>
+          <p:nvPr/>
+        </p:nvSpPr>
+        <p:spPr>
+          <a:xfrm>
+            <a:off x="761999" y="457200"/>
+            <a:ext cx="5572103" cy="830997"/>
+          </a:xfrm>
+          <a:prstGeom prst="rect">
+            <a:avLst/>
+          </a:prstGeom>
+          <a:noFill/>
+        </p:spPr>
+        <p:txBody>
+          <a:bodyPr wrap="none" rtlCol="0">
+            <a:spAutoFit/>
+          </a:bodyPr>
+          <a:lstStyle/>
+          <a:p>
+            <a:r>
+              <a:rPr lang="pl-PL" sz="4800" b="1" dirty="0" smtClean="0">
+                <a:solidFill>
+                  <a:schemeClr val="bg1">
+                    <a:lumMod val="85000"/>
+                  </a:schemeClr>
+                </a:solidFill>
+                <a:effectLst>
+                  <a:outerShdw blurRad="38100" dist="38100" dir="2700000" algn="tl">
+                    <a:srgbClr val="000000">
+                      <a:alpha val="43137"/>
+                    </a:srgbClr>
+                  </a:outerShdw>
+                </a:effectLst>
+              </a:rPr>
+              <a:t>Server – data </a:t>
+            </a:r>
+            <a:r>
+              <a:rPr lang="en-US" sz="4800" b="1" dirty="0" smtClean="0">
+                <a:solidFill>
+                  <a:schemeClr val="bg1">
+                    <a:lumMod val="85000"/>
+                  </a:schemeClr>
+                </a:solidFill>
+                <a:effectLst>
+                  <a:outerShdw blurRad="38100" dist="38100" dir="2700000" algn="tl">
+                    <a:srgbClr val="000000">
+                      <a:alpha val="43137"/>
+                    </a:srgbClr>
+                  </a:outerShdw>
+                </a:effectLst>
+              </a:rPr>
+              <a:t>storage</a:t>
+            </a:r>
+            <a:endParaRPr lang="en-US" sz="4800" b="1" dirty="0">
+              <a:solidFill>
+                <a:schemeClr val="bg1">
+                  <a:lumMod val="85000"/>
+                </a:schemeClr>
+              </a:solidFill>
+              <a:effectLst>
+                <a:outerShdw blurRad="38100" dist="38100" dir="2700000" algn="tl">
+                  <a:srgbClr val="000000">
+                    <a:alpha val="43137"/>
+                  </a:srgbClr>
+                </a:outerShdw>
+              </a:effectLst>
+            </a:endParaRPr>
+          </a:p>
+        </p:txBody>
+      </p:sp>
+      <p:sp>
+        <p:nvSpPr>
+          <p:cNvPr id="4" name="pole tekstowe 3"/>
+          <p:cNvSpPr txBox="1"/>
+          <p:nvPr/>
+        </p:nvSpPr>
+        <p:spPr>
+          <a:xfrm>
+            <a:off x="761999" y="1447800"/>
+            <a:ext cx="7010401" cy="2677656"/>
+          </a:xfrm>
+          <a:prstGeom prst="rect">
+            <a:avLst/>
+          </a:prstGeom>
+          <a:noFill/>
+        </p:spPr>
+        <p:txBody>
+          <a:bodyPr wrap="square" rtlCol="0">
+            <a:spAutoFit/>
+          </a:bodyPr>
+          <a:lstStyle/>
+          <a:p>
+            <a:r>
+              <a:rPr lang="en-US" sz="2400" dirty="0" smtClean="0">
+                <a:solidFill>
+                  <a:schemeClr val="bg1">
+                    <a:lumMod val="85000"/>
+                  </a:schemeClr>
+                </a:solidFill>
+              </a:rPr>
+              <a:t>C++ doesn’t provide any mechanism for object serialization, but provided that object doesn’t contain any pointers, it can be done easily anyway.</a:t>
+            </a:r>
+          </a:p>
+          <a:p>
+            <a:endParaRPr lang="en-US" sz="2400" dirty="0" smtClean="0">
+              <a:solidFill>
+                <a:schemeClr val="bg1">
+                  <a:lumMod val="85000"/>
+                </a:schemeClr>
+              </a:solidFill>
+            </a:endParaRPr>
+          </a:p>
+          <a:p>
+            <a:r>
+              <a:rPr lang="en-US" sz="2400" dirty="0" smtClean="0">
+                <a:solidFill>
+                  <a:schemeClr val="bg1">
+                    <a:lumMod val="85000"/>
+                  </a:schemeClr>
+                </a:solidFill>
+              </a:rPr>
+              <a:t>char * c = (char*) </a:t>
+            </a:r>
+            <a:r>
+              <a:rPr lang="pl-PL" sz="2400" dirty="0" smtClean="0">
+                <a:solidFill>
+                  <a:schemeClr val="bg1">
+                    <a:lumMod val="85000"/>
+                  </a:schemeClr>
+                </a:solidFill>
+              </a:rPr>
+              <a:t>&amp;</a:t>
+            </a:r>
+            <a:r>
+              <a:rPr lang="en-US" sz="2400" dirty="0" smtClean="0">
+                <a:solidFill>
+                  <a:schemeClr val="bg1">
+                    <a:lumMod val="85000"/>
+                  </a:schemeClr>
+                </a:solidFill>
+              </a:rPr>
+              <a:t>o;</a:t>
+            </a:r>
+          </a:p>
+          <a:p>
+            <a:r>
+              <a:rPr lang="en-US" sz="2400" dirty="0" smtClean="0">
+                <a:solidFill>
+                  <a:schemeClr val="bg1">
+                    <a:lumMod val="85000"/>
+                  </a:schemeClr>
+                </a:solidFill>
+              </a:rPr>
+              <a:t>for ( </a:t>
+            </a:r>
+            <a:r>
+              <a:rPr lang="en-US" sz="2400" dirty="0" err="1" smtClean="0">
+                <a:solidFill>
+                  <a:schemeClr val="bg1">
+                    <a:lumMod val="85000"/>
+                  </a:schemeClr>
+                </a:solidFill>
+              </a:rPr>
+              <a:t>int</a:t>
+            </a:r>
+            <a:r>
+              <a:rPr lang="en-US" sz="2400" dirty="0" smtClean="0">
+                <a:solidFill>
+                  <a:schemeClr val="bg1">
+                    <a:lumMod val="85000"/>
+                  </a:schemeClr>
+                </a:solidFill>
+              </a:rPr>
+              <a:t> </a:t>
+            </a:r>
+            <a:r>
+              <a:rPr lang="en-US" sz="2400" dirty="0" err="1" smtClean="0">
+                <a:solidFill>
+                  <a:schemeClr val="bg1">
+                    <a:lumMod val="85000"/>
+                  </a:schemeClr>
+                </a:solidFill>
+              </a:rPr>
+              <a:t>i</a:t>
+            </a:r>
+            <a:r>
+              <a:rPr lang="en-US" sz="2400" dirty="0" smtClean="0">
+                <a:solidFill>
+                  <a:schemeClr val="bg1">
+                    <a:lumMod val="85000"/>
+                  </a:schemeClr>
+                </a:solidFill>
+              </a:rPr>
+              <a:t> = 0; </a:t>
+            </a:r>
+            <a:r>
+              <a:rPr lang="en-US" sz="2400" dirty="0" err="1" smtClean="0">
+                <a:solidFill>
+                  <a:schemeClr val="bg1">
+                    <a:lumMod val="85000"/>
+                  </a:schemeClr>
+                </a:solidFill>
+              </a:rPr>
+              <a:t>i</a:t>
+            </a:r>
+            <a:r>
+              <a:rPr lang="en-US" sz="2400" dirty="0" smtClean="0">
+                <a:solidFill>
+                  <a:schemeClr val="bg1">
+                    <a:lumMod val="85000"/>
+                  </a:schemeClr>
+                </a:solidFill>
+              </a:rPr>
+              <a:t> &lt; </a:t>
+            </a:r>
+            <a:r>
+              <a:rPr lang="en-US" sz="2400" dirty="0" err="1" smtClean="0">
+                <a:solidFill>
+                  <a:schemeClr val="bg1">
+                    <a:lumMod val="85000"/>
+                  </a:schemeClr>
+                </a:solidFill>
+              </a:rPr>
+              <a:t>sizeof</a:t>
+            </a:r>
+            <a:r>
+              <a:rPr lang="en-US" sz="2400" dirty="0" smtClean="0">
+                <a:solidFill>
+                  <a:schemeClr val="bg1">
+                    <a:lumMod val="85000"/>
+                  </a:schemeClr>
+                </a:solidFill>
+              </a:rPr>
+              <a:t>(O); </a:t>
+            </a:r>
+            <a:r>
+              <a:rPr lang="en-US" sz="2400" dirty="0" err="1" smtClean="0">
+                <a:solidFill>
+                  <a:schemeClr val="bg1">
+                    <a:lumMod val="85000"/>
+                  </a:schemeClr>
+                </a:solidFill>
+              </a:rPr>
+              <a:t>i</a:t>
+            </a:r>
+            <a:r>
+              <a:rPr lang="en-US" sz="2400" dirty="0" smtClean="0">
+                <a:solidFill>
+                  <a:schemeClr val="bg1">
+                    <a:lumMod val="85000"/>
+                  </a:schemeClr>
+                </a:solidFill>
+              </a:rPr>
+              <a:t>++ )</a:t>
+            </a:r>
+          </a:p>
+          <a:p>
+            <a:r>
+              <a:rPr lang="en-US" sz="2400" dirty="0" smtClean="0">
+                <a:solidFill>
+                  <a:schemeClr val="bg1">
+                    <a:lumMod val="85000"/>
+                  </a:schemeClr>
+                </a:solidFill>
+              </a:rPr>
+              <a:t>	</a:t>
+            </a:r>
+            <a:r>
+              <a:rPr lang="en-US" sz="2400" dirty="0" err="1" smtClean="0">
+                <a:solidFill>
+                  <a:schemeClr val="bg1">
+                    <a:lumMod val="85000"/>
+                  </a:schemeClr>
+                </a:solidFill>
+              </a:rPr>
+              <a:t>out.put</a:t>
+            </a:r>
+            <a:r>
+              <a:rPr lang="en-US" sz="2400" dirty="0" smtClean="0">
+                <a:solidFill>
+                  <a:schemeClr val="bg1">
+                    <a:lumMod val="85000"/>
+                  </a:schemeClr>
+                </a:solidFill>
+              </a:rPr>
+              <a:t>( c );</a:t>
+            </a:r>
+            <a:endParaRPr lang="en-US" sz="2400" dirty="0">
+              <a:solidFill>
+                <a:schemeClr val="bg1">
+                  <a:lumMod val="85000"/>
+                </a:schemeClr>
+              </a:solidFill>
+            </a:endParaRPr>
+          </a:p>
+        </p:txBody>
+      </p:sp>
+    </p:spTree>
+    <p:extLst>
+      <p:ext uri="{BB962C8B-B14F-4D97-AF65-F5344CB8AC3E}">
+        <p14:creationId xmlns:p14="http://schemas.microsoft.com/office/powerpoint/2010/main" val="1455527290"/>
+      </p:ext>
+    </p:extLst>
+  </p:cSld>
+  <p:clrMapOvr>
+    <a:masterClrMapping/>
+  </p:clrMapOvr>
+</p:sld>
+</file>
+
+<file path=ppt/slides/slide16.xml><?xml version="1.0" encoding="utf-8"?>
+<p:sld xmlns:a="http://schemas.openxmlformats.org/drawingml/2006/main" xmlns:r="http://schemas.openxmlformats.org/officeDocument/2006/relationships" xmlns:p="http://schemas.openxmlformats.org/presentationml/2006/main">
+  <p:cSld>
+    <p:spTree>
+      <p:nvGrpSpPr>
+        <p:cNvPr id="1" name=""/>
+        <p:cNvGrpSpPr/>
+        <p:nvPr/>
+      </p:nvGrpSpPr>
+      <p:grpSpPr>
+        <a:xfrm>
+          <a:off x="0" y="0"/>
+          <a:ext cx="0" cy="0"/>
+          <a:chOff x="0" y="0"/>
+          <a:chExt cx="0" cy="0"/>
+        </a:xfrm>
+      </p:grpSpPr>
+      <p:sp>
+        <p:nvSpPr>
+          <p:cNvPr id="2" name="pole tekstowe 1"/>
+          <p:cNvSpPr txBox="1"/>
+          <p:nvPr/>
+        </p:nvSpPr>
+        <p:spPr>
+          <a:xfrm>
+            <a:off x="761999" y="457200"/>
+            <a:ext cx="4897495" cy="830997"/>
+          </a:xfrm>
+          <a:prstGeom prst="rect">
+            <a:avLst/>
+          </a:prstGeom>
+          <a:noFill/>
+        </p:spPr>
+        <p:txBody>
+          <a:bodyPr wrap="none" rtlCol="0">
+            <a:spAutoFit/>
+          </a:bodyPr>
+          <a:lstStyle/>
+          <a:p>
+            <a:r>
+              <a:rPr lang="pl-PL" sz="4800" b="1" dirty="0" smtClean="0">
+                <a:solidFill>
+                  <a:schemeClr val="bg1">
+                    <a:lumMod val="85000"/>
+                  </a:schemeClr>
+                </a:solidFill>
+                <a:effectLst>
+                  <a:outerShdw blurRad="38100" dist="38100" dir="2700000" algn="tl">
+                    <a:srgbClr val="000000">
+                      <a:alpha val="43137"/>
+                    </a:srgbClr>
+                  </a:outerShdw>
+                </a:effectLst>
+              </a:rPr>
+              <a:t>Server – </a:t>
+            </a:r>
+            <a:r>
+              <a:rPr lang="en-US" sz="4800" b="1" dirty="0" smtClean="0">
+                <a:solidFill>
+                  <a:schemeClr val="bg1">
+                    <a:lumMod val="85000"/>
+                  </a:schemeClr>
+                </a:solidFill>
+                <a:effectLst>
+                  <a:outerShdw blurRad="38100" dist="38100" dir="2700000" algn="tl">
+                    <a:srgbClr val="000000">
+                      <a:alpha val="43137"/>
+                    </a:srgbClr>
+                  </a:outerShdw>
+                </a:effectLst>
+              </a:rPr>
+              <a:t>definition</a:t>
+            </a:r>
+            <a:endParaRPr lang="en-US" sz="4800" b="1" dirty="0">
+              <a:solidFill>
+                <a:schemeClr val="bg1">
+                  <a:lumMod val="85000"/>
+                </a:schemeClr>
+              </a:solidFill>
+              <a:effectLst>
+                <a:outerShdw blurRad="38100" dist="38100" dir="2700000" algn="tl">
+                  <a:srgbClr val="000000">
+                    <a:alpha val="43137"/>
+                  </a:srgbClr>
+                </a:outerShdw>
+              </a:effectLst>
+            </a:endParaRPr>
+          </a:p>
+        </p:txBody>
+      </p:sp>
+      <p:sp>
+        <p:nvSpPr>
+          <p:cNvPr id="3" name="pole tekstowe 2"/>
+          <p:cNvSpPr txBox="1"/>
+          <p:nvPr/>
+        </p:nvSpPr>
+        <p:spPr>
+          <a:xfrm>
+            <a:off x="761998" y="1447800"/>
+            <a:ext cx="7010401" cy="3539430"/>
+          </a:xfrm>
+          <a:prstGeom prst="rect">
+            <a:avLst/>
+          </a:prstGeom>
+          <a:noFill/>
+        </p:spPr>
+        <p:txBody>
+          <a:bodyPr wrap="square" rtlCol="0">
+            <a:spAutoFit/>
+          </a:bodyPr>
+          <a:lstStyle/>
+          <a:p>
+            <a:r>
+              <a:rPr lang="en-US" sz="3200" dirty="0" smtClean="0">
+                <a:solidFill>
+                  <a:schemeClr val="bg1">
+                    <a:lumMod val="85000"/>
+                  </a:schemeClr>
+                </a:solidFill>
+              </a:rPr>
+              <a:t>Server is a boring application that provides data and does a lot of operations that cool applications request it to perform.</a:t>
+            </a:r>
+          </a:p>
+          <a:p>
+            <a:endParaRPr lang="en-US" sz="3200" dirty="0" smtClean="0">
+              <a:solidFill>
+                <a:schemeClr val="bg1">
+                  <a:lumMod val="85000"/>
+                </a:schemeClr>
+              </a:solidFill>
+            </a:endParaRPr>
+          </a:p>
+          <a:p>
+            <a:r>
+              <a:rPr lang="en-US" sz="3200" dirty="0" smtClean="0">
+                <a:solidFill>
+                  <a:schemeClr val="bg1">
+                    <a:lumMod val="85000"/>
+                  </a:schemeClr>
+                </a:solidFill>
+              </a:rPr>
+              <a:t>In other words, there’s not much to say about it…</a:t>
+            </a:r>
+            <a:endParaRPr lang="en-US" sz="3200" dirty="0">
+              <a:solidFill>
+                <a:schemeClr val="bg1">
+                  <a:lumMod val="85000"/>
+                </a:schemeClr>
+              </a:solidFill>
+            </a:endParaRPr>
+          </a:p>
+        </p:txBody>
+      </p:sp>
+    </p:spTree>
+    <p:extLst>
+      <p:ext uri="{BB962C8B-B14F-4D97-AF65-F5344CB8AC3E}">
+        <p14:creationId xmlns:p14="http://schemas.microsoft.com/office/powerpoint/2010/main" val="2462331374"/>
+      </p:ext>
+    </p:extLst>
+  </p:cSld>
+  <p:clrMapOvr>
+    <a:masterClrMapping/>
+  </p:clrMapOvr>
+</p:sld>
+</file>
+
+<file path=ppt/slides/slide17.xml><?xml version="1.0" encoding="utf-8"?>
+<p:sld xmlns:a="http://schemas.openxmlformats.org/drawingml/2006/main" xmlns:r="http://schemas.openxmlformats.org/officeDocument/2006/relationships" xmlns:p="http://schemas.openxmlformats.org/presentationml/2006/main">
+  <p:cSld>
+    <p:bg>
+      <p:bgPr>
+        <a:blipFill dpi="0" rotWithShape="1">
+          <a:blip r:embed="rId2">
+            <a:lum/>
+          </a:blip>
+          <a:srcRect/>
+          <a:stretch>
+            <a:fillRect l="-6000" r="-6000"/>
+          </a:stretch>
+        </a:blipFill>
+        <a:effectLst/>
+      </p:bgPr>
+    </p:bg>
+    <p:spTree>
+      <p:nvGrpSpPr>
+        <p:cNvPr id="1" name=""/>
+        <p:cNvGrpSpPr/>
+        <p:nvPr/>
+      </p:nvGrpSpPr>
+      <p:grpSpPr>
+        <a:xfrm>
+          <a:off x="0" y="0"/>
+          <a:ext cx="0" cy="0"/>
+          <a:chOff x="0" y="0"/>
+          <a:chExt cx="0" cy="0"/>
+        </a:xfrm>
+      </p:grpSpPr>
+    </p:spTree>
+    <p:extLst>
+      <p:ext uri="{BB962C8B-B14F-4D97-AF65-F5344CB8AC3E}">
+        <p14:creationId xmlns:p14="http://schemas.microsoft.com/office/powerpoint/2010/main" val="1359162850"/>
       </p:ext>
     </p:extLst>
   </p:cSld>
@@ -5243,45 +5707,6 @@
       </p:grpSpPr>
       <p:sp>
         <p:nvSpPr>
-          <p:cNvPr id="2" name="Symbol zastępczy stopki 1"/>
-          <p:cNvSpPr>
-            <a:spLocks noGrp="1"/>
-          </p:cNvSpPr>
-          <p:nvPr>
-            <p:ph type="ftr" sz="quarter" idx="11"/>
-          </p:nvPr>
-        </p:nvSpPr>
-        <p:spPr/>
-        <p:txBody>
-          <a:bodyPr/>
-          <a:lstStyle/>
-          <a:p>
-            <a:r>
-              <a:rPr lang="en-US" dirty="0" err="1" smtClean="0"/>
-              <a:t>PCRemote</a:t>
-            </a:r>
-            <a:r>
-              <a:rPr lang="en-US" dirty="0" smtClean="0"/>
-              <a:t> ® 2012 - </a:t>
-            </a:r>
-            <a:r>
-              <a:rPr lang="en-US" dirty="0" err="1" smtClean="0"/>
-              <a:t>Kamil</a:t>
-            </a:r>
-            <a:r>
-              <a:rPr lang="en-US" dirty="0" smtClean="0"/>
-              <a:t> </a:t>
-            </a:r>
-            <a:r>
-              <a:rPr lang="en-US" dirty="0" err="1" smtClean="0"/>
-              <a:t>Janowski</a:t>
-            </a:r>
-            <a:endParaRPr lang="en-US" dirty="0"/>
-          </a:p>
-        </p:txBody>
-      </p:sp>
-      <p:sp>
-        <p:nvSpPr>
           <p:cNvPr id="6" name="pole tekstowe 5"/>
           <p:cNvSpPr txBox="1"/>
           <p:nvPr/>
@@ -5289,7 +5714,7 @@
         <p:spPr>
           <a:xfrm>
             <a:off x="762000" y="457200"/>
-            <a:ext cx="3834704" cy="830997"/>
+            <a:ext cx="3422027" cy="830997"/>
           </a:xfrm>
           <a:prstGeom prst="rect">
             <a:avLst/>
@@ -5305,9 +5730,8 @@
             <a:r>
               <a:rPr lang="pl-PL" sz="4800" b="1" dirty="0" smtClean="0">
                 <a:solidFill>
-                  <a:schemeClr val="tx1">
-                    <a:lumMod val="65000"/>
-                    <a:lumOff val="35000"/>
+                  <a:schemeClr val="bg1">
+                    <a:lumMod val="85000"/>
                   </a:schemeClr>
                 </a:solidFill>
                 <a:effectLst>
@@ -5322,9 +5746,8 @@
             </a:r>
             <a:endParaRPr lang="en-US" sz="4800" b="1" dirty="0">
               <a:solidFill>
-                <a:schemeClr val="tx1">
-                  <a:lumMod val="65000"/>
-                  <a:lumOff val="35000"/>
+                <a:schemeClr val="bg1">
+                  <a:lumMod val="85000"/>
                 </a:schemeClr>
               </a:solidFill>
               <a:effectLst>
@@ -5363,9 +5786,8 @@
             <a:r>
               <a:rPr lang="en-US" sz="2800" dirty="0" smtClean="0">
                 <a:solidFill>
-                  <a:schemeClr val="tx1">
-                    <a:lumMod val="75000"/>
-                    <a:lumOff val="25000"/>
+                  <a:schemeClr val="bg1">
+                    <a:lumMod val="85000"/>
                   </a:schemeClr>
                 </a:solidFill>
                 <a:latin typeface="Calibri" pitchFamily="34" charset="0"/>
@@ -5377,9 +5799,8 @@
             <a:r>
               <a:rPr lang="en-US" sz="2800" dirty="0" smtClean="0">
                 <a:solidFill>
-                  <a:schemeClr val="tx1">
-                    <a:lumMod val="75000"/>
-                    <a:lumOff val="25000"/>
+                  <a:schemeClr val="bg1">
+                    <a:lumMod val="85000"/>
                   </a:schemeClr>
                 </a:solidFill>
                 <a:latin typeface="Calibri" pitchFamily="34" charset="0"/>
@@ -5389,9 +5810,8 @@
             <a:r>
               <a:rPr lang="pl-PL" sz="2800" dirty="0" err="1" smtClean="0">
                 <a:solidFill>
-                  <a:schemeClr val="tx1">
-                    <a:lumMod val="75000"/>
-                    <a:lumOff val="25000"/>
+                  <a:schemeClr val="bg1">
+                    <a:lumMod val="85000"/>
                   </a:schemeClr>
                 </a:solidFill>
                 <a:latin typeface="Calibri" pitchFamily="34" charset="0"/>
@@ -5401,9 +5821,8 @@
             <a:r>
               <a:rPr lang="pl-PL" sz="2800" dirty="0" smtClean="0">
                 <a:solidFill>
-                  <a:schemeClr val="tx1">
-                    <a:lumMod val="75000"/>
-                    <a:lumOff val="25000"/>
+                  <a:schemeClr val="bg1">
+                    <a:lumMod val="85000"/>
                   </a:schemeClr>
                 </a:solidFill>
                 <a:latin typeface="Calibri" pitchFamily="34" charset="0"/>
@@ -5413,9 +5832,8 @@
             <a:r>
               <a:rPr lang="en-US" sz="2800" dirty="0" smtClean="0">
                 <a:solidFill>
-                  <a:schemeClr val="tx1">
-                    <a:lumMod val="75000"/>
-                    <a:lumOff val="25000"/>
+                  <a:schemeClr val="bg1">
+                    <a:lumMod val="85000"/>
                   </a:schemeClr>
                 </a:solidFill>
                 <a:latin typeface="Calibri" pitchFamily="34" charset="0"/>
@@ -5425,9 +5843,8 @@
             <a:r>
               <a:rPr lang="pl-PL" sz="2800" dirty="0" smtClean="0">
                 <a:solidFill>
-                  <a:schemeClr val="tx1">
-                    <a:lumMod val="75000"/>
-                    <a:lumOff val="25000"/>
+                  <a:schemeClr val="bg1">
+                    <a:lumMod val="85000"/>
                   </a:schemeClr>
                 </a:solidFill>
                 <a:latin typeface="Calibri" pitchFamily="34" charset="0"/>
@@ -5437,9 +5854,8 @@
             <a:r>
               <a:rPr lang="pl-PL" sz="2800" dirty="0" err="1" smtClean="0">
                 <a:solidFill>
-                  <a:schemeClr val="tx1">
-                    <a:lumMod val="75000"/>
-                    <a:lumOff val="25000"/>
+                  <a:schemeClr val="bg1">
+                    <a:lumMod val="85000"/>
                   </a:schemeClr>
                 </a:solidFill>
                 <a:latin typeface="Calibri" pitchFamily="34" charset="0"/>
@@ -5449,9 +5865,8 @@
             <a:r>
               <a:rPr lang="pl-PL" sz="2800" dirty="0" smtClean="0">
                 <a:solidFill>
-                  <a:schemeClr val="tx1">
-                    <a:lumMod val="75000"/>
-                    <a:lumOff val="25000"/>
+                  <a:schemeClr val="bg1">
+                    <a:lumMod val="85000"/>
                   </a:schemeClr>
                 </a:solidFill>
                 <a:latin typeface="Calibri" pitchFamily="34" charset="0"/>
@@ -5461,9 +5876,8 @@
             <a:r>
               <a:rPr lang="pl-PL" sz="2800" dirty="0" err="1" smtClean="0">
                 <a:solidFill>
-                  <a:schemeClr val="tx1">
-                    <a:lumMod val="75000"/>
-                    <a:lumOff val="25000"/>
+                  <a:schemeClr val="bg1">
+                    <a:lumMod val="85000"/>
                   </a:schemeClr>
                 </a:solidFill>
                 <a:latin typeface="Calibri" pitchFamily="34" charset="0"/>
@@ -5473,9 +5887,8 @@
             <a:r>
               <a:rPr lang="pl-PL" sz="2800" dirty="0" smtClean="0">
                 <a:solidFill>
-                  <a:schemeClr val="tx1">
-                    <a:lumMod val="75000"/>
-                    <a:lumOff val="25000"/>
+                  <a:schemeClr val="bg1">
+                    <a:lumMod val="85000"/>
                   </a:schemeClr>
                 </a:solidFill>
                 <a:latin typeface="Calibri" pitchFamily="34" charset="0"/>
@@ -5487,9 +5900,8 @@
             <a:r>
               <a:rPr lang="pl-PL" sz="2800" dirty="0" smtClean="0">
                 <a:solidFill>
-                  <a:schemeClr val="tx1">
-                    <a:lumMod val="75000"/>
-                    <a:lumOff val="25000"/>
+                  <a:schemeClr val="bg1">
+                    <a:lumMod val="85000"/>
                   </a:schemeClr>
                 </a:solidFill>
                 <a:latin typeface="Calibri" pitchFamily="34" charset="0"/>
@@ -5497,11 +5909,10 @@
               <a:t>2. </a:t>
             </a:r>
             <a:r>
-              <a:rPr lang="pl-PL" sz="2800" dirty="0" err="1" smtClean="0">
-                <a:solidFill>
-                  <a:schemeClr val="tx1">
-                    <a:lumMod val="75000"/>
-                    <a:lumOff val="25000"/>
+              <a:rPr lang="en-US" sz="2800" dirty="0" err="1" smtClean="0">
+                <a:solidFill>
+                  <a:schemeClr val="bg1">
+                    <a:lumMod val="85000"/>
                   </a:schemeClr>
                 </a:solidFill>
                 <a:latin typeface="Calibri" pitchFamily="34" charset="0"/>
@@ -5509,72 +5920,22 @@
               <a:t>PCRemote</a:t>
             </a:r>
             <a:r>
-              <a:rPr lang="pl-PL" sz="2800" dirty="0" smtClean="0">
-                <a:solidFill>
-                  <a:schemeClr val="tx1">
-                    <a:lumMod val="75000"/>
-                    <a:lumOff val="25000"/>
+              <a:rPr lang="en-US" sz="2800" dirty="0" smtClean="0">
+                <a:solidFill>
+                  <a:schemeClr val="bg1">
+                    <a:lumMod val="85000"/>
                   </a:schemeClr>
                 </a:solidFill>
                 <a:latin typeface="Calibri" pitchFamily="34" charset="0"/>
               </a:rPr>
-              <a:t> Client </a:t>
-            </a:r>
-            <a:r>
-              <a:rPr lang="pl-PL" sz="2800" dirty="0" err="1" smtClean="0">
-                <a:solidFill>
-                  <a:schemeClr val="tx1">
-                    <a:lumMod val="75000"/>
-                    <a:lumOff val="25000"/>
-                  </a:schemeClr>
-                </a:solidFill>
-                <a:latin typeface="Calibri" pitchFamily="34" charset="0"/>
-              </a:rPr>
-              <a:t>running</a:t>
-            </a:r>
-            <a:r>
-              <a:rPr lang="pl-PL" sz="2800" dirty="0" smtClean="0">
-                <a:solidFill>
-                  <a:schemeClr val="tx1">
-                    <a:lumMod val="75000"/>
-                    <a:lumOff val="25000"/>
-                  </a:schemeClr>
-                </a:solidFill>
-                <a:latin typeface="Calibri" pitchFamily="34" charset="0"/>
-              </a:rPr>
-              <a:t> on Windows Phone </a:t>
-            </a:r>
-            <a:r>
-              <a:rPr lang="pl-PL" sz="2800" dirty="0" err="1" smtClean="0">
-                <a:solidFill>
-                  <a:schemeClr val="tx1">
-                    <a:lumMod val="75000"/>
-                    <a:lumOff val="25000"/>
-                  </a:schemeClr>
-                </a:solidFill>
-                <a:latin typeface="Calibri" pitchFamily="34" charset="0"/>
-              </a:rPr>
-              <a:t>device</a:t>
-            </a:r>
-            <a:r>
-              <a:rPr lang="pl-PL" sz="2800" dirty="0" smtClean="0">
-                <a:solidFill>
-                  <a:schemeClr val="tx1">
-                    <a:lumMod val="75000"/>
-                    <a:lumOff val="25000"/>
-                  </a:schemeClr>
-                </a:solidFill>
-                <a:latin typeface="Calibri" pitchFamily="34" charset="0"/>
-              </a:rPr>
-              <a:t>.</a:t>
-            </a:r>
-          </a:p>
-          <a:p>
-            <a:endParaRPr lang="pl-PL" sz="2800" dirty="0" smtClean="0">
+              <a:t> Client running on Windows Phone device.</a:t>
+            </a:r>
+          </a:p>
+          <a:p>
+            <a:endParaRPr lang="en-US" sz="2800" dirty="0" smtClean="0">
               <a:solidFill>
-                <a:schemeClr val="tx1">
-                  <a:lumMod val="75000"/>
-                  <a:lumOff val="25000"/>
+                <a:schemeClr val="bg1">
+                  <a:lumMod val="85000"/>
                 </a:schemeClr>
               </a:solidFill>
               <a:latin typeface="Calibri" pitchFamily="34" charset="0"/>
@@ -5582,308 +5943,43 @@
           </a:p>
           <a:p>
             <a:r>
-              <a:rPr lang="pl-PL" sz="2800" dirty="0" smtClean="0">
-                <a:solidFill>
-                  <a:schemeClr val="tx1">
-                    <a:lumMod val="75000"/>
-                    <a:lumOff val="25000"/>
+              <a:rPr lang="en-US" sz="2800" dirty="0" smtClean="0">
+                <a:solidFill>
+                  <a:schemeClr val="bg1">
+                    <a:lumMod val="85000"/>
                   </a:schemeClr>
                 </a:solidFill>
                 <a:latin typeface="Calibri" pitchFamily="34" charset="0"/>
               </a:rPr>
-              <a:t>Project </a:t>
-            </a:r>
-            <a:r>
-              <a:rPr lang="pl-PL" sz="2800" dirty="0" err="1" smtClean="0">
-                <a:solidFill>
-                  <a:schemeClr val="tx1">
-                    <a:lumMod val="75000"/>
-                    <a:lumOff val="25000"/>
-                  </a:schemeClr>
-                </a:solidFill>
-                <a:latin typeface="Calibri" pitchFamily="34" charset="0"/>
-              </a:rPr>
-              <a:t>allows</a:t>
-            </a:r>
-            <a:r>
-              <a:rPr lang="pl-PL" sz="2800" dirty="0" smtClean="0">
-                <a:solidFill>
-                  <a:schemeClr val="tx1">
-                    <a:lumMod val="75000"/>
-                    <a:lumOff val="25000"/>
-                  </a:schemeClr>
-                </a:solidFill>
-                <a:latin typeface="Calibri" pitchFamily="34" charset="0"/>
-              </a:rPr>
-              <a:t> to </a:t>
-            </a:r>
-            <a:r>
-              <a:rPr lang="pl-PL" sz="2800" dirty="0" err="1" smtClean="0">
-                <a:solidFill>
-                  <a:schemeClr val="tx1">
-                    <a:lumMod val="75000"/>
-                    <a:lumOff val="25000"/>
-                  </a:schemeClr>
-                </a:solidFill>
-                <a:latin typeface="Calibri" pitchFamily="34" charset="0"/>
-              </a:rPr>
-              <a:t>take</a:t>
-            </a:r>
-            <a:r>
-              <a:rPr lang="pl-PL" sz="2800" dirty="0" smtClean="0">
-                <a:solidFill>
-                  <a:schemeClr val="tx1">
-                    <a:lumMod val="75000"/>
-                    <a:lumOff val="25000"/>
-                  </a:schemeClr>
-                </a:solidFill>
-                <a:latin typeface="Calibri" pitchFamily="34" charset="0"/>
-              </a:rPr>
-              <a:t> the </a:t>
-            </a:r>
-            <a:r>
-              <a:rPr lang="pl-PL" sz="2800" dirty="0" err="1" smtClean="0">
-                <a:solidFill>
-                  <a:schemeClr val="tx1">
-                    <a:lumMod val="75000"/>
-                    <a:lumOff val="25000"/>
-                  </a:schemeClr>
-                </a:solidFill>
-                <a:latin typeface="Calibri" pitchFamily="34" charset="0"/>
-              </a:rPr>
-              <a:t>control</a:t>
-            </a:r>
-            <a:r>
-              <a:rPr lang="pl-PL" sz="2800" dirty="0" smtClean="0">
-                <a:solidFill>
-                  <a:schemeClr val="tx1">
-                    <a:lumMod val="75000"/>
-                    <a:lumOff val="25000"/>
-                  </a:schemeClr>
-                </a:solidFill>
-                <a:latin typeface="Calibri" pitchFamily="34" charset="0"/>
-              </a:rPr>
-              <a:t> </a:t>
-            </a:r>
-            <a:r>
-              <a:rPr lang="pl-PL" sz="2800" dirty="0" err="1" smtClean="0">
-                <a:solidFill>
-                  <a:schemeClr val="tx1">
-                    <a:lumMod val="75000"/>
-                    <a:lumOff val="25000"/>
-                  </a:schemeClr>
-                </a:solidFill>
-                <a:latin typeface="Calibri" pitchFamily="34" charset="0"/>
-              </a:rPr>
-              <a:t>over</a:t>
-            </a:r>
-            <a:r>
-              <a:rPr lang="pl-PL" sz="2800" dirty="0" smtClean="0">
-                <a:solidFill>
-                  <a:schemeClr val="tx1">
-                    <a:lumMod val="75000"/>
-                    <a:lumOff val="25000"/>
-                  </a:schemeClr>
-                </a:solidFill>
-                <a:latin typeface="Calibri" pitchFamily="34" charset="0"/>
-              </a:rPr>
-              <a:t> the </a:t>
-            </a:r>
-            <a:r>
-              <a:rPr lang="pl-PL" sz="2800" dirty="0" err="1" smtClean="0">
-                <a:solidFill>
-                  <a:schemeClr val="tx1">
-                    <a:lumMod val="75000"/>
-                    <a:lumOff val="25000"/>
-                  </a:schemeClr>
-                </a:solidFill>
-                <a:latin typeface="Calibri" pitchFamily="34" charset="0"/>
-              </a:rPr>
-              <a:t>cursor</a:t>
-            </a:r>
-            <a:r>
-              <a:rPr lang="pl-PL" sz="2800" dirty="0" smtClean="0">
-                <a:solidFill>
-                  <a:schemeClr val="tx1">
-                    <a:lumMod val="75000"/>
-                    <a:lumOff val="25000"/>
-                  </a:schemeClr>
-                </a:solidFill>
-                <a:latin typeface="Calibri" pitchFamily="34" charset="0"/>
-              </a:rPr>
-              <a:t> and the keyboard of a </a:t>
-            </a:r>
-            <a:r>
-              <a:rPr lang="pl-PL" sz="2800" dirty="0" err="1" smtClean="0">
-                <a:solidFill>
-                  <a:schemeClr val="tx1">
-                    <a:lumMod val="75000"/>
-                    <a:lumOff val="25000"/>
-                  </a:schemeClr>
-                </a:solidFill>
-                <a:latin typeface="Calibri" pitchFamily="34" charset="0"/>
-              </a:rPr>
-              <a:t>computer</a:t>
-            </a:r>
-            <a:r>
-              <a:rPr lang="pl-PL" sz="2800" dirty="0">
-                <a:solidFill>
-                  <a:schemeClr val="tx1">
-                    <a:lumMod val="75000"/>
-                    <a:lumOff val="25000"/>
-                  </a:schemeClr>
-                </a:solidFill>
-                <a:latin typeface="Calibri" pitchFamily="34" charset="0"/>
-              </a:rPr>
-              <a:t> </a:t>
-            </a:r>
-            <a:r>
-              <a:rPr lang="pl-PL" sz="2800" dirty="0" smtClean="0">
-                <a:solidFill>
-                  <a:schemeClr val="tx1">
-                    <a:lumMod val="75000"/>
-                    <a:lumOff val="25000"/>
-                  </a:schemeClr>
-                </a:solidFill>
-                <a:latin typeface="Calibri" pitchFamily="34" charset="0"/>
-              </a:rPr>
-              <a:t>with a WP7 </a:t>
-            </a:r>
-            <a:r>
-              <a:rPr lang="pl-PL" sz="2800" dirty="0" err="1" smtClean="0">
-                <a:solidFill>
-                  <a:schemeClr val="tx1">
-                    <a:lumMod val="75000"/>
-                    <a:lumOff val="25000"/>
-                  </a:schemeClr>
-                </a:solidFill>
-                <a:latin typeface="Calibri" pitchFamily="34" charset="0"/>
-              </a:rPr>
-              <a:t>device</a:t>
-            </a:r>
-            <a:r>
-              <a:rPr lang="pl-PL" sz="2800" dirty="0" smtClean="0">
-                <a:solidFill>
-                  <a:schemeClr val="tx1">
-                    <a:lumMod val="75000"/>
-                    <a:lumOff val="25000"/>
-                  </a:schemeClr>
-                </a:solidFill>
-                <a:latin typeface="Calibri" pitchFamily="34" charset="0"/>
-              </a:rPr>
-              <a:t>.</a:t>
-            </a:r>
+              <a:t>Project allows to take the control over the cursor and the keyboard of a computer with a WP7 device.</a:t>
+            </a:r>
+          </a:p>
+          <a:p>
             <a:endParaRPr lang="pl-PL" sz="2800" dirty="0">
               <a:solidFill>
-                <a:schemeClr val="tx1">
-                  <a:lumMod val="75000"/>
-                  <a:lumOff val="25000"/>
+                <a:schemeClr val="bg1">
+                  <a:lumMod val="85000"/>
                 </a:schemeClr>
               </a:solidFill>
               <a:latin typeface="Calibri" pitchFamily="34" charset="0"/>
             </a:endParaRPr>
           </a:p>
           <a:p>
-            <a:endParaRPr lang="pl-PL" sz="2800" dirty="0">
-              <a:solidFill>
-                <a:schemeClr val="tx1">
-                  <a:lumMod val="75000"/>
-                  <a:lumOff val="25000"/>
-                </a:schemeClr>
-              </a:solidFill>
-              <a:latin typeface="Calibri" pitchFamily="34" charset="0"/>
-            </a:endParaRPr>
-          </a:p>
-          <a:p>
-            <a:r>
-              <a:rPr lang="pl-PL" sz="2800" dirty="0" smtClean="0">
-                <a:solidFill>
-                  <a:schemeClr val="tx1">
-                    <a:lumMod val="75000"/>
-                    <a:lumOff val="25000"/>
+            <a:r>
+              <a:rPr lang="en-US" sz="2800" dirty="0" smtClean="0">
+                <a:solidFill>
+                  <a:schemeClr val="bg1">
+                    <a:lumMod val="85000"/>
                   </a:schemeClr>
                 </a:solidFill>
                 <a:latin typeface="Calibri" pitchFamily="34" charset="0"/>
               </a:rPr>
-              <a:t>Server and </a:t>
-            </a:r>
-            <a:r>
-              <a:rPr lang="pl-PL" sz="2800" dirty="0" err="1" smtClean="0">
-                <a:solidFill>
-                  <a:schemeClr val="tx1">
-                    <a:lumMod val="75000"/>
-                    <a:lumOff val="25000"/>
-                  </a:schemeClr>
-                </a:solidFill>
-                <a:latin typeface="Calibri" pitchFamily="34" charset="0"/>
-              </a:rPr>
-              <a:t>client</a:t>
-            </a:r>
-            <a:r>
-              <a:rPr lang="pl-PL" sz="2800" dirty="0" smtClean="0">
-                <a:solidFill>
-                  <a:schemeClr val="tx1">
-                    <a:lumMod val="75000"/>
-                    <a:lumOff val="25000"/>
-                  </a:schemeClr>
-                </a:solidFill>
-                <a:latin typeface="Calibri" pitchFamily="34" charset="0"/>
-              </a:rPr>
-              <a:t> </a:t>
-            </a:r>
-            <a:r>
-              <a:rPr lang="pl-PL" sz="2800" dirty="0" err="1" smtClean="0">
-                <a:solidFill>
-                  <a:schemeClr val="tx1">
-                    <a:lumMod val="75000"/>
-                    <a:lumOff val="25000"/>
-                  </a:schemeClr>
-                </a:solidFill>
-                <a:latin typeface="Calibri" pitchFamily="34" charset="0"/>
-              </a:rPr>
-              <a:t>communicate</a:t>
-            </a:r>
-            <a:r>
-              <a:rPr lang="pl-PL" sz="2800" dirty="0" smtClean="0">
-                <a:solidFill>
-                  <a:schemeClr val="tx1">
-                    <a:lumMod val="75000"/>
-                    <a:lumOff val="25000"/>
-                  </a:schemeClr>
-                </a:solidFill>
-                <a:latin typeface="Calibri" pitchFamily="34" charset="0"/>
-              </a:rPr>
-              <a:t> via </a:t>
-            </a:r>
-            <a:r>
-              <a:rPr lang="pl-PL" sz="2800" dirty="0" err="1" smtClean="0">
-                <a:solidFill>
-                  <a:schemeClr val="tx1">
-                    <a:lumMod val="75000"/>
-                    <a:lumOff val="25000"/>
-                  </a:schemeClr>
-                </a:solidFill>
-                <a:latin typeface="Calibri" pitchFamily="34" charset="0"/>
-              </a:rPr>
-              <a:t>Wi</a:t>
-            </a:r>
-            <a:r>
-              <a:rPr lang="pl-PL" sz="2800" dirty="0" smtClean="0">
-                <a:solidFill>
-                  <a:schemeClr val="tx1">
-                    <a:lumMod val="75000"/>
-                    <a:lumOff val="25000"/>
-                  </a:schemeClr>
-                </a:solidFill>
-                <a:latin typeface="Calibri" pitchFamily="34" charset="0"/>
-              </a:rPr>
-              <a:t>-Fi.</a:t>
+              <a:t>Server and client communicate via Wi-Fi.</a:t>
             </a:r>
             <a:endParaRPr lang="en-US" sz="2800" dirty="0">
               <a:solidFill>
-                <a:schemeClr val="tx1">
-                  <a:lumMod val="75000"/>
-                  <a:lumOff val="25000"/>
+                <a:schemeClr val="bg1">
+                  <a:lumMod val="85000"/>
                 </a:schemeClr>
               </a:solidFill>
               <a:latin typeface="Calibri" pitchFamily="34" charset="0"/>
@@ -5930,40 +6026,318 @@
       </p:grpSpPr>
       <p:sp>
         <p:nvSpPr>
-          <p:cNvPr id="2" name="Symbol zastępczy stopki 1"/>
-          <p:cNvSpPr>
-            <a:spLocks noGrp="1"/>
-          </p:cNvSpPr>
-          <p:nvPr>
-            <p:ph type="ftr" sz="quarter" idx="11"/>
-          </p:nvPr>
-        </p:nvSpPr>
-        <p:spPr/>
-        <p:txBody>
-          <a:bodyPr/>
+          <p:cNvPr id="2" name="pole tekstowe 1"/>
+          <p:cNvSpPr txBox="1"/>
+          <p:nvPr/>
+        </p:nvSpPr>
+        <p:spPr>
+          <a:xfrm>
+            <a:off x="762000" y="457200"/>
+            <a:ext cx="5725735" cy="830997"/>
+          </a:xfrm>
+          <a:prstGeom prst="rect">
+            <a:avLst/>
+          </a:prstGeom>
+          <a:noFill/>
+        </p:spPr>
+        <p:txBody>
+          <a:bodyPr wrap="none" rtlCol="0">
+            <a:spAutoFit/>
+          </a:bodyPr>
           <a:lstStyle/>
           <a:p>
             <a:r>
-              <a:rPr lang="en-US" dirty="0" err="1" smtClean="0"/>
-              <a:t>PCRemote</a:t>
-            </a:r>
-            <a:r>
-              <a:rPr lang="en-US" dirty="0" smtClean="0"/>
-              <a:t> ® 2012 - </a:t>
-            </a:r>
-            <a:r>
-              <a:rPr lang="en-US" dirty="0" err="1" smtClean="0"/>
-              <a:t>Kamil</a:t>
-            </a:r>
-            <a:r>
-              <a:rPr lang="en-US" dirty="0" smtClean="0"/>
+              <a:rPr lang="en-US" sz="4800" b="1" dirty="0" smtClean="0">
+                <a:solidFill>
+                  <a:schemeClr val="bg1">
+                    <a:lumMod val="85000"/>
+                  </a:schemeClr>
+                </a:solidFill>
+                <a:effectLst>
+                  <a:outerShdw blurRad="38100" dist="38100" dir="2700000" algn="tl">
+                    <a:srgbClr val="000000">
+                      <a:alpha val="43137"/>
+                    </a:srgbClr>
+                  </a:outerShdw>
+                </a:effectLst>
+              </a:rPr>
+              <a:t>Client</a:t>
+            </a:r>
+            <a:r>
+              <a:rPr lang="pl-PL" sz="4800" b="1" dirty="0" smtClean="0">
+                <a:solidFill>
+                  <a:schemeClr val="bg1">
+                    <a:lumMod val="85000"/>
+                  </a:schemeClr>
+                </a:solidFill>
+                <a:effectLst>
+                  <a:outerShdw blurRad="38100" dist="38100" dir="2700000" algn="tl">
+                    <a:srgbClr val="000000">
+                      <a:alpha val="43137"/>
+                    </a:srgbClr>
+                  </a:outerShdw>
+                </a:effectLst>
+              </a:rPr>
+              <a:t> – </a:t>
+            </a:r>
+            <a:r>
+              <a:rPr lang="pl-PL" sz="4800" b="1" dirty="0" err="1" smtClean="0">
+                <a:solidFill>
+                  <a:schemeClr val="bg1">
+                    <a:lumMod val="85000"/>
+                  </a:schemeClr>
+                </a:solidFill>
+                <a:effectLst>
+                  <a:outerShdw blurRad="38100" dist="38100" dir="2700000" algn="tl">
+                    <a:srgbClr val="000000">
+                      <a:alpha val="43137"/>
+                    </a:srgbClr>
+                  </a:outerShdw>
+                </a:effectLst>
+              </a:rPr>
+              <a:t>main</a:t>
+            </a:r>
+            <a:r>
+              <a:rPr lang="pl-PL" sz="4800" b="1" dirty="0" smtClean="0">
+                <a:solidFill>
+                  <a:schemeClr val="bg1">
+                    <a:lumMod val="85000"/>
+                  </a:schemeClr>
+                </a:solidFill>
+                <a:effectLst>
+                  <a:outerShdw blurRad="38100" dist="38100" dir="2700000" algn="tl">
+                    <a:srgbClr val="000000">
+                      <a:alpha val="43137"/>
+                    </a:srgbClr>
+                  </a:outerShdw>
+                </a:effectLst>
+              </a:rPr>
               <a:t> </a:t>
             </a:r>
             <a:r>
-              <a:rPr lang="en-US" dirty="0" err="1" smtClean="0"/>
-              <a:t>Janowski</a:t>
-            </a:r>
-            <a:endParaRPr lang="en-US" dirty="0"/>
+              <a:rPr lang="pl-PL" sz="4800" b="1" dirty="0" err="1" smtClean="0">
+                <a:solidFill>
+                  <a:schemeClr val="bg1">
+                    <a:lumMod val="85000"/>
+                  </a:schemeClr>
+                </a:solidFill>
+                <a:effectLst>
+                  <a:outerShdw blurRad="38100" dist="38100" dir="2700000" algn="tl">
+                    <a:srgbClr val="000000">
+                      <a:alpha val="43137"/>
+                    </a:srgbClr>
+                  </a:outerShdw>
+                </a:effectLst>
+              </a:rPr>
+              <a:t>window</a:t>
+            </a:r>
+            <a:endParaRPr lang="en-US" sz="4800" b="1" dirty="0">
+              <a:solidFill>
+                <a:schemeClr val="bg1">
+                  <a:lumMod val="85000"/>
+                </a:schemeClr>
+              </a:solidFill>
+              <a:effectLst>
+                <a:outerShdw blurRad="38100" dist="38100" dir="2700000" algn="tl">
+                  <a:srgbClr val="000000">
+                    <a:alpha val="43137"/>
+                  </a:srgbClr>
+                </a:outerShdw>
+              </a:effectLst>
+            </a:endParaRPr>
+          </a:p>
+        </p:txBody>
+      </p:sp>
+      <p:pic>
+        <p:nvPicPr>
+          <p:cNvPr id="1026" name="Picture 2" descr="D:\MyFiles\code\PCRemote\Documentation\graphics\wp\main2.png"/>
+          <p:cNvPicPr>
+            <a:picLocks noChangeAspect="1" noChangeArrowheads="1"/>
+          </p:cNvPicPr>
+          <p:nvPr/>
+        </p:nvPicPr>
+        <p:blipFill>
+          <a:blip r:embed="rId2">
+            <a:extLst>
+              <a:ext uri="{28A0092B-C50C-407E-A947-70E740481C1C}">
+                <a14:useLocalDpi xmlns:a14="http://schemas.microsoft.com/office/drawing/2010/main" val="0"/>
+              </a:ext>
+            </a:extLst>
+          </a:blip>
+          <a:srcRect/>
+          <a:stretch>
+            <a:fillRect/>
+          </a:stretch>
+        </p:blipFill>
+        <p:spPr bwMode="auto">
+          <a:xfrm>
+            <a:off x="2971800" y="1447800"/>
+            <a:ext cx="2819400" cy="4699000"/>
+          </a:xfrm>
+          <a:prstGeom prst="rect">
+            <a:avLst/>
+          </a:prstGeom>
+          <a:noFill/>
+          <a:extLst>
+            <a:ext uri="{909E8E84-426E-40DD-AFC4-6F175D3DCCD1}">
+              <a14:hiddenFill xmlns:a14="http://schemas.microsoft.com/office/drawing/2010/main">
+                <a:solidFill>
+                  <a:srgbClr val="FFFFFF"/>
+                </a:solidFill>
+              </a14:hiddenFill>
+            </a:ext>
+          </a:extLst>
+        </p:spPr>
+      </p:pic>
+    </p:spTree>
+    <p:extLst>
+      <p:ext uri="{BB962C8B-B14F-4D97-AF65-F5344CB8AC3E}">
+        <p14:creationId xmlns:p14="http://schemas.microsoft.com/office/powerpoint/2010/main" val="1124571814"/>
+      </p:ext>
+    </p:extLst>
+  </p:cSld>
+  <p:clrMapOvr>
+    <a:masterClrMapping/>
+  </p:clrMapOvr>
+  <p:timing>
+    <p:tnLst>
+      <p:par>
+        <p:cTn id="1" dur="indefinite" restart="never" nodeType="tmRoot"/>
+      </p:par>
+    </p:tnLst>
+  </p:timing>
+</p:sld>
+</file>
+
+<file path=ppt/slides/slide4.xml><?xml version="1.0" encoding="utf-8"?>
+<p:sld xmlns:a="http://schemas.openxmlformats.org/drawingml/2006/main" xmlns:r="http://schemas.openxmlformats.org/officeDocument/2006/relationships" xmlns:p="http://schemas.openxmlformats.org/presentationml/2006/main">
+  <p:cSld>
+    <p:spTree>
+      <p:nvGrpSpPr>
+        <p:cNvPr id="1" name=""/>
+        <p:cNvGrpSpPr/>
+        <p:nvPr/>
+      </p:nvGrpSpPr>
+      <p:grpSpPr>
+        <a:xfrm>
+          <a:off x="0" y="0"/>
+          <a:ext cx="0" cy="0"/>
+          <a:chOff x="0" y="0"/>
+          <a:chExt cx="0" cy="0"/>
+        </a:xfrm>
+      </p:grpSpPr>
+      <p:sp>
+        <p:nvSpPr>
+          <p:cNvPr id="4" name="pole tekstowe 3"/>
+          <p:cNvSpPr txBox="1"/>
+          <p:nvPr/>
+        </p:nvSpPr>
+        <p:spPr>
+          <a:xfrm>
+            <a:off x="762000" y="457200"/>
+            <a:ext cx="1658531" cy="830997"/>
+          </a:xfrm>
+          <a:prstGeom prst="rect">
+            <a:avLst/>
+          </a:prstGeom>
+          <a:noFill/>
+        </p:spPr>
+        <p:txBody>
+          <a:bodyPr wrap="none" rtlCol="0">
+            <a:spAutoFit/>
+          </a:bodyPr>
+          <a:lstStyle/>
+          <a:p>
+            <a:r>
+              <a:rPr lang="en-US" sz="4800" b="1" dirty="0" smtClean="0">
+                <a:solidFill>
+                  <a:schemeClr val="bg1">
+                    <a:lumMod val="85000"/>
+                  </a:schemeClr>
+                </a:solidFill>
+                <a:effectLst>
+                  <a:outerShdw blurRad="38100" dist="38100" dir="2700000" algn="tl">
+                    <a:srgbClr val="000000">
+                      <a:alpha val="43137"/>
+                    </a:srgbClr>
+                  </a:outerShdw>
+                </a:effectLst>
+              </a:rPr>
+              <a:t>Client</a:t>
+            </a:r>
+            <a:endParaRPr lang="en-US" sz="4800" b="1" dirty="0">
+              <a:solidFill>
+                <a:schemeClr val="bg1">
+                  <a:lumMod val="85000"/>
+                </a:schemeClr>
+              </a:solidFill>
+              <a:effectLst>
+                <a:outerShdw blurRad="38100" dist="38100" dir="2700000" algn="tl">
+                  <a:srgbClr val="000000">
+                    <a:alpha val="43137"/>
+                  </a:srgbClr>
+                </a:outerShdw>
+              </a:effectLst>
+            </a:endParaRPr>
+          </a:p>
+        </p:txBody>
+      </p:sp>
+      <p:sp>
+        <p:nvSpPr>
+          <p:cNvPr id="5" name="pole tekstowe 4"/>
+          <p:cNvSpPr txBox="1"/>
+          <p:nvPr/>
+        </p:nvSpPr>
+        <p:spPr>
+          <a:xfrm>
+            <a:off x="762000" y="1752600"/>
+            <a:ext cx="7924800" cy="3539430"/>
+          </a:xfrm>
+          <a:prstGeom prst="rect">
+            <a:avLst/>
+          </a:prstGeom>
+          <a:noFill/>
+        </p:spPr>
+        <p:txBody>
+          <a:bodyPr wrap="square" rtlCol="0">
+            <a:spAutoFit/>
+          </a:bodyPr>
+          <a:lstStyle/>
+          <a:p>
+            <a:r>
+              <a:rPr lang="en-US" sz="2800" dirty="0" smtClean="0">
+                <a:solidFill>
+                  <a:schemeClr val="bg1">
+                    <a:lumMod val="85000"/>
+                  </a:schemeClr>
+                </a:solidFill>
+                <a:latin typeface="Calibri" pitchFamily="34" charset="0"/>
+              </a:rPr>
+              <a:t>Clients use multiple different transport protocols to communicate with the server depending on what kind of message they want to send.</a:t>
+            </a:r>
+          </a:p>
+          <a:p>
+            <a:endParaRPr lang="en-US" sz="2800" dirty="0" smtClean="0">
+              <a:solidFill>
+                <a:schemeClr val="bg1">
+                  <a:lumMod val="85000"/>
+                </a:schemeClr>
+              </a:solidFill>
+              <a:latin typeface="Calibri" pitchFamily="34" charset="0"/>
+            </a:endParaRPr>
+          </a:p>
+          <a:p>
+            <a:r>
+              <a:rPr lang="en-US" sz="2800" dirty="0" smtClean="0">
+                <a:solidFill>
+                  <a:schemeClr val="bg1">
+                    <a:lumMod val="85000"/>
+                  </a:schemeClr>
+                </a:solidFill>
+                <a:latin typeface="Calibri" pitchFamily="34" charset="0"/>
+              </a:rPr>
+              <a:t>At first client needs to establish TCP session with server that will be used to send keyboard events as well as receive live updates that might be implemented in the future.</a:t>
+            </a:r>
           </a:p>
         </p:txBody>
       </p:sp>
@@ -5977,13 +6351,1881 @@
   <p:clrMapOvr>
     <a:masterClrMapping/>
   </p:clrMapOvr>
+  <p:timing>
+    <p:tnLst>
+      <p:par>
+        <p:cTn id="1" dur="indefinite" restart="never" nodeType="tmRoot"/>
+      </p:par>
+    </p:tnLst>
+  </p:timing>
+</p:sld>
+</file>
+
+<file path=ppt/slides/slide5.xml><?xml version="1.0" encoding="utf-8"?>
+<p:sld xmlns:a="http://schemas.openxmlformats.org/drawingml/2006/main" xmlns:r="http://schemas.openxmlformats.org/officeDocument/2006/relationships" xmlns:p="http://schemas.openxmlformats.org/presentationml/2006/main">
+  <p:cSld>
+    <p:spTree>
+      <p:nvGrpSpPr>
+        <p:cNvPr id="1" name=""/>
+        <p:cNvGrpSpPr/>
+        <p:nvPr/>
+      </p:nvGrpSpPr>
+      <p:grpSpPr>
+        <a:xfrm>
+          <a:off x="0" y="0"/>
+          <a:ext cx="0" cy="0"/>
+          <a:chOff x="0" y="0"/>
+          <a:chExt cx="0" cy="0"/>
+        </a:xfrm>
+      </p:grpSpPr>
+      <p:sp>
+        <p:nvSpPr>
+          <p:cNvPr id="2" name="pole tekstowe 1"/>
+          <p:cNvSpPr txBox="1"/>
+          <p:nvPr/>
+        </p:nvSpPr>
+        <p:spPr>
+          <a:xfrm>
+            <a:off x="762000" y="457200"/>
+            <a:ext cx="6033575" cy="1569660"/>
+          </a:xfrm>
+          <a:prstGeom prst="rect">
+            <a:avLst/>
+          </a:prstGeom>
+          <a:noFill/>
+        </p:spPr>
+        <p:txBody>
+          <a:bodyPr wrap="none" rtlCol="0">
+            <a:spAutoFit/>
+          </a:bodyPr>
+          <a:lstStyle/>
+          <a:p>
+            <a:r>
+              <a:rPr lang="pl-PL" sz="4800" b="1" dirty="0" smtClean="0">
+                <a:solidFill>
+                  <a:schemeClr val="bg1">
+                    <a:lumMod val="85000"/>
+                  </a:schemeClr>
+                </a:solidFill>
+                <a:effectLst>
+                  <a:outerShdw blurRad="38100" dist="38100" dir="2700000" algn="tl">
+                    <a:srgbClr val="000000">
+                      <a:alpha val="43137"/>
+                    </a:srgbClr>
+                  </a:outerShdw>
+                </a:effectLst>
+              </a:rPr>
+              <a:t>Client </a:t>
+            </a:r>
+          </a:p>
+          <a:p>
+            <a:r>
+              <a:rPr lang="en-US" sz="4800" b="1" dirty="0" smtClean="0">
+                <a:solidFill>
+                  <a:schemeClr val="bg1">
+                    <a:lumMod val="85000"/>
+                  </a:schemeClr>
+                </a:solidFill>
+                <a:effectLst>
+                  <a:outerShdw blurRad="38100" dist="38100" dir="2700000" algn="tl">
+                    <a:srgbClr val="000000">
+                      <a:alpha val="43137"/>
+                    </a:srgbClr>
+                  </a:outerShdw>
+                </a:effectLst>
+              </a:rPr>
+              <a:t>Technology differences</a:t>
+            </a:r>
+            <a:endParaRPr lang="en-US" sz="4800" b="1" dirty="0">
+              <a:solidFill>
+                <a:schemeClr val="bg1">
+                  <a:lumMod val="85000"/>
+                </a:schemeClr>
+              </a:solidFill>
+              <a:effectLst>
+                <a:outerShdw blurRad="38100" dist="38100" dir="2700000" algn="tl">
+                  <a:srgbClr val="000000">
+                    <a:alpha val="43137"/>
+                  </a:srgbClr>
+                </a:outerShdw>
+              </a:effectLst>
+            </a:endParaRPr>
+          </a:p>
+        </p:txBody>
+      </p:sp>
+      <p:pic>
+        <p:nvPicPr>
+          <p:cNvPr id="1026" name="Picture 2" descr="D:\MyFiles\code\PCRemote\Documentation\graphics\wp\newserver.png"/>
+          <p:cNvPicPr>
+            <a:picLocks noChangeAspect="1" noChangeArrowheads="1"/>
+          </p:cNvPicPr>
+          <p:nvPr/>
+        </p:nvPicPr>
+        <p:blipFill>
+          <a:blip r:embed="rId2" cstate="print">
+            <a:extLst>
+              <a:ext uri="{28A0092B-C50C-407E-A947-70E740481C1C}">
+                <a14:useLocalDpi xmlns:a14="http://schemas.microsoft.com/office/drawing/2010/main" val="0"/>
+              </a:ext>
+            </a:extLst>
+          </a:blip>
+          <a:srcRect/>
+          <a:stretch>
+            <a:fillRect/>
+          </a:stretch>
+        </p:blipFill>
+        <p:spPr bwMode="auto">
+          <a:xfrm>
+            <a:off x="533400" y="2590800"/>
+            <a:ext cx="1924050" cy="3206750"/>
+          </a:xfrm>
+          <a:prstGeom prst="rect">
+            <a:avLst/>
+          </a:prstGeom>
+          <a:noFill/>
+          <a:extLst>
+            <a:ext uri="{909E8E84-426E-40DD-AFC4-6F175D3DCCD1}">
+              <a14:hiddenFill xmlns:a14="http://schemas.microsoft.com/office/drawing/2010/main">
+                <a:solidFill>
+                  <a:srgbClr val="FFFFFF"/>
+                </a:solidFill>
+              </a14:hiddenFill>
+            </a:ext>
+          </a:extLst>
+        </p:spPr>
+      </p:pic>
+      <p:pic>
+        <p:nvPicPr>
+          <p:cNvPr id="1027" name="Picture 3" descr="D:\MyFiles\code\PCRemote\Documentation\graphics\wp\servers.png"/>
+          <p:cNvPicPr>
+            <a:picLocks noChangeAspect="1" noChangeArrowheads="1"/>
+          </p:cNvPicPr>
+          <p:nvPr/>
+        </p:nvPicPr>
+        <p:blipFill>
+          <a:blip r:embed="rId3" cstate="print">
+            <a:extLst>
+              <a:ext uri="{28A0092B-C50C-407E-A947-70E740481C1C}">
+                <a14:useLocalDpi xmlns:a14="http://schemas.microsoft.com/office/drawing/2010/main" val="0"/>
+              </a:ext>
+            </a:extLst>
+          </a:blip>
+          <a:srcRect/>
+          <a:stretch>
+            <a:fillRect/>
+          </a:stretch>
+        </p:blipFill>
+        <p:spPr bwMode="auto">
+          <a:xfrm>
+            <a:off x="3463119" y="2622645"/>
+            <a:ext cx="1925726" cy="3209544"/>
+          </a:xfrm>
+          <a:prstGeom prst="rect">
+            <a:avLst/>
+          </a:prstGeom>
+          <a:noFill/>
+          <a:extLst>
+            <a:ext uri="{909E8E84-426E-40DD-AFC4-6F175D3DCCD1}">
+              <a14:hiddenFill xmlns:a14="http://schemas.microsoft.com/office/drawing/2010/main">
+                <a:solidFill>
+                  <a:srgbClr val="FFFFFF"/>
+                </a:solidFill>
+              </a14:hiddenFill>
+            </a:ext>
+          </a:extLst>
+        </p:spPr>
+      </p:pic>
+      <p:pic>
+        <p:nvPicPr>
+          <p:cNvPr id="1028" name="Picture 4" descr="D:\MyFiles\code\PCRemote\Documentation\graphics\wp\menu.png"/>
+          <p:cNvPicPr>
+            <a:picLocks noChangeAspect="1" noChangeArrowheads="1"/>
+          </p:cNvPicPr>
+          <p:nvPr/>
+        </p:nvPicPr>
+        <p:blipFill>
+          <a:blip r:embed="rId4" cstate="print">
+            <a:extLst>
+              <a:ext uri="{28A0092B-C50C-407E-A947-70E740481C1C}">
+                <a14:useLocalDpi xmlns:a14="http://schemas.microsoft.com/office/drawing/2010/main" val="0"/>
+              </a:ext>
+            </a:extLst>
+          </a:blip>
+          <a:srcRect/>
+          <a:stretch>
+            <a:fillRect/>
+          </a:stretch>
+        </p:blipFill>
+        <p:spPr bwMode="auto">
+          <a:xfrm>
+            <a:off x="6400800" y="2590800"/>
+            <a:ext cx="1925727" cy="3209544"/>
+          </a:xfrm>
+          <a:prstGeom prst="rect">
+            <a:avLst/>
+          </a:prstGeom>
+          <a:noFill/>
+          <a:extLst>
+            <a:ext uri="{909E8E84-426E-40DD-AFC4-6F175D3DCCD1}">
+              <a14:hiddenFill xmlns:a14="http://schemas.microsoft.com/office/drawing/2010/main">
+                <a:solidFill>
+                  <a:srgbClr val="FFFFFF"/>
+                </a:solidFill>
+              </a14:hiddenFill>
+            </a:ext>
+          </a:extLst>
+        </p:spPr>
+      </p:pic>
+    </p:spTree>
+    <p:extLst>
+      <p:ext uri="{BB962C8B-B14F-4D97-AF65-F5344CB8AC3E}">
+        <p14:creationId xmlns:p14="http://schemas.microsoft.com/office/powerpoint/2010/main" val="1339055274"/>
+      </p:ext>
+    </p:extLst>
+  </p:cSld>
+  <p:clrMapOvr>
+    <a:masterClrMapping/>
+  </p:clrMapOvr>
+  <p:timing>
+    <p:tnLst>
+      <p:par>
+        <p:cTn id="1" dur="indefinite" restart="never" nodeType="tmRoot"/>
+      </p:par>
+    </p:tnLst>
+  </p:timing>
+</p:sld>
+</file>
+
+<file path=ppt/slides/slide6.xml><?xml version="1.0" encoding="utf-8"?>
+<p:sld xmlns:a="http://schemas.openxmlformats.org/drawingml/2006/main" xmlns:r="http://schemas.openxmlformats.org/officeDocument/2006/relationships" xmlns:p="http://schemas.openxmlformats.org/presentationml/2006/main">
+  <p:cSld>
+    <p:spTree>
+      <p:nvGrpSpPr>
+        <p:cNvPr id="1" name=""/>
+        <p:cNvGrpSpPr/>
+        <p:nvPr/>
+      </p:nvGrpSpPr>
+      <p:grpSpPr>
+        <a:xfrm>
+          <a:off x="0" y="0"/>
+          <a:ext cx="0" cy="0"/>
+          <a:chOff x="0" y="0"/>
+          <a:chExt cx="0" cy="0"/>
+        </a:xfrm>
+      </p:grpSpPr>
+      <p:sp>
+        <p:nvSpPr>
+          <p:cNvPr id="2" name="pole tekstowe 1"/>
+          <p:cNvSpPr txBox="1"/>
+          <p:nvPr/>
+        </p:nvSpPr>
+        <p:spPr>
+          <a:xfrm>
+            <a:off x="762000" y="457200"/>
+            <a:ext cx="1658531" cy="830997"/>
+          </a:xfrm>
+          <a:prstGeom prst="rect">
+            <a:avLst/>
+          </a:prstGeom>
+          <a:noFill/>
+        </p:spPr>
+        <p:txBody>
+          <a:bodyPr wrap="none" rtlCol="0">
+            <a:spAutoFit/>
+          </a:bodyPr>
+          <a:lstStyle/>
+          <a:p>
+            <a:r>
+              <a:rPr lang="pl-PL" sz="4800" b="1" dirty="0" smtClean="0">
+                <a:solidFill>
+                  <a:schemeClr val="bg1">
+                    <a:lumMod val="85000"/>
+                  </a:schemeClr>
+                </a:solidFill>
+                <a:effectLst>
+                  <a:outerShdw blurRad="38100" dist="38100" dir="2700000" algn="tl">
+                    <a:srgbClr val="000000">
+                      <a:alpha val="43137"/>
+                    </a:srgbClr>
+                  </a:outerShdw>
+                </a:effectLst>
+              </a:rPr>
+              <a:t>Client</a:t>
+            </a:r>
+            <a:endParaRPr lang="en-US" sz="4800" b="1" dirty="0">
+              <a:solidFill>
+                <a:schemeClr val="bg1">
+                  <a:lumMod val="85000"/>
+                </a:schemeClr>
+              </a:solidFill>
+              <a:effectLst>
+                <a:outerShdw blurRad="38100" dist="38100" dir="2700000" algn="tl">
+                  <a:srgbClr val="000000">
+                    <a:alpha val="43137"/>
+                  </a:srgbClr>
+                </a:outerShdw>
+              </a:effectLst>
+            </a:endParaRPr>
+          </a:p>
+        </p:txBody>
+      </p:sp>
+      <p:pic>
+        <p:nvPicPr>
+          <p:cNvPr id="2050" name="Picture 2" descr="D:\MyFiles\code\PCRemote\Documentation\graphics\android\new.png"/>
+          <p:cNvPicPr>
+            <a:picLocks noChangeAspect="1" noChangeArrowheads="1"/>
+          </p:cNvPicPr>
+          <p:nvPr/>
+        </p:nvPicPr>
+        <p:blipFill>
+          <a:blip r:embed="rId2" cstate="print">
+            <a:extLst>
+              <a:ext uri="{28A0092B-C50C-407E-A947-70E740481C1C}">
+                <a14:useLocalDpi xmlns:a14="http://schemas.microsoft.com/office/drawing/2010/main" val="0"/>
+              </a:ext>
+            </a:extLst>
+          </a:blip>
+          <a:srcRect/>
+          <a:stretch>
+            <a:fillRect/>
+          </a:stretch>
+        </p:blipFill>
+        <p:spPr bwMode="auto">
+          <a:xfrm>
+            <a:off x="783609" y="1288197"/>
+            <a:ext cx="1524765" cy="2517733"/>
+          </a:xfrm>
+          <a:prstGeom prst="rect">
+            <a:avLst/>
+          </a:prstGeom>
+          <a:noFill/>
+          <a:extLst>
+            <a:ext uri="{909E8E84-426E-40DD-AFC4-6F175D3DCCD1}">
+              <a14:hiddenFill xmlns:a14="http://schemas.microsoft.com/office/drawing/2010/main">
+                <a:solidFill>
+                  <a:srgbClr val="FFFFFF"/>
+                </a:solidFill>
+              </a14:hiddenFill>
+            </a:ext>
+          </a:extLst>
+        </p:spPr>
+      </p:pic>
+      <p:pic>
+        <p:nvPicPr>
+          <p:cNvPr id="2051" name="Picture 3" descr="D:\MyFiles\code\PCRemote\Documentation\graphics\android\serverlistmenu2.png"/>
+          <p:cNvPicPr>
+            <a:picLocks noChangeAspect="1" noChangeArrowheads="1"/>
+          </p:cNvPicPr>
+          <p:nvPr/>
+        </p:nvPicPr>
+        <p:blipFill>
+          <a:blip r:embed="rId3" cstate="print">
+            <a:extLst>
+              <a:ext uri="{28A0092B-C50C-407E-A947-70E740481C1C}">
+                <a14:useLocalDpi xmlns:a14="http://schemas.microsoft.com/office/drawing/2010/main" val="0"/>
+              </a:ext>
+            </a:extLst>
+          </a:blip>
+          <a:srcRect/>
+          <a:stretch>
+            <a:fillRect/>
+          </a:stretch>
+        </p:blipFill>
+        <p:spPr bwMode="auto">
+          <a:xfrm>
+            <a:off x="5713369" y="1314355"/>
+            <a:ext cx="1527261" cy="2514600"/>
+          </a:xfrm>
+          <a:prstGeom prst="rect">
+            <a:avLst/>
+          </a:prstGeom>
+          <a:noFill/>
+          <a:extLst>
+            <a:ext uri="{909E8E84-426E-40DD-AFC4-6F175D3DCCD1}">
+              <a14:hiddenFill xmlns:a14="http://schemas.microsoft.com/office/drawing/2010/main">
+                <a:solidFill>
+                  <a:srgbClr val="FFFFFF"/>
+                </a:solidFill>
+              </a14:hiddenFill>
+            </a:ext>
+          </a:extLst>
+        </p:spPr>
+      </p:pic>
+      <p:pic>
+        <p:nvPicPr>
+          <p:cNvPr id="2052" name="Picture 4" descr="D:\MyFiles\code\PCRemote\Documentation\graphics\android\serverlist.png"/>
+          <p:cNvPicPr>
+            <a:picLocks noChangeAspect="1" noChangeArrowheads="1"/>
+          </p:cNvPicPr>
+          <p:nvPr/>
+        </p:nvPicPr>
+        <p:blipFill>
+          <a:blip r:embed="rId4" cstate="print">
+            <a:extLst>
+              <a:ext uri="{28A0092B-C50C-407E-A947-70E740481C1C}">
+                <a14:useLocalDpi xmlns:a14="http://schemas.microsoft.com/office/drawing/2010/main" val="0"/>
+              </a:ext>
+            </a:extLst>
+          </a:blip>
+          <a:srcRect/>
+          <a:stretch>
+            <a:fillRect/>
+          </a:stretch>
+        </p:blipFill>
+        <p:spPr bwMode="auto">
+          <a:xfrm>
+            <a:off x="3124200" y="1314355"/>
+            <a:ext cx="1532926" cy="2514600"/>
+          </a:xfrm>
+          <a:prstGeom prst="rect">
+            <a:avLst/>
+          </a:prstGeom>
+          <a:noFill/>
+          <a:extLst>
+            <a:ext uri="{909E8E84-426E-40DD-AFC4-6F175D3DCCD1}">
+              <a14:hiddenFill xmlns:a14="http://schemas.microsoft.com/office/drawing/2010/main">
+                <a:solidFill>
+                  <a:srgbClr val="FFFFFF"/>
+                </a:solidFill>
+              </a14:hiddenFill>
+            </a:ext>
+          </a:extLst>
+        </p:spPr>
+      </p:pic>
+      <p:pic>
+        <p:nvPicPr>
+          <p:cNvPr id="2053" name="Picture 5" descr="D:\MyFiles\code\PCRemote\Documentation\graphics\android\serverlistinfo.png"/>
+          <p:cNvPicPr>
+            <a:picLocks noChangeAspect="1" noChangeArrowheads="1"/>
+          </p:cNvPicPr>
+          <p:nvPr/>
+        </p:nvPicPr>
+        <p:blipFill>
+          <a:blip r:embed="rId5" cstate="print">
+            <a:extLst>
+              <a:ext uri="{28A0092B-C50C-407E-A947-70E740481C1C}">
+                <a14:useLocalDpi xmlns:a14="http://schemas.microsoft.com/office/drawing/2010/main" val="0"/>
+              </a:ext>
+            </a:extLst>
+          </a:blip>
+          <a:srcRect/>
+          <a:stretch>
+            <a:fillRect/>
+          </a:stretch>
+        </p:blipFill>
+        <p:spPr bwMode="auto">
+          <a:xfrm>
+            <a:off x="4657126" y="3870466"/>
+            <a:ext cx="1527261" cy="2514600"/>
+          </a:xfrm>
+          <a:prstGeom prst="rect">
+            <a:avLst/>
+          </a:prstGeom>
+          <a:noFill/>
+          <a:extLst>
+            <a:ext uri="{909E8E84-426E-40DD-AFC4-6F175D3DCCD1}">
+              <a14:hiddenFill xmlns:a14="http://schemas.microsoft.com/office/drawing/2010/main">
+                <a:solidFill>
+                  <a:srgbClr val="FFFFFF"/>
+                </a:solidFill>
+              </a14:hiddenFill>
+            </a:ext>
+          </a:extLst>
+        </p:spPr>
+      </p:pic>
+      <p:pic>
+        <p:nvPicPr>
+          <p:cNvPr id="2054" name="Picture 6" descr="D:\MyFiles\code\PCRemote\Documentation\graphics\android\serverlistmenu.png"/>
+          <p:cNvPicPr>
+            <a:picLocks noChangeAspect="1" noChangeArrowheads="1"/>
+          </p:cNvPicPr>
+          <p:nvPr/>
+        </p:nvPicPr>
+        <p:blipFill>
+          <a:blip r:embed="rId6" cstate="print">
+            <a:extLst>
+              <a:ext uri="{28A0092B-C50C-407E-A947-70E740481C1C}">
+                <a14:useLocalDpi xmlns:a14="http://schemas.microsoft.com/office/drawing/2010/main" val="0"/>
+              </a:ext>
+            </a:extLst>
+          </a:blip>
+          <a:srcRect/>
+          <a:stretch>
+            <a:fillRect/>
+          </a:stretch>
+        </p:blipFill>
+        <p:spPr bwMode="auto">
+          <a:xfrm>
+            <a:off x="2133600" y="3870466"/>
+            <a:ext cx="1514155" cy="2514600"/>
+          </a:xfrm>
+          <a:prstGeom prst="rect">
+            <a:avLst/>
+          </a:prstGeom>
+          <a:noFill/>
+          <a:extLst>
+            <a:ext uri="{909E8E84-426E-40DD-AFC4-6F175D3DCCD1}">
+              <a14:hiddenFill xmlns:a14="http://schemas.microsoft.com/office/drawing/2010/main">
+                <a:solidFill>
+                  <a:srgbClr val="FFFFFF"/>
+                </a:solidFill>
+              </a14:hiddenFill>
+            </a:ext>
+          </a:extLst>
+        </p:spPr>
+      </p:pic>
+    </p:spTree>
+    <p:extLst>
+      <p:ext uri="{BB962C8B-B14F-4D97-AF65-F5344CB8AC3E}">
+        <p14:creationId xmlns:p14="http://schemas.microsoft.com/office/powerpoint/2010/main" val="2813542290"/>
+      </p:ext>
+    </p:extLst>
+  </p:cSld>
+  <p:clrMapOvr>
+    <a:masterClrMapping/>
+  </p:clrMapOvr>
+  <p:timing>
+    <p:tnLst>
+      <p:par>
+        <p:cTn id="1" dur="indefinite" restart="never" nodeType="tmRoot"/>
+      </p:par>
+    </p:tnLst>
+  </p:timing>
+</p:sld>
+</file>
+
+<file path=ppt/slides/slide7.xml><?xml version="1.0" encoding="utf-8"?>
+<p:sld xmlns:a="http://schemas.openxmlformats.org/drawingml/2006/main" xmlns:r="http://schemas.openxmlformats.org/officeDocument/2006/relationships" xmlns:p="http://schemas.openxmlformats.org/presentationml/2006/main">
+  <p:cSld>
+    <p:spTree>
+      <p:nvGrpSpPr>
+        <p:cNvPr id="1" name=""/>
+        <p:cNvGrpSpPr/>
+        <p:nvPr/>
+      </p:nvGrpSpPr>
+      <p:grpSpPr>
+        <a:xfrm>
+          <a:off x="0" y="0"/>
+          <a:ext cx="0" cy="0"/>
+          <a:chOff x="0" y="0"/>
+          <a:chExt cx="0" cy="0"/>
+        </a:xfrm>
+      </p:grpSpPr>
+      <p:sp>
+        <p:nvSpPr>
+          <p:cNvPr id="2" name="pole tekstowe 1"/>
+          <p:cNvSpPr txBox="1"/>
+          <p:nvPr/>
+        </p:nvSpPr>
+        <p:spPr>
+          <a:xfrm>
+            <a:off x="762000" y="457200"/>
+            <a:ext cx="5542351" cy="830997"/>
+          </a:xfrm>
+          <a:prstGeom prst="rect">
+            <a:avLst/>
+          </a:prstGeom>
+          <a:noFill/>
+        </p:spPr>
+        <p:txBody>
+          <a:bodyPr wrap="none" rtlCol="0">
+            <a:spAutoFit/>
+          </a:bodyPr>
+          <a:lstStyle/>
+          <a:p>
+            <a:r>
+              <a:rPr lang="pl-PL" sz="4800" b="1" dirty="0" smtClean="0">
+                <a:solidFill>
+                  <a:schemeClr val="bg1">
+                    <a:lumMod val="85000"/>
+                  </a:schemeClr>
+                </a:solidFill>
+                <a:effectLst>
+                  <a:outerShdw blurRad="38100" dist="38100" dir="2700000" algn="tl">
+                    <a:srgbClr val="000000">
+                      <a:alpha val="43137"/>
+                    </a:srgbClr>
+                  </a:outerShdw>
+                </a:effectLst>
+              </a:rPr>
+              <a:t>Client – </a:t>
+            </a:r>
+            <a:r>
+              <a:rPr lang="pl-PL" sz="4800" b="1" dirty="0" err="1" smtClean="0">
+                <a:solidFill>
+                  <a:schemeClr val="bg1">
+                    <a:lumMod val="85000"/>
+                  </a:schemeClr>
+                </a:solidFill>
+                <a:effectLst>
+                  <a:outerShdw blurRad="38100" dist="38100" dir="2700000" algn="tl">
+                    <a:srgbClr val="000000">
+                      <a:alpha val="43137"/>
+                    </a:srgbClr>
+                  </a:outerShdw>
+                </a:effectLst>
+              </a:rPr>
+              <a:t>how</a:t>
+            </a:r>
+            <a:r>
+              <a:rPr lang="pl-PL" sz="4800" b="1" dirty="0" smtClean="0">
+                <a:solidFill>
+                  <a:schemeClr val="bg1">
+                    <a:lumMod val="85000"/>
+                  </a:schemeClr>
+                </a:solidFill>
+                <a:effectLst>
+                  <a:outerShdw blurRad="38100" dist="38100" dir="2700000" algn="tl">
+                    <a:srgbClr val="000000">
+                      <a:alpha val="43137"/>
+                    </a:srgbClr>
+                  </a:outerShdw>
+                </a:effectLst>
+              </a:rPr>
+              <a:t> </a:t>
+            </a:r>
+            <a:r>
+              <a:rPr lang="pl-PL" sz="4800" b="1" dirty="0" err="1" smtClean="0">
+                <a:solidFill>
+                  <a:schemeClr val="bg1">
+                    <a:lumMod val="85000"/>
+                  </a:schemeClr>
+                </a:solidFill>
+                <a:effectLst>
+                  <a:outerShdw blurRad="38100" dist="38100" dir="2700000" algn="tl">
+                    <a:srgbClr val="000000">
+                      <a:alpha val="43137"/>
+                    </a:srgbClr>
+                  </a:outerShdw>
+                </a:effectLst>
+              </a:rPr>
+              <a:t>it</a:t>
+            </a:r>
+            <a:r>
+              <a:rPr lang="pl-PL" sz="4800" b="1" dirty="0" smtClean="0">
+                <a:solidFill>
+                  <a:schemeClr val="bg1">
+                    <a:lumMod val="85000"/>
+                  </a:schemeClr>
+                </a:solidFill>
+                <a:effectLst>
+                  <a:outerShdw blurRad="38100" dist="38100" dir="2700000" algn="tl">
+                    <a:srgbClr val="000000">
+                      <a:alpha val="43137"/>
+                    </a:srgbClr>
+                  </a:outerShdw>
+                </a:effectLst>
+              </a:rPr>
+              <a:t> </a:t>
+            </a:r>
+            <a:r>
+              <a:rPr lang="pl-PL" sz="4800" b="1" dirty="0" err="1" smtClean="0">
+                <a:solidFill>
+                  <a:schemeClr val="bg1">
+                    <a:lumMod val="85000"/>
+                  </a:schemeClr>
+                </a:solidFill>
+                <a:effectLst>
+                  <a:outerShdw blurRad="38100" dist="38100" dir="2700000" algn="tl">
+                    <a:srgbClr val="000000">
+                      <a:alpha val="43137"/>
+                    </a:srgbClr>
+                  </a:outerShdw>
+                </a:effectLst>
+              </a:rPr>
+              <a:t>works</a:t>
+            </a:r>
+            <a:endParaRPr lang="en-US" sz="4800" b="1" dirty="0">
+              <a:solidFill>
+                <a:schemeClr val="bg1">
+                  <a:lumMod val="85000"/>
+                </a:schemeClr>
+              </a:solidFill>
+              <a:effectLst>
+                <a:outerShdw blurRad="38100" dist="38100" dir="2700000" algn="tl">
+                  <a:srgbClr val="000000">
+                    <a:alpha val="43137"/>
+                  </a:srgbClr>
+                </a:outerShdw>
+              </a:effectLst>
+            </a:endParaRPr>
+          </a:p>
+        </p:txBody>
+      </p:sp>
+      <p:sp>
+        <p:nvSpPr>
+          <p:cNvPr id="3" name="Prostokąt zaokrąglony 2"/>
+          <p:cNvSpPr/>
+          <p:nvPr/>
+        </p:nvSpPr>
+        <p:spPr>
+          <a:xfrm>
+            <a:off x="6934200" y="1839128"/>
+            <a:ext cx="1447800" cy="4279392"/>
+          </a:xfrm>
+          <a:prstGeom prst="roundRect">
+            <a:avLst/>
+          </a:prstGeom>
+        </p:spPr>
+        <p:style>
+          <a:lnRef idx="1">
+            <a:schemeClr val="accent1"/>
+          </a:lnRef>
+          <a:fillRef idx="2">
+            <a:schemeClr val="accent1"/>
+          </a:fillRef>
+          <a:effectRef idx="1">
+            <a:schemeClr val="accent1"/>
+          </a:effectRef>
+          <a:fontRef idx="minor">
+            <a:schemeClr val="dk1"/>
+          </a:fontRef>
+        </p:style>
+        <p:txBody>
+          <a:bodyPr rtlCol="0" anchor="ctr"/>
+          <a:lstStyle/>
+          <a:p>
+            <a:pPr algn="ctr"/>
+            <a:r>
+              <a:rPr lang="en-US" dirty="0" smtClean="0"/>
+              <a:t>Sending thread</a:t>
+            </a:r>
+          </a:p>
+        </p:txBody>
+      </p:sp>
+      <p:grpSp>
+        <p:nvGrpSpPr>
+          <p:cNvPr id="24" name="Grupa 23"/>
+          <p:cNvGrpSpPr/>
+          <p:nvPr/>
+        </p:nvGrpSpPr>
+        <p:grpSpPr>
+          <a:xfrm>
+            <a:off x="3543300" y="1885665"/>
+            <a:ext cx="2476500" cy="4274403"/>
+            <a:chOff x="3456734" y="1885665"/>
+            <a:chExt cx="2476500" cy="4274403"/>
+          </a:xfrm>
+        </p:grpSpPr>
+        <p:sp>
+          <p:nvSpPr>
+            <p:cNvPr id="5" name="Prostokąt zaokrąglony 4"/>
+            <p:cNvSpPr/>
+            <p:nvPr/>
+          </p:nvSpPr>
+          <p:spPr>
+            <a:xfrm>
+              <a:off x="3456734" y="1885665"/>
+              <a:ext cx="2476500" cy="4274403"/>
+            </a:xfrm>
+            <a:prstGeom prst="roundRect">
+              <a:avLst/>
+            </a:prstGeom>
+          </p:spPr>
+          <p:style>
+            <a:lnRef idx="1">
+              <a:schemeClr val="accent6"/>
+            </a:lnRef>
+            <a:fillRef idx="2">
+              <a:schemeClr val="accent6"/>
+            </a:fillRef>
+            <a:effectRef idx="1">
+              <a:schemeClr val="accent6"/>
+            </a:effectRef>
+            <a:fontRef idx="minor">
+              <a:schemeClr val="dk1"/>
+            </a:fontRef>
+          </p:style>
+          <p:txBody>
+            <a:bodyPr rtlCol="0" anchor="ctr"/>
+            <a:lstStyle/>
+            <a:p>
+              <a:pPr algn="ctr"/>
+              <a:endParaRPr lang="en-US"/>
+            </a:p>
+          </p:txBody>
+        </p:sp>
+        <p:sp>
+          <p:nvSpPr>
+            <p:cNvPr id="6" name="Prostokąt zaokrąglony 5"/>
+            <p:cNvSpPr/>
+            <p:nvPr/>
+          </p:nvSpPr>
+          <p:spPr>
+            <a:xfrm>
+              <a:off x="3960661" y="2336229"/>
+              <a:ext cx="1468645" cy="1180722"/>
+            </a:xfrm>
+            <a:prstGeom prst="roundRect">
+              <a:avLst/>
+            </a:prstGeom>
+          </p:spPr>
+          <p:style>
+            <a:lnRef idx="3">
+              <a:schemeClr val="lt1"/>
+            </a:lnRef>
+            <a:fillRef idx="1">
+              <a:schemeClr val="accent6"/>
+            </a:fillRef>
+            <a:effectRef idx="1">
+              <a:schemeClr val="accent6"/>
+            </a:effectRef>
+            <a:fontRef idx="minor">
+              <a:schemeClr val="lt1"/>
+            </a:fontRef>
+          </p:style>
+          <p:txBody>
+            <a:bodyPr rtlCol="0" anchor="ctr"/>
+            <a:lstStyle/>
+            <a:p>
+              <a:pPr algn="ctr"/>
+              <a:r>
+                <a:rPr lang="en-US" dirty="0" smtClean="0"/>
+                <a:t>Mouse movement</a:t>
+              </a:r>
+              <a:endParaRPr lang="en-US" dirty="0"/>
+            </a:p>
+          </p:txBody>
+        </p:sp>
+        <p:sp>
+          <p:nvSpPr>
+            <p:cNvPr id="8" name="pole tekstowe 7"/>
+            <p:cNvSpPr txBox="1"/>
+            <p:nvPr/>
+          </p:nvSpPr>
+          <p:spPr>
+            <a:xfrm>
+              <a:off x="3783276" y="1885665"/>
+              <a:ext cx="2037453" cy="369332"/>
+            </a:xfrm>
+            <a:prstGeom prst="rect">
+              <a:avLst/>
+            </a:prstGeom>
+            <a:noFill/>
+          </p:spPr>
+          <p:txBody>
+            <a:bodyPr wrap="square" rtlCol="0">
+              <a:spAutoFit/>
+            </a:bodyPr>
+            <a:lstStyle/>
+            <a:p>
+              <a:r>
+                <a:rPr lang="en-US" dirty="0" smtClean="0"/>
+                <a:t>Network Message</a:t>
+              </a:r>
+              <a:endParaRPr lang="en-US" dirty="0"/>
+            </a:p>
+          </p:txBody>
+        </p:sp>
+        <p:sp>
+          <p:nvSpPr>
+            <p:cNvPr id="9" name="Prostokąt zaokrąglony 8"/>
+            <p:cNvSpPr/>
+            <p:nvPr/>
+          </p:nvSpPr>
+          <p:spPr>
+            <a:xfrm>
+              <a:off x="3950425" y="3673900"/>
+              <a:ext cx="1468645" cy="1180722"/>
+            </a:xfrm>
+            <a:prstGeom prst="roundRect">
+              <a:avLst/>
+            </a:prstGeom>
+          </p:spPr>
+          <p:style>
+            <a:lnRef idx="3">
+              <a:schemeClr val="lt1"/>
+            </a:lnRef>
+            <a:fillRef idx="1">
+              <a:schemeClr val="accent6"/>
+            </a:fillRef>
+            <a:effectRef idx="1">
+              <a:schemeClr val="accent6"/>
+            </a:effectRef>
+            <a:fontRef idx="minor">
+              <a:schemeClr val="lt1"/>
+            </a:fontRef>
+          </p:style>
+          <p:txBody>
+            <a:bodyPr rtlCol="0" anchor="ctr"/>
+            <a:lstStyle/>
+            <a:p>
+              <a:pPr algn="ctr"/>
+              <a:r>
+                <a:rPr lang="en-US" dirty="0" smtClean="0"/>
+                <a:t>Key pressed</a:t>
+              </a:r>
+              <a:endParaRPr lang="en-US" dirty="0"/>
+            </a:p>
+          </p:txBody>
+        </p:sp>
+        <p:sp>
+          <p:nvSpPr>
+            <p:cNvPr id="14" name="pole tekstowe 13"/>
+            <p:cNvSpPr txBox="1"/>
+            <p:nvPr/>
+          </p:nvSpPr>
+          <p:spPr>
+            <a:xfrm>
+              <a:off x="3898634" y="5036024"/>
+              <a:ext cx="1572225" cy="923330"/>
+            </a:xfrm>
+            <a:prstGeom prst="rect">
+              <a:avLst/>
+            </a:prstGeom>
+            <a:noFill/>
+          </p:spPr>
+          <p:txBody>
+            <a:bodyPr wrap="square" rtlCol="0">
+              <a:spAutoFit/>
+            </a:bodyPr>
+            <a:lstStyle/>
+            <a:p>
+              <a:pPr algn="ctr"/>
+              <a:r>
+                <a:rPr lang="en-US" dirty="0" smtClean="0"/>
+                <a:t>Protocol type</a:t>
+              </a:r>
+            </a:p>
+            <a:p>
+              <a:pPr algn="ctr"/>
+              <a:r>
+                <a:rPr lang="en-US" dirty="0" smtClean="0"/>
+                <a:t>Address</a:t>
+              </a:r>
+            </a:p>
+            <a:p>
+              <a:pPr algn="ctr"/>
+              <a:r>
+                <a:rPr lang="en-US" dirty="0" smtClean="0"/>
+                <a:t>Message</a:t>
+              </a:r>
+              <a:endParaRPr lang="en-US" dirty="0"/>
+            </a:p>
+          </p:txBody>
+        </p:sp>
+      </p:grpSp>
+      <p:grpSp>
+        <p:nvGrpSpPr>
+          <p:cNvPr id="23" name="Grupa 22"/>
+          <p:cNvGrpSpPr/>
+          <p:nvPr/>
+        </p:nvGrpSpPr>
+        <p:grpSpPr>
+          <a:xfrm>
+            <a:off x="457200" y="1905000"/>
+            <a:ext cx="2133600" cy="4274403"/>
+            <a:chOff x="457200" y="1905000"/>
+            <a:chExt cx="2133600" cy="4274403"/>
+          </a:xfrm>
+        </p:grpSpPr>
+        <p:sp>
+          <p:nvSpPr>
+            <p:cNvPr id="12" name="Prostokąt zaokrąglony 11"/>
+            <p:cNvSpPr/>
+            <p:nvPr/>
+          </p:nvSpPr>
+          <p:spPr>
+            <a:xfrm>
+              <a:off x="457200" y="1905000"/>
+              <a:ext cx="2133600" cy="4274403"/>
+            </a:xfrm>
+            <a:prstGeom prst="roundRect">
+              <a:avLst/>
+            </a:prstGeom>
+          </p:spPr>
+          <p:style>
+            <a:lnRef idx="1">
+              <a:schemeClr val="accent3"/>
+            </a:lnRef>
+            <a:fillRef idx="2">
+              <a:schemeClr val="accent3"/>
+            </a:fillRef>
+            <a:effectRef idx="1">
+              <a:schemeClr val="accent3"/>
+            </a:effectRef>
+            <a:fontRef idx="minor">
+              <a:schemeClr val="dk1"/>
+            </a:fontRef>
+          </p:style>
+          <p:txBody>
+            <a:bodyPr rtlCol="0" anchor="ctr"/>
+            <a:lstStyle/>
+            <a:p>
+              <a:pPr algn="ctr"/>
+              <a:endParaRPr lang="en-US"/>
+            </a:p>
+          </p:txBody>
+        </p:sp>
+        <p:sp>
+          <p:nvSpPr>
+            <p:cNvPr id="13" name="pole tekstowe 12"/>
+            <p:cNvSpPr txBox="1"/>
+            <p:nvPr/>
+          </p:nvSpPr>
+          <p:spPr>
+            <a:xfrm>
+              <a:off x="876300" y="1966897"/>
+              <a:ext cx="1295400" cy="369332"/>
+            </a:xfrm>
+            <a:prstGeom prst="rect">
+              <a:avLst/>
+            </a:prstGeom>
+            <a:noFill/>
+          </p:spPr>
+          <p:txBody>
+            <a:bodyPr wrap="square" rtlCol="0">
+              <a:spAutoFit/>
+            </a:bodyPr>
+            <a:lstStyle/>
+            <a:p>
+              <a:r>
+                <a:rPr lang="en-US" dirty="0" smtClean="0"/>
+                <a:t>Controllers</a:t>
+              </a:r>
+              <a:endParaRPr lang="en-US" dirty="0"/>
+            </a:p>
+          </p:txBody>
+        </p:sp>
+        <p:sp>
+          <p:nvSpPr>
+            <p:cNvPr id="15" name="Prostokąt zaokrąglony 14"/>
+            <p:cNvSpPr/>
+            <p:nvPr/>
+          </p:nvSpPr>
+          <p:spPr>
+            <a:xfrm>
+              <a:off x="838769" y="2331288"/>
+              <a:ext cx="1485900" cy="1185663"/>
+            </a:xfrm>
+            <a:prstGeom prst="roundRect">
+              <a:avLst/>
+            </a:prstGeom>
+          </p:spPr>
+          <p:style>
+            <a:lnRef idx="3">
+              <a:schemeClr val="lt1"/>
+            </a:lnRef>
+            <a:fillRef idx="1">
+              <a:schemeClr val="accent3"/>
+            </a:fillRef>
+            <a:effectRef idx="1">
+              <a:schemeClr val="accent3"/>
+            </a:effectRef>
+            <a:fontRef idx="minor">
+              <a:schemeClr val="lt1"/>
+            </a:fontRef>
+          </p:style>
+          <p:txBody>
+            <a:bodyPr rtlCol="0" anchor="ctr"/>
+            <a:lstStyle/>
+            <a:p>
+              <a:pPr algn="ctr"/>
+              <a:r>
+                <a:rPr lang="pl-PL" dirty="0" smtClean="0"/>
+                <a:t>Mouse </a:t>
+              </a:r>
+              <a:r>
+                <a:rPr lang="pl-PL" dirty="0" err="1" smtClean="0"/>
+                <a:t>controller</a:t>
+              </a:r>
+              <a:endParaRPr lang="en-US" dirty="0"/>
+            </a:p>
+          </p:txBody>
+        </p:sp>
+        <p:sp>
+          <p:nvSpPr>
+            <p:cNvPr id="17" name="Prostokąt zaokrąglony 16"/>
+            <p:cNvSpPr/>
+            <p:nvPr/>
+          </p:nvSpPr>
+          <p:spPr>
+            <a:xfrm>
+              <a:off x="818297" y="3633701"/>
+              <a:ext cx="1485900" cy="1185663"/>
+            </a:xfrm>
+            <a:prstGeom prst="roundRect">
+              <a:avLst/>
+            </a:prstGeom>
+          </p:spPr>
+          <p:style>
+            <a:lnRef idx="3">
+              <a:schemeClr val="lt1"/>
+            </a:lnRef>
+            <a:fillRef idx="1">
+              <a:schemeClr val="accent3"/>
+            </a:fillRef>
+            <a:effectRef idx="1">
+              <a:schemeClr val="accent3"/>
+            </a:effectRef>
+            <a:fontRef idx="minor">
+              <a:schemeClr val="lt1"/>
+            </a:fontRef>
+          </p:style>
+          <p:txBody>
+            <a:bodyPr rtlCol="0" anchor="ctr"/>
+            <a:lstStyle/>
+            <a:p>
+              <a:pPr algn="ctr"/>
+              <a:r>
+                <a:rPr lang="pl-PL" dirty="0" smtClean="0"/>
+                <a:t>Keyboard </a:t>
+              </a:r>
+              <a:r>
+                <a:rPr lang="pl-PL" dirty="0" err="1" smtClean="0"/>
+                <a:t>controller</a:t>
+              </a:r>
+              <a:endParaRPr lang="en-US" dirty="0"/>
+            </a:p>
+          </p:txBody>
+        </p:sp>
+        <p:sp>
+          <p:nvSpPr>
+            <p:cNvPr id="18" name="Elipsa 17"/>
+            <p:cNvSpPr/>
+            <p:nvPr/>
+          </p:nvSpPr>
+          <p:spPr>
+            <a:xfrm>
+              <a:off x="1524000" y="4945323"/>
+              <a:ext cx="181402" cy="181402"/>
+            </a:xfrm>
+            <a:prstGeom prst="ellipse">
+              <a:avLst/>
+            </a:prstGeom>
+          </p:spPr>
+          <p:style>
+            <a:lnRef idx="3">
+              <a:schemeClr val="lt1"/>
+            </a:lnRef>
+            <a:fillRef idx="1">
+              <a:schemeClr val="accent3"/>
+            </a:fillRef>
+            <a:effectRef idx="1">
+              <a:schemeClr val="accent3"/>
+            </a:effectRef>
+            <a:fontRef idx="minor">
+              <a:schemeClr val="lt1"/>
+            </a:fontRef>
+          </p:style>
+          <p:txBody>
+            <a:bodyPr rtlCol="0" anchor="ctr"/>
+            <a:lstStyle/>
+            <a:p>
+              <a:pPr algn="ctr"/>
+              <a:endParaRPr lang="en-US"/>
+            </a:p>
+          </p:txBody>
+        </p:sp>
+        <p:sp>
+          <p:nvSpPr>
+            <p:cNvPr id="19" name="Elipsa 18"/>
+            <p:cNvSpPr/>
+            <p:nvPr/>
+          </p:nvSpPr>
+          <p:spPr>
+            <a:xfrm>
+              <a:off x="1527048" y="5349240"/>
+              <a:ext cx="181402" cy="181402"/>
+            </a:xfrm>
+            <a:prstGeom prst="ellipse">
+              <a:avLst/>
+            </a:prstGeom>
+          </p:spPr>
+          <p:style>
+            <a:lnRef idx="3">
+              <a:schemeClr val="lt1"/>
+            </a:lnRef>
+            <a:fillRef idx="1">
+              <a:schemeClr val="accent3"/>
+            </a:fillRef>
+            <a:effectRef idx="1">
+              <a:schemeClr val="accent3"/>
+            </a:effectRef>
+            <a:fontRef idx="minor">
+              <a:schemeClr val="lt1"/>
+            </a:fontRef>
+          </p:style>
+          <p:txBody>
+            <a:bodyPr rtlCol="0" anchor="ctr"/>
+            <a:lstStyle/>
+            <a:p>
+              <a:pPr algn="ctr"/>
+              <a:endParaRPr lang="en-US"/>
+            </a:p>
+          </p:txBody>
+        </p:sp>
+        <p:sp>
+          <p:nvSpPr>
+            <p:cNvPr id="20" name="Elipsa 19"/>
+            <p:cNvSpPr/>
+            <p:nvPr/>
+          </p:nvSpPr>
+          <p:spPr>
+            <a:xfrm>
+              <a:off x="1527048" y="5777952"/>
+              <a:ext cx="181402" cy="181402"/>
+            </a:xfrm>
+            <a:prstGeom prst="ellipse">
+              <a:avLst/>
+            </a:prstGeom>
+          </p:spPr>
+          <p:style>
+            <a:lnRef idx="3">
+              <a:schemeClr val="lt1"/>
+            </a:lnRef>
+            <a:fillRef idx="1">
+              <a:schemeClr val="accent3"/>
+            </a:fillRef>
+            <a:effectRef idx="1">
+              <a:schemeClr val="accent3"/>
+            </a:effectRef>
+            <a:fontRef idx="minor">
+              <a:schemeClr val="lt1"/>
+            </a:fontRef>
+          </p:style>
+          <p:txBody>
+            <a:bodyPr rtlCol="0" anchor="ctr"/>
+            <a:lstStyle/>
+            <a:p>
+              <a:pPr algn="ctr"/>
+              <a:endParaRPr lang="en-US"/>
+            </a:p>
+          </p:txBody>
+        </p:sp>
+      </p:grpSp>
+      <p:sp>
+        <p:nvSpPr>
+          <p:cNvPr id="21" name="Strzałka w prawo 20"/>
+          <p:cNvSpPr/>
+          <p:nvPr/>
+        </p:nvSpPr>
+        <p:spPr>
+          <a:xfrm>
+            <a:off x="2746154" y="3536286"/>
+            <a:ext cx="762000" cy="690246"/>
+          </a:xfrm>
+          <a:prstGeom prst="rightArrow">
+            <a:avLst/>
+          </a:prstGeom>
+        </p:spPr>
+        <p:style>
+          <a:lnRef idx="0">
+            <a:schemeClr val="accent3"/>
+          </a:lnRef>
+          <a:fillRef idx="3">
+            <a:schemeClr val="accent3"/>
+          </a:fillRef>
+          <a:effectRef idx="3">
+            <a:schemeClr val="accent3"/>
+          </a:effectRef>
+          <a:fontRef idx="minor">
+            <a:schemeClr val="lt1"/>
+          </a:fontRef>
+        </p:style>
+        <p:txBody>
+          <a:bodyPr rtlCol="0" anchor="ctr"/>
+          <a:lstStyle/>
+          <a:p>
+            <a:pPr algn="ctr"/>
+            <a:endParaRPr lang="en-US"/>
+          </a:p>
+        </p:txBody>
+      </p:sp>
+      <p:sp>
+        <p:nvSpPr>
+          <p:cNvPr id="22" name="Strzałka w prawo 21"/>
+          <p:cNvSpPr/>
+          <p:nvPr/>
+        </p:nvSpPr>
+        <p:spPr>
+          <a:xfrm>
+            <a:off x="6096000" y="3538728"/>
+            <a:ext cx="762000" cy="690246"/>
+          </a:xfrm>
+          <a:prstGeom prst="rightArrow">
+            <a:avLst/>
+          </a:prstGeom>
+        </p:spPr>
+        <p:style>
+          <a:lnRef idx="0">
+            <a:schemeClr val="accent3"/>
+          </a:lnRef>
+          <a:fillRef idx="3">
+            <a:schemeClr val="accent3"/>
+          </a:fillRef>
+          <a:effectRef idx="3">
+            <a:schemeClr val="accent3"/>
+          </a:effectRef>
+          <a:fontRef idx="minor">
+            <a:schemeClr val="lt1"/>
+          </a:fontRef>
+        </p:style>
+        <p:txBody>
+          <a:bodyPr rtlCol="0" anchor="ctr"/>
+          <a:lstStyle/>
+          <a:p>
+            <a:pPr algn="ctr"/>
+            <a:endParaRPr lang="en-US"/>
+          </a:p>
+        </p:txBody>
+      </p:sp>
+    </p:spTree>
+    <p:extLst>
+      <p:ext uri="{BB962C8B-B14F-4D97-AF65-F5344CB8AC3E}">
+        <p14:creationId xmlns:p14="http://schemas.microsoft.com/office/powerpoint/2010/main" val="1545215608"/>
+      </p:ext>
+    </p:extLst>
+  </p:cSld>
+  <p:clrMapOvr>
+    <a:masterClrMapping/>
+  </p:clrMapOvr>
+  <p:timing>
+    <p:tnLst>
+      <p:par>
+        <p:cTn id="1" dur="indefinite" restart="never" nodeType="tmRoot"/>
+      </p:par>
+    </p:tnLst>
+  </p:timing>
+</p:sld>
+</file>
+
+<file path=ppt/slides/slide8.xml><?xml version="1.0" encoding="utf-8"?>
+<p:sld xmlns:a="http://schemas.openxmlformats.org/drawingml/2006/main" xmlns:r="http://schemas.openxmlformats.org/officeDocument/2006/relationships" xmlns:p="http://schemas.openxmlformats.org/presentationml/2006/main">
+  <p:cSld>
+    <p:spTree>
+      <p:nvGrpSpPr>
+        <p:cNvPr id="1" name=""/>
+        <p:cNvGrpSpPr/>
+        <p:nvPr/>
+      </p:nvGrpSpPr>
+      <p:grpSpPr>
+        <a:xfrm>
+          <a:off x="0" y="0"/>
+          <a:ext cx="0" cy="0"/>
+          <a:chOff x="0" y="0"/>
+          <a:chExt cx="0" cy="0"/>
+        </a:xfrm>
+      </p:grpSpPr>
+      <p:sp>
+        <p:nvSpPr>
+          <p:cNvPr id="2" name="pole tekstowe 1"/>
+          <p:cNvSpPr txBox="1"/>
+          <p:nvPr/>
+        </p:nvSpPr>
+        <p:spPr>
+          <a:xfrm>
+            <a:off x="762000" y="457200"/>
+            <a:ext cx="4977068" cy="830997"/>
+          </a:xfrm>
+          <a:prstGeom prst="rect">
+            <a:avLst/>
+          </a:prstGeom>
+          <a:noFill/>
+        </p:spPr>
+        <p:txBody>
+          <a:bodyPr wrap="none" rtlCol="0">
+            <a:spAutoFit/>
+          </a:bodyPr>
+          <a:lstStyle/>
+          <a:p>
+            <a:r>
+              <a:rPr lang="en-US" sz="4800" b="1" dirty="0" smtClean="0">
+                <a:solidFill>
+                  <a:schemeClr val="bg1">
+                    <a:lumMod val="85000"/>
+                  </a:schemeClr>
+                </a:solidFill>
+                <a:effectLst>
+                  <a:outerShdw blurRad="38100" dist="38100" dir="2700000" algn="tl">
+                    <a:srgbClr val="000000">
+                      <a:alpha val="43137"/>
+                    </a:srgbClr>
+                  </a:outerShdw>
+                </a:effectLst>
+              </a:rPr>
+              <a:t>Client – controllers</a:t>
+            </a:r>
+            <a:endParaRPr lang="en-US" sz="4800" b="1" dirty="0">
+              <a:solidFill>
+                <a:schemeClr val="bg1">
+                  <a:lumMod val="85000"/>
+                </a:schemeClr>
+              </a:solidFill>
+              <a:effectLst>
+                <a:outerShdw blurRad="38100" dist="38100" dir="2700000" algn="tl">
+                  <a:srgbClr val="000000">
+                    <a:alpha val="43137"/>
+                  </a:srgbClr>
+                </a:outerShdw>
+              </a:effectLst>
+            </a:endParaRPr>
+          </a:p>
+        </p:txBody>
+      </p:sp>
+      <p:pic>
+        <p:nvPicPr>
+          <p:cNvPr id="2050" name="Picture 2" descr="D:\MyFiles\code\PCRemote\Documentation\graphics\wp\cursor2.png"/>
+          <p:cNvPicPr>
+            <a:picLocks noChangeAspect="1" noChangeArrowheads="1"/>
+          </p:cNvPicPr>
+          <p:nvPr/>
+        </p:nvPicPr>
+        <p:blipFill>
+          <a:blip r:embed="rId2">
+            <a:extLst>
+              <a:ext uri="{28A0092B-C50C-407E-A947-70E740481C1C}">
+                <a14:useLocalDpi xmlns:a14="http://schemas.microsoft.com/office/drawing/2010/main" val="0"/>
+              </a:ext>
+            </a:extLst>
+          </a:blip>
+          <a:srcRect/>
+          <a:stretch>
+            <a:fillRect/>
+          </a:stretch>
+        </p:blipFill>
+        <p:spPr bwMode="auto">
+          <a:xfrm>
+            <a:off x="152400" y="2002631"/>
+            <a:ext cx="2535237" cy="4225395"/>
+          </a:xfrm>
+          <a:prstGeom prst="rect">
+            <a:avLst/>
+          </a:prstGeom>
+          <a:noFill/>
+          <a:extLst>
+            <a:ext uri="{909E8E84-426E-40DD-AFC4-6F175D3DCCD1}">
+              <a14:hiddenFill xmlns:a14="http://schemas.microsoft.com/office/drawing/2010/main">
+                <a:solidFill>
+                  <a:srgbClr val="FFFFFF"/>
+                </a:solidFill>
+              </a14:hiddenFill>
+            </a:ext>
+          </a:extLst>
+        </p:spPr>
+      </p:pic>
+      <p:pic>
+        <p:nvPicPr>
+          <p:cNvPr id="2051" name="Picture 3" descr="D:\MyFiles\code\PCRemote\Documentation\graphics\wp\cursor3.png"/>
+          <p:cNvPicPr>
+            <a:picLocks noChangeAspect="1" noChangeArrowheads="1"/>
+          </p:cNvPicPr>
+          <p:nvPr/>
+        </p:nvPicPr>
+        <p:blipFill>
+          <a:blip r:embed="rId3">
+            <a:extLst>
+              <a:ext uri="{28A0092B-C50C-407E-A947-70E740481C1C}">
+                <a14:useLocalDpi xmlns:a14="http://schemas.microsoft.com/office/drawing/2010/main" val="0"/>
+              </a:ext>
+            </a:extLst>
+          </a:blip>
+          <a:srcRect/>
+          <a:stretch>
+            <a:fillRect/>
+          </a:stretch>
+        </p:blipFill>
+        <p:spPr bwMode="auto">
+          <a:xfrm>
+            <a:off x="3255963" y="2002631"/>
+            <a:ext cx="2535237" cy="4225395"/>
+          </a:xfrm>
+          <a:prstGeom prst="rect">
+            <a:avLst/>
+          </a:prstGeom>
+          <a:noFill/>
+          <a:extLst>
+            <a:ext uri="{909E8E84-426E-40DD-AFC4-6F175D3DCCD1}">
+              <a14:hiddenFill xmlns:a14="http://schemas.microsoft.com/office/drawing/2010/main">
+                <a:solidFill>
+                  <a:srgbClr val="FFFFFF"/>
+                </a:solidFill>
+              </a14:hiddenFill>
+            </a:ext>
+          </a:extLst>
+        </p:spPr>
+      </p:pic>
+      <p:pic>
+        <p:nvPicPr>
+          <p:cNvPr id="2052" name="Picture 4" descr="D:\MyFiles\code\PCRemote\Documentation\graphics\wp\media.png"/>
+          <p:cNvPicPr>
+            <a:picLocks noChangeAspect="1" noChangeArrowheads="1"/>
+          </p:cNvPicPr>
+          <p:nvPr/>
+        </p:nvPicPr>
+        <p:blipFill>
+          <a:blip r:embed="rId4">
+            <a:extLst>
+              <a:ext uri="{28A0092B-C50C-407E-A947-70E740481C1C}">
+                <a14:useLocalDpi xmlns:a14="http://schemas.microsoft.com/office/drawing/2010/main" val="0"/>
+              </a:ext>
+            </a:extLst>
+          </a:blip>
+          <a:srcRect/>
+          <a:stretch>
+            <a:fillRect/>
+          </a:stretch>
+        </p:blipFill>
+        <p:spPr bwMode="auto">
+          <a:xfrm>
+            <a:off x="6310630" y="2002631"/>
+            <a:ext cx="2535237" cy="4225395"/>
+          </a:xfrm>
+          <a:prstGeom prst="rect">
+            <a:avLst/>
+          </a:prstGeom>
+          <a:noFill/>
+          <a:extLst>
+            <a:ext uri="{909E8E84-426E-40DD-AFC4-6F175D3DCCD1}">
+              <a14:hiddenFill xmlns:a14="http://schemas.microsoft.com/office/drawing/2010/main">
+                <a:solidFill>
+                  <a:srgbClr val="FFFFFF"/>
+                </a:solidFill>
+              </a14:hiddenFill>
+            </a:ext>
+          </a:extLst>
+        </p:spPr>
+      </p:pic>
+    </p:spTree>
+    <p:extLst>
+      <p:ext uri="{BB962C8B-B14F-4D97-AF65-F5344CB8AC3E}">
+        <p14:creationId xmlns:p14="http://schemas.microsoft.com/office/powerpoint/2010/main" val="3110837611"/>
+      </p:ext>
+    </p:extLst>
+  </p:cSld>
+  <p:clrMapOvr>
+    <a:masterClrMapping/>
+  </p:clrMapOvr>
+  <p:timing>
+    <p:tnLst>
+      <p:par>
+        <p:cTn id="1" dur="indefinite" restart="never" nodeType="tmRoot"/>
+      </p:par>
+    </p:tnLst>
+  </p:timing>
+</p:sld>
+</file>
+
+<file path=ppt/slides/slide9.xml><?xml version="1.0" encoding="utf-8"?>
+<p:sld xmlns:a="http://schemas.openxmlformats.org/drawingml/2006/main" xmlns:r="http://schemas.openxmlformats.org/officeDocument/2006/relationships" xmlns:p="http://schemas.openxmlformats.org/presentationml/2006/main">
+  <p:cSld>
+    <p:spTree>
+      <p:nvGrpSpPr>
+        <p:cNvPr id="1" name=""/>
+        <p:cNvGrpSpPr/>
+        <p:nvPr/>
+      </p:nvGrpSpPr>
+      <p:grpSpPr>
+        <a:xfrm>
+          <a:off x="0" y="0"/>
+          <a:ext cx="0" cy="0"/>
+          <a:chOff x="0" y="0"/>
+          <a:chExt cx="0" cy="0"/>
+        </a:xfrm>
+      </p:grpSpPr>
+      <p:pic>
+        <p:nvPicPr>
+          <p:cNvPr id="2" name="Picture 3" descr="D:\MyFiles\code\PCRemote\Documentation\graphics\wp\cursor3.png"/>
+          <p:cNvPicPr>
+            <a:picLocks noChangeAspect="1" noChangeArrowheads="1"/>
+          </p:cNvPicPr>
+          <p:nvPr/>
+        </p:nvPicPr>
+        <p:blipFill>
+          <a:blip r:embed="rId2">
+            <a:extLst>
+              <a:ext uri="{28A0092B-C50C-407E-A947-70E740481C1C}">
+                <a14:useLocalDpi xmlns:a14="http://schemas.microsoft.com/office/drawing/2010/main" val="0"/>
+              </a:ext>
+            </a:extLst>
+          </a:blip>
+          <a:srcRect/>
+          <a:stretch>
+            <a:fillRect/>
+          </a:stretch>
+        </p:blipFill>
+        <p:spPr bwMode="auto">
+          <a:xfrm>
+            <a:off x="6248400" y="2026860"/>
+            <a:ext cx="2535237" cy="4225395"/>
+          </a:xfrm>
+          <a:prstGeom prst="rect">
+            <a:avLst/>
+          </a:prstGeom>
+          <a:noFill/>
+          <a:extLst>
+            <a:ext uri="{909E8E84-426E-40DD-AFC4-6F175D3DCCD1}">
+              <a14:hiddenFill xmlns:a14="http://schemas.microsoft.com/office/drawing/2010/main">
+                <a:solidFill>
+                  <a:srgbClr val="FFFFFF"/>
+                </a:solidFill>
+              </a14:hiddenFill>
+            </a:ext>
+          </a:extLst>
+        </p:spPr>
+      </p:pic>
+      <p:sp>
+        <p:nvSpPr>
+          <p:cNvPr id="3" name="pole tekstowe 2"/>
+          <p:cNvSpPr txBox="1"/>
+          <p:nvPr/>
+        </p:nvSpPr>
+        <p:spPr>
+          <a:xfrm>
+            <a:off x="762000" y="457200"/>
+            <a:ext cx="6527428" cy="1569660"/>
+          </a:xfrm>
+          <a:prstGeom prst="rect">
+            <a:avLst/>
+          </a:prstGeom>
+          <a:noFill/>
+        </p:spPr>
+        <p:txBody>
+          <a:bodyPr wrap="none" rtlCol="0">
+            <a:spAutoFit/>
+          </a:bodyPr>
+          <a:lstStyle/>
+          <a:p>
+            <a:r>
+              <a:rPr lang="pl-PL" sz="4800" b="1" dirty="0" smtClean="0">
+                <a:solidFill>
+                  <a:schemeClr val="bg1">
+                    <a:lumMod val="85000"/>
+                  </a:schemeClr>
+                </a:solidFill>
+                <a:effectLst>
+                  <a:outerShdw blurRad="38100" dist="38100" dir="2700000" algn="tl">
+                    <a:srgbClr val="000000">
+                      <a:alpha val="43137"/>
+                    </a:srgbClr>
+                  </a:outerShdw>
+                </a:effectLst>
+              </a:rPr>
+              <a:t>Client</a:t>
+            </a:r>
+          </a:p>
+          <a:p>
+            <a:r>
+              <a:rPr lang="pl-PL" sz="4800" b="1" dirty="0" smtClean="0">
+                <a:solidFill>
+                  <a:schemeClr val="bg1">
+                    <a:lumMod val="85000"/>
+                  </a:schemeClr>
+                </a:solidFill>
+                <a:effectLst>
+                  <a:outerShdw blurRad="38100" dist="38100" dir="2700000" algn="tl">
+                    <a:srgbClr val="000000">
+                      <a:alpha val="43137"/>
+                    </a:srgbClr>
+                  </a:outerShdw>
+                </a:effectLst>
+              </a:rPr>
+              <a:t>Using soft</a:t>
+            </a:r>
+            <a:r>
+              <a:rPr lang="pl-PL" sz="4800" b="1" dirty="0" smtClean="0">
+                <a:solidFill>
+                  <a:schemeClr val="bg1">
+                    <a:lumMod val="85000"/>
+                  </a:schemeClr>
+                </a:solidFill>
+                <a:effectLst>
+                  <a:outerShdw blurRad="38100" dist="38100" dir="2700000" algn="tl">
+                    <a:srgbClr val="000000">
+                      <a:alpha val="43137"/>
+                    </a:srgbClr>
+                  </a:outerShdw>
+                </a:effectLst>
+              </a:rPr>
+              <a:t>ware keyboard</a:t>
+            </a:r>
+            <a:endParaRPr lang="en-US" sz="4800" b="1" dirty="0">
+              <a:solidFill>
+                <a:schemeClr val="bg1">
+                  <a:lumMod val="85000"/>
+                </a:schemeClr>
+              </a:solidFill>
+              <a:effectLst>
+                <a:outerShdw blurRad="38100" dist="38100" dir="2700000" algn="tl">
+                  <a:srgbClr val="000000">
+                    <a:alpha val="43137"/>
+                  </a:srgbClr>
+                </a:outerShdw>
+              </a:effectLst>
+            </a:endParaRPr>
+          </a:p>
+        </p:txBody>
+      </p:sp>
+      <p:sp>
+        <p:nvSpPr>
+          <p:cNvPr id="5" name="pole tekstowe 4"/>
+          <p:cNvSpPr txBox="1"/>
+          <p:nvPr/>
+        </p:nvSpPr>
+        <p:spPr>
+          <a:xfrm>
+            <a:off x="762000" y="2026860"/>
+            <a:ext cx="5334000" cy="3785652"/>
+          </a:xfrm>
+          <a:prstGeom prst="rect">
+            <a:avLst/>
+          </a:prstGeom>
+          <a:noFill/>
+        </p:spPr>
+        <p:txBody>
+          <a:bodyPr wrap="square" rtlCol="0">
+            <a:spAutoFit/>
+          </a:bodyPr>
+          <a:lstStyle/>
+          <a:p>
+            <a:r>
+              <a:rPr lang="en-US" sz="2400" dirty="0" smtClean="0">
+                <a:solidFill>
+                  <a:schemeClr val="bg1">
+                    <a:lumMod val="85000"/>
+                  </a:schemeClr>
+                </a:solidFill>
+              </a:rPr>
+              <a:t>Both in Android and Windows Phone 7 you can easily show </a:t>
+            </a:r>
+            <a:r>
+              <a:rPr lang="pl-PL" sz="2400" dirty="0" smtClean="0">
+                <a:solidFill>
+                  <a:schemeClr val="bg1">
+                    <a:lumMod val="85000"/>
+                  </a:schemeClr>
+                </a:solidFill>
+              </a:rPr>
+              <a:t>the </a:t>
+            </a:r>
+            <a:r>
+              <a:rPr lang="en-US" sz="2400" dirty="0" smtClean="0">
+                <a:solidFill>
+                  <a:schemeClr val="bg1">
+                    <a:lumMod val="85000"/>
+                  </a:schemeClr>
+                </a:solidFill>
+              </a:rPr>
+              <a:t>software</a:t>
+            </a:r>
+            <a:r>
+              <a:rPr lang="pl-PL" sz="2400" dirty="0" smtClean="0">
+                <a:solidFill>
+                  <a:schemeClr val="bg1">
+                    <a:lumMod val="85000"/>
+                  </a:schemeClr>
+                </a:solidFill>
+              </a:rPr>
+              <a:t> </a:t>
+            </a:r>
+            <a:r>
+              <a:rPr lang="en-US" sz="2400" dirty="0" smtClean="0">
+                <a:solidFill>
+                  <a:schemeClr val="bg1">
+                    <a:lumMod val="85000"/>
+                  </a:schemeClr>
+                </a:solidFill>
+              </a:rPr>
+              <a:t>keyboard</a:t>
+            </a:r>
+            <a:r>
+              <a:rPr lang="pl-PL" sz="2400" dirty="0" smtClean="0">
+                <a:solidFill>
+                  <a:schemeClr val="bg1">
+                    <a:lumMod val="85000"/>
+                  </a:schemeClr>
+                </a:solidFill>
+              </a:rPr>
+              <a:t> by</a:t>
+            </a:r>
+            <a:r>
+              <a:rPr lang="en-US" sz="2400" dirty="0" smtClean="0">
+                <a:solidFill>
+                  <a:schemeClr val="bg1">
+                    <a:lumMod val="85000"/>
+                  </a:schemeClr>
+                </a:solidFill>
+              </a:rPr>
+              <a:t> calling one method, but there is no way to capture </a:t>
+            </a:r>
+            <a:r>
+              <a:rPr lang="pl-PL" sz="2400" dirty="0" smtClean="0">
+                <a:solidFill>
+                  <a:schemeClr val="bg1">
+                    <a:lumMod val="85000"/>
+                  </a:schemeClr>
+                </a:solidFill>
+              </a:rPr>
+              <a:t>the</a:t>
+            </a:r>
+            <a:r>
+              <a:rPr lang="en-US" sz="2400" dirty="0" smtClean="0">
+                <a:solidFill>
+                  <a:schemeClr val="bg1">
+                    <a:lumMod val="85000"/>
+                  </a:schemeClr>
+                </a:solidFill>
+              </a:rPr>
+              <a:t> input. </a:t>
+            </a:r>
+          </a:p>
+          <a:p>
+            <a:endParaRPr lang="en-US" sz="2400" dirty="0" smtClean="0">
+              <a:solidFill>
+                <a:schemeClr val="bg1">
+                  <a:lumMod val="85000"/>
+                </a:schemeClr>
+              </a:solidFill>
+            </a:endParaRPr>
+          </a:p>
+          <a:p>
+            <a:r>
+              <a:rPr lang="en-US" sz="2400" dirty="0" smtClean="0">
+                <a:solidFill>
+                  <a:schemeClr val="bg1">
+                    <a:lumMod val="85000"/>
+                  </a:schemeClr>
+                </a:solidFill>
+              </a:rPr>
+              <a:t>The easiest way then is to create a separate control/view that accepts keyboard input, hide it from the user and put a button that sets focus on the control/view</a:t>
+            </a:r>
+            <a:r>
+              <a:rPr lang="pl-PL" sz="2400" dirty="0" smtClean="0">
+                <a:solidFill>
+                  <a:schemeClr val="bg1">
+                    <a:lumMod val="85000"/>
+                  </a:schemeClr>
+                </a:solidFill>
+              </a:rPr>
+              <a:t>.</a:t>
+            </a:r>
+            <a:endParaRPr lang="en-US" sz="2400" dirty="0">
+              <a:solidFill>
+                <a:schemeClr val="bg1">
+                  <a:lumMod val="85000"/>
+                </a:schemeClr>
+              </a:solidFill>
+            </a:endParaRPr>
+          </a:p>
+        </p:txBody>
+      </p:sp>
+    </p:spTree>
+    <p:extLst>
+      <p:ext uri="{BB962C8B-B14F-4D97-AF65-F5344CB8AC3E}">
+        <p14:creationId xmlns:p14="http://schemas.microsoft.com/office/powerpoint/2010/main" val="2443296507"/>
+      </p:ext>
+    </p:extLst>
+  </p:cSld>
+  <p:clrMapOvr>
+    <a:masterClrMapping/>
+  </p:clrMapOvr>
 </p:sld>
 </file>
 
 <file path=ppt/theme/theme1.xml><?xml version="1.0" encoding="utf-8"?>
-<a:theme xmlns:a="http://schemas.openxmlformats.org/drawingml/2006/main" name="Aerodynamiczny">
+<a:theme xmlns:a="http://schemas.openxmlformats.org/drawingml/2006/main" name="Motyw pakietu Office">
   <a:themeElements>
-    <a:clrScheme name="Aerodynamiczny">
+    <a:clrScheme name="Pakiet Office">
       <a:dk1>
         <a:sysClr val="windowText" lastClr="000000"/>
       </a:dk1>
@@ -5991,52 +8233,52 @@
         <a:sysClr val="window" lastClr="FFFFFF"/>
       </a:lt1>
       <a:dk2>
-        <a:srgbClr val="212745"/>
+        <a:srgbClr val="1F497D"/>
       </a:dk2>
       <a:lt2>
-        <a:srgbClr val="B4DCFA"/>
+        <a:srgbClr val="EEECE1"/>
       </a:lt2>
       <a:accent1>
-        <a:srgbClr val="4E67C8"/>
+        <a:srgbClr val="4F81BD"/>
       </a:accent1>
       <a:accent2>
-        <a:srgbClr val="5ECCF3"/>
+        <a:srgbClr val="C0504D"/>
       </a:accent2>
       <a:accent3>
-        <a:srgbClr val="A7EA52"/>
+        <a:srgbClr val="9BBB59"/>
       </a:accent3>
       <a:accent4>
-        <a:srgbClr val="5DCEAF"/>
+        <a:srgbClr val="8064A2"/>
       </a:accent4>
       <a:accent5>
-        <a:srgbClr val="FF8021"/>
+        <a:srgbClr val="4BACC6"/>
       </a:accent5>
       <a:accent6>
-        <a:srgbClr val="F14124"/>
+        <a:srgbClr val="F79646"/>
       </a:accent6>
       <a:hlink>
-        <a:srgbClr val="56C7AA"/>
+        <a:srgbClr val="0000FF"/>
       </a:hlink>
       <a:folHlink>
-        <a:srgbClr val="59A8D1"/>
+        <a:srgbClr val="800080"/>
       </a:folHlink>
     </a:clrScheme>
-    <a:fontScheme name="Aerodynamiczny">
+    <a:fontScheme name="Pakiet Office">
       <a:majorFont>
-        <a:latin typeface="Trebuchet MS"/>
+        <a:latin typeface="Calibri"/>
         <a:ea typeface=""/>
         <a:cs typeface=""/>
-        <a:font script="Jpan" typeface="HGｺﾞｼｯｸM"/>
-        <a:font script="Hang" typeface="HY그래픽B"/>
-        <a:font script="Hans" typeface="方正姚体"/>
-        <a:font script="Hant" typeface="微軟正黑體"/>
-        <a:font script="Arab" typeface="Tahoma"/>
-        <a:font script="Hebr" typeface="Gisha"/>
-        <a:font script="Thai" typeface="IrisUPC"/>
+        <a:font script="Jpan" typeface="ＭＳ Ｐゴシック"/>
+        <a:font script="Hang" typeface="맑은 고딕"/>
+        <a:font script="Hans" typeface="宋体"/>
+        <a:font script="Hant" typeface="新細明體"/>
+        <a:font script="Arab" typeface="Times New Roman"/>
+        <a:font script="Hebr" typeface="Times New Roman"/>
+        <a:font script="Thai" typeface="Angsana New"/>
         <a:font script="Ethi" typeface="Nyala"/>
         <a:font script="Beng" typeface="Vrinda"/>
         <a:font script="Gujr" typeface="Shruti"/>
-        <a:font script="Khmr" typeface="DaunPenh"/>
+        <a:font script="Khmr" typeface="MoolBoran"/>
         <a:font script="Knda" typeface="Tunga"/>
         <a:font script="Guru" typeface="Raavi"/>
         <a:font script="Cans" typeface="Euphemia"/>
@@ -6053,21 +8295,21 @@
         <a:font script="Laoo" typeface="DokChampa"/>
         <a:font script="Sinh" typeface="Iskoola Pota"/>
         <a:font script="Mong" typeface="Mongolian Baiti"/>
-        <a:font script="Viet" typeface="Tahoma"/>
+        <a:font script="Viet" typeface="Times New Roman"/>
         <a:font script="Uigh" typeface="Microsoft Uighur"/>
         <a:font script="Geor" typeface="Sylfaen"/>
       </a:majorFont>
       <a:minorFont>
-        <a:latin typeface="Trebuchet MS"/>
+        <a:latin typeface="Calibri"/>
         <a:ea typeface=""/>
         <a:cs typeface=""/>
-        <a:font script="Jpan" typeface="HGｺﾞｼｯｸM"/>
-        <a:font script="Hang" typeface="HY그래픽M"/>
-        <a:font script="Hans" typeface="方正姚体"/>
-        <a:font script="Hant" typeface="微軟正黑體"/>
-        <a:font script="Arab" typeface="Tahoma"/>
-        <a:font script="Hebr" typeface="Gisha"/>
-        <a:font script="Thai" typeface="IrisUPC"/>
+        <a:font script="Jpan" typeface="ＭＳ Ｐゴシック"/>
+        <a:font script="Hang" typeface="맑은 고딕"/>
+        <a:font script="Hans" typeface="宋体"/>
+        <a:font script="Hant" typeface="新細明體"/>
+        <a:font script="Arab" typeface="Arial"/>
+        <a:font script="Hebr" typeface="Arial"/>
+        <a:font script="Thai" typeface="Cordia New"/>
         <a:font script="Ethi" typeface="Nyala"/>
         <a:font script="Beng" typeface="Vrinda"/>
         <a:font script="Gujr" typeface="Shruti"/>
@@ -6093,61 +8335,64 @@
         <a:font script="Geor" typeface="Sylfaen"/>
       </a:minorFont>
     </a:fontScheme>
-    <a:fmtScheme name="Aerodynamiczny">
+    <a:fmtScheme name="Pakiet Office">
       <a:fillStyleLst>
         <a:solidFill>
           <a:schemeClr val="phClr"/>
         </a:solidFill>
         <a:gradFill rotWithShape="1">
           <a:gsLst>
-            <a:gs pos="28000">
+            <a:gs pos="0">
               <a:schemeClr val="phClr">
-                <a:tint val="18000"/>
-                <a:satMod val="120000"/>
-                <a:lumMod val="88000"/>
+                <a:tint val="50000"/>
+                <a:satMod val="300000"/>
+              </a:schemeClr>
+            </a:gs>
+            <a:gs pos="35000">
+              <a:schemeClr val="phClr">
+                <a:tint val="37000"/>
+                <a:satMod val="300000"/>
               </a:schemeClr>
             </a:gs>
             <a:gs pos="100000">
               <a:schemeClr val="phClr">
-                <a:tint val="40000"/>
-                <a:satMod val="100000"/>
-                <a:lumMod val="78000"/>
+                <a:tint val="15000"/>
+                <a:satMod val="350000"/>
               </a:schemeClr>
             </a:gs>
           </a:gsLst>
-          <a:lin ang="5400000" scaled="0"/>
+          <a:lin ang="16200000" scaled="1"/>
         </a:gradFill>
         <a:gradFill rotWithShape="1">
           <a:gsLst>
             <a:gs pos="0">
               <a:schemeClr val="phClr">
-                <a:lumMod val="95000"/>
+                <a:shade val="51000"/>
+                <a:satMod val="130000"/>
+              </a:schemeClr>
+            </a:gs>
+            <a:gs pos="80000">
+              <a:schemeClr val="phClr">
+                <a:shade val="93000"/>
+                <a:satMod val="130000"/>
               </a:schemeClr>
             </a:gs>
             <a:gs pos="100000">
               <a:schemeClr val="phClr">
-                <a:shade val="82000"/>
-                <a:satMod val="125000"/>
-                <a:lumMod val="74000"/>
+                <a:shade val="94000"/>
+                <a:satMod val="135000"/>
               </a:schemeClr>
             </a:gs>
           </a:gsLst>
-          <a:lin ang="5400000" scaled="0"/>
+          <a:lin ang="16200000" scaled="0"/>
         </a:gradFill>
       </a:fillStyleLst>
       <a:lnStyleLst>
         <a:ln w="9525" cap="flat" cmpd="sng" algn="ctr">
           <a:solidFill>
-            <a:schemeClr val="phClr"/>
-          </a:solidFill>
-          <a:prstDash val="solid"/>
-        </a:ln>
-        <a:ln w="15875" cap="flat" cmpd="sng" algn="ctr">
-          <a:solidFill>
             <a:schemeClr val="phClr">
-              <a:shade val="75000"/>
-              <a:satMod val="125000"/>
-              <a:lumMod val="75000"/>
+              <a:shade val="95000"/>
+              <a:satMod val="105000"/>
             </a:schemeClr>
           </a:solidFill>
           <a:prstDash val="solid"/>
@@ -6158,22 +8403,37 @@
           </a:solidFill>
           <a:prstDash val="solid"/>
         </a:ln>
+        <a:ln w="38100" cap="flat" cmpd="sng" algn="ctr">
+          <a:solidFill>
+            <a:schemeClr val="phClr"/>
+          </a:solidFill>
+          <a:prstDash val="solid"/>
+        </a:ln>
       </a:lnStyleLst>
       <a:effectStyleLst>
         <a:effectStyle>
           <a:effectLst>
-            <a:outerShdw blurRad="63500" dist="50800" dir="5400000" sx="98000" sy="98000" rotWithShape="0">
+            <a:outerShdw blurRad="40000" dist="20000" dir="5400000" rotWithShape="0">
               <a:srgbClr val="000000">
-                <a:alpha val="20000"/>
+                <a:alpha val="38000"/>
               </a:srgbClr>
             </a:outerShdw>
           </a:effectLst>
         </a:effectStyle>
         <a:effectStyle>
           <a:effectLst>
-            <a:outerShdw blurRad="40005" dist="22984" dir="5400000" rotWithShape="0">
+            <a:outerShdw blurRad="40000" dist="23000" dir="5400000" rotWithShape="0">
               <a:srgbClr val="000000">
-                <a:alpha val="45000"/>
+                <a:alpha val="35000"/>
+              </a:srgbClr>
+            </a:outerShdw>
+          </a:effectLst>
+        </a:effectStyle>
+        <a:effectStyle>
+          <a:effectLst>
+            <a:outerShdw blurRad="40000" dist="23000" dir="5400000" rotWithShape="0">
+              <a:srgbClr val="000000">
+                <a:alpha val="35000"/>
               </a:srgbClr>
             </a:outerShdw>
           </a:effectLst>
@@ -6181,30 +8441,12 @@
             <a:camera prst="orthographicFront">
               <a:rot lat="0" lon="0" rev="0"/>
             </a:camera>
-            <a:lightRig rig="balanced" dir="tr"/>
+            <a:lightRig rig="threePt" dir="t">
+              <a:rot lat="0" lon="0" rev="1200000"/>
+            </a:lightRig>
           </a:scene3d>
-          <a:sp3d prstMaterial="matte">
-            <a:bevelT w="19050" h="38100"/>
-          </a:sp3d>
-        </a:effectStyle>
-        <a:effectStyle>
-          <a:effectLst>
-            <a:reflection blurRad="38100" stA="26000" endPos="23000" dist="25400" dir="5400000" sy="-100000" rotWithShape="0"/>
-          </a:effectLst>
-          <a:scene3d>
-            <a:camera prst="orthographicFront">
-              <a:rot lat="0" lon="0" rev="0"/>
-            </a:camera>
-            <a:lightRig rig="balanced" dir="tr"/>
-          </a:scene3d>
-          <a:sp3d contourW="14605" prstMaterial="plastic">
-            <a:bevelT w="50800"/>
-            <a:contourClr>
-              <a:schemeClr val="phClr">
-                <a:shade val="30000"/>
-                <a:satMod val="120000"/>
-              </a:schemeClr>
-            </a:contourClr>
+          <a:sp3d>
+            <a:bevelT w="63500" h="25400"/>
           </a:sp3d>
         </a:effectStyle>
       </a:effectStyleLst>
@@ -6216,62 +8458,45 @@
           <a:gsLst>
             <a:gs pos="0">
               <a:schemeClr val="phClr">
-                <a:tint val="98000"/>
-                <a:shade val="90000"/>
-                <a:satMod val="160000"/>
-                <a:lumMod val="100000"/>
+                <a:tint val="40000"/>
+                <a:satMod val="350000"/>
               </a:schemeClr>
             </a:gs>
-            <a:gs pos="60000">
+            <a:gs pos="40000">
               <a:schemeClr val="phClr">
-                <a:tint val="95000"/>
-                <a:shade val="100000"/>
-                <a:satMod val="130000"/>
-                <a:lumMod val="130000"/>
+                <a:tint val="45000"/>
+                <a:shade val="99000"/>
+                <a:satMod val="350000"/>
               </a:schemeClr>
             </a:gs>
             <a:gs pos="100000">
               <a:schemeClr val="phClr">
-                <a:tint val="97000"/>
-                <a:shade val="100000"/>
-                <a:hueMod val="100000"/>
-                <a:satMod val="140000"/>
-                <a:lumMod val="80000"/>
+                <a:shade val="20000"/>
+                <a:satMod val="255000"/>
               </a:schemeClr>
             </a:gs>
           </a:gsLst>
           <a:path path="circle">
-            <a:fillToRect l="20000" t="10000" r="20000" b="60000"/>
+            <a:fillToRect l="50000" t="-80000" r="50000" b="180000"/>
           </a:path>
         </a:gradFill>
         <a:gradFill rotWithShape="1">
           <a:gsLst>
             <a:gs pos="0">
               <a:schemeClr val="phClr">
-                <a:tint val="94000"/>
-                <a:satMod val="160000"/>
-                <a:lumMod val="160000"/>
-              </a:schemeClr>
-            </a:gs>
-            <a:gs pos="42000">
-              <a:schemeClr val="phClr">
-                <a:tint val="94000"/>
-                <a:shade val="94000"/>
-                <a:satMod val="160000"/>
-                <a:lumMod val="130000"/>
+                <a:tint val="80000"/>
+                <a:satMod val="300000"/>
               </a:schemeClr>
             </a:gs>
             <a:gs pos="100000">
               <a:schemeClr val="phClr">
-                <a:tint val="97000"/>
-                <a:shade val="94000"/>
-                <a:satMod val="180000"/>
-                <a:lumMod val="84000"/>
+                <a:shade val="30000"/>
+                <a:satMod val="200000"/>
               </a:schemeClr>
             </a:gs>
           </a:gsLst>
           <a:path path="circle">
-            <a:fillToRect l="24000" t="44000" r="24000" b="12000"/>
+            <a:fillToRect l="50000" t="50000" r="50000" b="50000"/>
           </a:path>
         </a:gradFill>
       </a:bgFillStyleLst>
